--- a/elixir.pptx
+++ b/elixir.pptx
@@ -4221,7 +4221,6 @@
         </p:nvPicPr>
         <p:blipFill>
           <a:blip r:embed="rId3">
-            <a:lum bright="-50000"/>
             <a:alphaModFix/>
           </a:blip>
           <a:srcRect/>
@@ -4282,7 +4281,7 @@
               <a:tabLst/>
             </a:pPr>
             <a:r>
-              <a:rPr lang="en-US" sz="2000" b="0" i="0" u="none" strike="noStrike" kern="1200" cap="none">
+              <a:rPr lang="en-US" sz="2000" b="0" i="0" u="none" strike="noStrike" kern="1200" cap="none" dirty="0" err="1">
                 <a:ln>
                   <a:noFill/>
                 </a:ln>
@@ -4293,7 +4292,21 @@
                 <a:ea typeface="Droid Sans Fallback" pitchFamily="2"/>
                 <a:cs typeface="FreeSans" pitchFamily="2"/>
               </a:rPr>
-              <a:t>Beata Obrok</a:t>
+              <a:t>Beata</a:t>
+            </a:r>
+            <a:r>
+              <a:rPr lang="en-US" sz="2000" b="0" i="0" u="none" strike="noStrike" kern="1200" cap="none" dirty="0">
+                <a:ln>
+                  <a:noFill/>
+                </a:ln>
+                <a:solidFill>
+                  <a:srgbClr val="B2B2B2"/>
+                </a:solidFill>
+                <a:latin typeface="Lovelo Black" pitchFamily="18"/>
+                <a:ea typeface="Droid Sans Fallback" pitchFamily="2"/>
+                <a:cs typeface="FreeSans" pitchFamily="2"/>
+              </a:rPr>
+              <a:t> Obrok</a:t>
             </a:r>
           </a:p>
         </p:txBody>
@@ -4498,19 +4511,19 @@
         </p:nvSpPr>
         <p:spPr>
           <a:xfrm>
-            <a:off x="1371599" y="301320"/>
-            <a:ext cx="8200799" cy="1262520"/>
-          </a:xfrm>
-        </p:spPr>
-        <p:txBody>
-          <a:bodyPr>
+            <a:off x="4505978" y="5578981"/>
+            <a:ext cx="1586510" cy="677108"/>
+          </a:xfrm>
+        </p:spPr>
+        <p:txBody>
+          <a:bodyPr wrap="square">
             <a:spAutoFit/>
           </a:bodyPr>
           <a:lstStyle/>
           <a:p>
             <a:pPr lvl="0" algn="l"/>
             <a:r>
-              <a:rPr lang="en-US">
+              <a:rPr lang="en-US" dirty="0">
                 <a:solidFill>
                   <a:srgbClr val="333333"/>
                 </a:solidFill>
@@ -4531,7 +4544,6 @@
         </p:nvPicPr>
         <p:blipFill>
           <a:blip r:embed="rId3">
-            <a:lum bright="-50000"/>
             <a:alphaModFix/>
           </a:blip>
           <a:srcRect/>
@@ -4541,7 +4553,7 @@
         </p:blipFill>
         <p:spPr>
           <a:xfrm>
-            <a:off x="366119" y="331200"/>
+            <a:off x="3648818" y="5488775"/>
             <a:ext cx="857159" cy="857519"/>
           </a:xfrm>
           <a:prstGeom prst="rect">
@@ -4565,8 +4577,8 @@
         </p:nvSpPr>
         <p:spPr>
           <a:xfrm>
-            <a:off x="4023360" y="1828800"/>
-            <a:ext cx="2286000" cy="822960"/>
+            <a:off x="4299501" y="427703"/>
+            <a:ext cx="1354047" cy="822960"/>
           </a:xfrm>
         </p:spPr>
         <p:txBody>
@@ -4579,7 +4591,7 @@
               </a:lnSpc>
             </a:pPr>
             <a:r>
-              <a:rPr lang="en-US">
+              <a:rPr lang="en-US" dirty="0" err="1">
                 <a:solidFill>
                   <a:srgbClr val="666666"/>
                 </a:solidFill>
@@ -4587,6 +4599,12 @@
               </a:rPr>
               <a:t>Erlang</a:t>
             </a:r>
+            <a:endParaRPr lang="en-US" dirty="0">
+              <a:solidFill>
+                <a:srgbClr val="666666"/>
+              </a:solidFill>
+              <a:latin typeface="Bitter" pitchFamily="18"/>
+            </a:endParaRPr>
           </a:p>
         </p:txBody>
       </p:sp>
@@ -4598,7 +4616,7 @@
         </p:nvSpPr>
         <p:spPr>
           <a:xfrm>
-            <a:off x="1188719" y="2468880"/>
+            <a:off x="1401095" y="1250663"/>
             <a:ext cx="2286000" cy="822960"/>
           </a:xfrm>
           <a:prstGeom prst="rect">
@@ -4624,7 +4642,7 @@
               </a:defRPr>
             </a:pPr>
             <a:r>
-              <a:rPr lang="en-US" sz="3200" b="0" i="0" u="none" strike="noStrike" kern="1200" cap="none">
+              <a:rPr lang="en-US" sz="3200" b="0" i="0" u="none" strike="noStrike" kern="1200" cap="none" dirty="0" err="1">
                 <a:ln>
                   <a:noFill/>
                 </a:ln>
@@ -4637,6 +4655,17 @@
               </a:rPr>
               <a:t>Clojure</a:t>
             </a:r>
+            <a:endParaRPr lang="en-US" sz="3200" b="0" i="0" u="none" strike="noStrike" kern="1200" cap="none" dirty="0">
+              <a:ln>
+                <a:noFill/>
+              </a:ln>
+              <a:solidFill>
+                <a:srgbClr val="666666"/>
+              </a:solidFill>
+              <a:latin typeface="Bitter" pitchFamily="18"/>
+              <a:ea typeface="Droid Sans Fallback" pitchFamily="2"/>
+              <a:cs typeface="FreeSans" pitchFamily="2"/>
+            </a:endParaRPr>
           </a:p>
         </p:txBody>
       </p:sp>
@@ -4648,7 +4677,7 @@
         </p:nvSpPr>
         <p:spPr>
           <a:xfrm>
-            <a:off x="7040880" y="2468880"/>
+            <a:off x="7366818" y="1227206"/>
             <a:ext cx="2286000" cy="822960"/>
           </a:xfrm>
           <a:prstGeom prst="rect">
@@ -4674,7 +4703,7 @@
               </a:defRPr>
             </a:pPr>
             <a:r>
-              <a:rPr lang="en-US" sz="3200" b="0" i="0" u="none" strike="noStrike" kern="1200" cap="none">
+              <a:rPr lang="en-US" sz="3200" b="0" i="0" u="none" strike="noStrike" kern="1200" cap="none" dirty="0">
                 <a:ln>
                   <a:noFill/>
                 </a:ln>
@@ -4690,6 +4719,458 @@
           </a:p>
         </p:txBody>
       </p:sp>
+      <p:cxnSp>
+        <p:nvCxnSpPr>
+          <p:cNvPr id="10" name="Straight Arrow Connector 9"/>
+          <p:cNvCxnSpPr/>
+          <p:nvPr/>
+        </p:nvCxnSpPr>
+        <p:spPr>
+          <a:xfrm>
+            <a:off x="4976523" y="1231980"/>
+            <a:ext cx="0" cy="921284"/>
+          </a:xfrm>
+          <a:prstGeom prst="straightConnector1">
+            <a:avLst/>
+          </a:prstGeom>
+          <a:ln w="28575">
+            <a:solidFill>
+              <a:schemeClr val="accent5">
+                <a:lumMod val="50000"/>
+              </a:schemeClr>
+            </a:solidFill>
+            <a:tailEnd type="triangle"/>
+          </a:ln>
+        </p:spPr>
+        <p:style>
+          <a:lnRef idx="3">
+            <a:schemeClr val="accent5"/>
+          </a:lnRef>
+          <a:fillRef idx="0">
+            <a:schemeClr val="accent5"/>
+          </a:fillRef>
+          <a:effectRef idx="2">
+            <a:schemeClr val="accent5"/>
+          </a:effectRef>
+          <a:fontRef idx="minor">
+            <a:schemeClr val="tx1"/>
+          </a:fontRef>
+        </p:style>
+      </p:cxnSp>
+      <p:sp>
+        <p:nvSpPr>
+          <p:cNvPr id="12" name="TextBox 11"/>
+          <p:cNvSpPr txBox="1"/>
+          <p:nvPr/>
+        </p:nvSpPr>
+        <p:spPr>
+          <a:xfrm>
+            <a:off x="4505977" y="2222787"/>
+            <a:ext cx="941091" cy="715089"/>
+          </a:xfrm>
+          <a:prstGeom prst="roundRect">
+            <a:avLst/>
+          </a:prstGeom>
+          <a:noFill/>
+          <a:ln w="28575">
+            <a:noFill/>
+          </a:ln>
+        </p:spPr>
+        <p:style>
+          <a:lnRef idx="2">
+            <a:schemeClr val="dk1"/>
+          </a:lnRef>
+          <a:fillRef idx="1">
+            <a:schemeClr val="lt1"/>
+          </a:fillRef>
+          <a:effectRef idx="0">
+            <a:schemeClr val="dk1"/>
+          </a:effectRef>
+          <a:fontRef idx="minor">
+            <a:schemeClr val="dk1"/>
+          </a:fontRef>
+        </p:style>
+        <p:txBody>
+          <a:bodyPr wrap="square" rtlCol="0">
+            <a:spAutoFit/>
+          </a:bodyPr>
+          <a:lstStyle/>
+          <a:p>
+            <a:pPr algn="ctr"/>
+            <a:r>
+              <a:rPr lang="pl-PL" dirty="0" smtClean="0">
+                <a:solidFill>
+                  <a:schemeClr val="tx1">
+                    <a:lumMod val="65000"/>
+                    <a:lumOff val="35000"/>
+                  </a:schemeClr>
+                </a:solidFill>
+                <a:latin typeface="Bitter" panose="00000500000000000000" pitchFamily="50" charset="-18"/>
+              </a:rPr>
+              <a:t>BEAM</a:t>
+            </a:r>
+          </a:p>
+          <a:p>
+            <a:pPr algn="ctr"/>
+            <a:r>
+              <a:rPr lang="pl-PL" dirty="0" smtClean="0">
+                <a:solidFill>
+                  <a:schemeClr val="tx1">
+                    <a:lumMod val="65000"/>
+                    <a:lumOff val="35000"/>
+                  </a:schemeClr>
+                </a:solidFill>
+                <a:latin typeface="Bitter" panose="00000500000000000000" pitchFamily="50" charset="-18"/>
+              </a:rPr>
+              <a:t>OTP</a:t>
+            </a:r>
+            <a:endParaRPr lang="pl-PL" dirty="0">
+              <a:solidFill>
+                <a:schemeClr val="tx1">
+                  <a:lumMod val="65000"/>
+                  <a:lumOff val="35000"/>
+                </a:schemeClr>
+              </a:solidFill>
+              <a:latin typeface="Bitter" panose="00000500000000000000" pitchFamily="50" charset="-18"/>
+            </a:endParaRPr>
+          </a:p>
+        </p:txBody>
+      </p:sp>
+      <p:cxnSp>
+        <p:nvCxnSpPr>
+          <p:cNvPr id="14" name="Straight Arrow Connector 13"/>
+          <p:cNvCxnSpPr/>
+          <p:nvPr/>
+        </p:nvCxnSpPr>
+        <p:spPr>
+          <a:xfrm>
+            <a:off x="7822961" y="2050166"/>
+            <a:ext cx="0" cy="921284"/>
+          </a:xfrm>
+          <a:prstGeom prst="straightConnector1">
+            <a:avLst/>
+          </a:prstGeom>
+          <a:ln w="28575">
+            <a:solidFill>
+              <a:schemeClr val="accent5">
+                <a:lumMod val="50000"/>
+              </a:schemeClr>
+            </a:solidFill>
+            <a:tailEnd type="triangle"/>
+          </a:ln>
+        </p:spPr>
+        <p:style>
+          <a:lnRef idx="3">
+            <a:schemeClr val="accent5"/>
+          </a:lnRef>
+          <a:fillRef idx="0">
+            <a:schemeClr val="accent5"/>
+          </a:fillRef>
+          <a:effectRef idx="2">
+            <a:schemeClr val="accent5"/>
+          </a:effectRef>
+          <a:fontRef idx="minor">
+            <a:schemeClr val="tx1"/>
+          </a:fontRef>
+        </p:style>
+      </p:cxnSp>
+      <p:sp>
+        <p:nvSpPr>
+          <p:cNvPr id="15" name="TextBox 14"/>
+          <p:cNvSpPr txBox="1"/>
+          <p:nvPr/>
+        </p:nvSpPr>
+        <p:spPr>
+          <a:xfrm>
+            <a:off x="7104149" y="3186482"/>
+            <a:ext cx="1437623" cy="408623"/>
+          </a:xfrm>
+          <a:prstGeom prst="roundRect">
+            <a:avLst/>
+          </a:prstGeom>
+          <a:noFill/>
+          <a:ln w="28575">
+            <a:noFill/>
+          </a:ln>
+        </p:spPr>
+        <p:style>
+          <a:lnRef idx="2">
+            <a:schemeClr val="dk1"/>
+          </a:lnRef>
+          <a:fillRef idx="1">
+            <a:schemeClr val="lt1"/>
+          </a:fillRef>
+          <a:effectRef idx="0">
+            <a:schemeClr val="dk1"/>
+          </a:effectRef>
+          <a:fontRef idx="minor">
+            <a:schemeClr val="dk1"/>
+          </a:fontRef>
+        </p:style>
+        <p:txBody>
+          <a:bodyPr wrap="square" rtlCol="0">
+            <a:spAutoFit/>
+          </a:bodyPr>
+          <a:lstStyle/>
+          <a:p>
+            <a:pPr algn="ctr"/>
+            <a:r>
+              <a:rPr lang="pl-PL" dirty="0" smtClean="0">
+                <a:solidFill>
+                  <a:schemeClr val="tx1">
+                    <a:lumMod val="65000"/>
+                    <a:lumOff val="35000"/>
+                  </a:schemeClr>
+                </a:solidFill>
+                <a:latin typeface="Bitter" panose="00000500000000000000" pitchFamily="50" charset="-18"/>
+              </a:rPr>
+              <a:t>Syntax</a:t>
+            </a:r>
+            <a:endParaRPr lang="pl-PL" dirty="0">
+              <a:solidFill>
+                <a:schemeClr val="tx1">
+                  <a:lumMod val="65000"/>
+                  <a:lumOff val="35000"/>
+                </a:schemeClr>
+              </a:solidFill>
+              <a:latin typeface="Bitter" panose="00000500000000000000" pitchFamily="50" charset="-18"/>
+            </a:endParaRPr>
+          </a:p>
+        </p:txBody>
+      </p:sp>
+      <p:cxnSp>
+        <p:nvCxnSpPr>
+          <p:cNvPr id="16" name="Straight Arrow Connector 15"/>
+          <p:cNvCxnSpPr/>
+          <p:nvPr/>
+        </p:nvCxnSpPr>
+        <p:spPr>
+          <a:xfrm>
+            <a:off x="2120252" y="2073623"/>
+            <a:ext cx="0" cy="921284"/>
+          </a:xfrm>
+          <a:prstGeom prst="straightConnector1">
+            <a:avLst/>
+          </a:prstGeom>
+          <a:ln w="28575">
+            <a:solidFill>
+              <a:schemeClr val="accent5">
+                <a:lumMod val="50000"/>
+              </a:schemeClr>
+            </a:solidFill>
+            <a:tailEnd type="triangle"/>
+          </a:ln>
+        </p:spPr>
+        <p:style>
+          <a:lnRef idx="3">
+            <a:schemeClr val="accent5"/>
+          </a:lnRef>
+          <a:fillRef idx="0">
+            <a:schemeClr val="accent5"/>
+          </a:fillRef>
+          <a:effectRef idx="2">
+            <a:schemeClr val="accent5"/>
+          </a:effectRef>
+          <a:fontRef idx="minor">
+            <a:schemeClr val="tx1"/>
+          </a:fontRef>
+        </p:style>
+      </p:cxnSp>
+      <p:sp>
+        <p:nvSpPr>
+          <p:cNvPr id="17" name="TextBox 16"/>
+          <p:cNvSpPr txBox="1"/>
+          <p:nvPr/>
+        </p:nvSpPr>
+        <p:spPr>
+          <a:xfrm>
+            <a:off x="1343675" y="3033250"/>
+            <a:ext cx="1553153" cy="715089"/>
+          </a:xfrm>
+          <a:prstGeom prst="roundRect">
+            <a:avLst/>
+          </a:prstGeom>
+          <a:noFill/>
+          <a:ln w="28575">
+            <a:noFill/>
+          </a:ln>
+        </p:spPr>
+        <p:style>
+          <a:lnRef idx="2">
+            <a:schemeClr val="dk1"/>
+          </a:lnRef>
+          <a:fillRef idx="1">
+            <a:schemeClr val="lt1"/>
+          </a:fillRef>
+          <a:effectRef idx="0">
+            <a:schemeClr val="dk1"/>
+          </a:effectRef>
+          <a:fontRef idx="minor">
+            <a:schemeClr val="dk1"/>
+          </a:fontRef>
+        </p:style>
+        <p:txBody>
+          <a:bodyPr wrap="square" rtlCol="0">
+            <a:spAutoFit/>
+          </a:bodyPr>
+          <a:lstStyle/>
+          <a:p>
+            <a:pPr algn="ctr"/>
+            <a:r>
+              <a:rPr lang="pl-PL" dirty="0" smtClean="0">
+                <a:solidFill>
+                  <a:schemeClr val="tx1">
+                    <a:lumMod val="65000"/>
+                    <a:lumOff val="35000"/>
+                  </a:schemeClr>
+                </a:solidFill>
+                <a:latin typeface="Bitter" panose="00000500000000000000" pitchFamily="50" charset="-18"/>
+              </a:rPr>
+              <a:t>Makra</a:t>
+            </a:r>
+          </a:p>
+          <a:p>
+            <a:pPr algn="ctr"/>
+            <a:r>
+              <a:rPr lang="pl-PL" dirty="0" smtClean="0">
+                <a:solidFill>
+                  <a:schemeClr val="tx1">
+                    <a:lumMod val="65000"/>
+                    <a:lumOff val="35000"/>
+                  </a:schemeClr>
+                </a:solidFill>
+                <a:latin typeface="Bitter" panose="00000500000000000000" pitchFamily="50" charset="-18"/>
+              </a:rPr>
+              <a:t>Protokoły</a:t>
+            </a:r>
+            <a:endParaRPr lang="pl-PL" dirty="0">
+              <a:solidFill>
+                <a:schemeClr val="tx1">
+                  <a:lumMod val="65000"/>
+                  <a:lumOff val="35000"/>
+                </a:schemeClr>
+              </a:solidFill>
+              <a:latin typeface="Bitter" panose="00000500000000000000" pitchFamily="50" charset="-18"/>
+            </a:endParaRPr>
+          </a:p>
+        </p:txBody>
+      </p:sp>
+      <p:cxnSp>
+        <p:nvCxnSpPr>
+          <p:cNvPr id="18" name="Straight Arrow Connector 17"/>
+          <p:cNvCxnSpPr>
+            <a:stCxn id="17" idx="2"/>
+          </p:cNvCxnSpPr>
+          <p:nvPr/>
+        </p:nvCxnSpPr>
+        <p:spPr>
+          <a:xfrm>
+            <a:off x="2120252" y="3748339"/>
+            <a:ext cx="2530406" cy="1600409"/>
+          </a:xfrm>
+          <a:prstGeom prst="straightConnector1">
+            <a:avLst/>
+          </a:prstGeom>
+          <a:ln w="28575">
+            <a:solidFill>
+              <a:schemeClr val="accent5">
+                <a:lumMod val="50000"/>
+              </a:schemeClr>
+            </a:solidFill>
+            <a:tailEnd type="triangle"/>
+          </a:ln>
+        </p:spPr>
+        <p:style>
+          <a:lnRef idx="3">
+            <a:schemeClr val="accent5"/>
+          </a:lnRef>
+          <a:fillRef idx="0">
+            <a:schemeClr val="accent5"/>
+          </a:fillRef>
+          <a:effectRef idx="2">
+            <a:schemeClr val="accent5"/>
+          </a:effectRef>
+          <a:fontRef idx="minor">
+            <a:schemeClr val="tx1"/>
+          </a:fontRef>
+        </p:style>
+      </p:cxnSp>
+      <p:cxnSp>
+        <p:nvCxnSpPr>
+          <p:cNvPr id="20" name="Straight Arrow Connector 19"/>
+          <p:cNvCxnSpPr/>
+          <p:nvPr/>
+        </p:nvCxnSpPr>
+        <p:spPr>
+          <a:xfrm>
+            <a:off x="4976522" y="3033250"/>
+            <a:ext cx="0" cy="2315498"/>
+          </a:xfrm>
+          <a:prstGeom prst="straightConnector1">
+            <a:avLst/>
+          </a:prstGeom>
+          <a:ln w="28575">
+            <a:solidFill>
+              <a:schemeClr val="accent5">
+                <a:lumMod val="50000"/>
+              </a:schemeClr>
+            </a:solidFill>
+            <a:tailEnd type="triangle"/>
+          </a:ln>
+        </p:spPr>
+        <p:style>
+          <a:lnRef idx="3">
+            <a:schemeClr val="accent5"/>
+          </a:lnRef>
+          <a:fillRef idx="0">
+            <a:schemeClr val="accent5"/>
+          </a:fillRef>
+          <a:effectRef idx="2">
+            <a:schemeClr val="accent5"/>
+          </a:effectRef>
+          <a:fontRef idx="minor">
+            <a:schemeClr val="tx1"/>
+          </a:fontRef>
+        </p:style>
+      </p:cxnSp>
+      <p:cxnSp>
+        <p:nvCxnSpPr>
+          <p:cNvPr id="22" name="Straight Arrow Connector 21"/>
+          <p:cNvCxnSpPr/>
+          <p:nvPr/>
+        </p:nvCxnSpPr>
+        <p:spPr>
+          <a:xfrm flipH="1">
+            <a:off x="5299235" y="3748339"/>
+            <a:ext cx="2523725" cy="1600409"/>
+          </a:xfrm>
+          <a:prstGeom prst="straightConnector1">
+            <a:avLst/>
+          </a:prstGeom>
+          <a:ln w="28575">
+            <a:solidFill>
+              <a:schemeClr val="accent5">
+                <a:lumMod val="50000"/>
+              </a:schemeClr>
+            </a:solidFill>
+            <a:tailEnd type="triangle"/>
+          </a:ln>
+        </p:spPr>
+        <p:style>
+          <a:lnRef idx="3">
+            <a:schemeClr val="accent5"/>
+          </a:lnRef>
+          <a:fillRef idx="0">
+            <a:schemeClr val="accent5"/>
+          </a:fillRef>
+          <a:effectRef idx="2">
+            <a:schemeClr val="accent5"/>
+          </a:effectRef>
+          <a:fontRef idx="minor">
+            <a:schemeClr val="tx1"/>
+          </a:fontRef>
+        </p:style>
+      </p:cxnSp>
     </p:spTree>
   </p:cSld>
   <p:clrMapOvr>
@@ -4765,38 +5246,6 @@
           </a:p>
         </p:txBody>
       </p:sp>
-      <p:pic>
-        <p:nvPicPr>
-          <p:cNvPr id="3" name=""/>
-          <p:cNvPicPr>
-            <a:picLocks noChangeAspect="1"/>
-          </p:cNvPicPr>
-          <p:nvPr/>
-        </p:nvPicPr>
-        <p:blipFill>
-          <a:blip r:embed="rId3">
-            <a:lum bright="-50000"/>
-            <a:alphaModFix/>
-          </a:blip>
-          <a:srcRect/>
-          <a:stretch>
-            <a:fillRect/>
-          </a:stretch>
-        </p:blipFill>
-        <p:spPr>
-          <a:xfrm>
-            <a:off x="366119" y="331200"/>
-            <a:ext cx="857159" cy="857519"/>
-          </a:xfrm>
-          <a:prstGeom prst="rect">
-            <a:avLst/>
-          </a:prstGeom>
-          <a:noFill/>
-          <a:ln>
-            <a:noFill/>
-          </a:ln>
-        </p:spPr>
-      </p:pic>
       <p:sp>
         <p:nvSpPr>
           <p:cNvPr id="4" name="Subtitle 3"/>
@@ -4874,6 +5323,48 @@
           </a:p>
         </p:txBody>
       </p:sp>
+      <p:pic>
+        <p:nvPicPr>
+          <p:cNvPr id="8" name="Picture 7"/>
+          <p:cNvPicPr>
+            <a:picLocks noChangeAspect="1"/>
+          </p:cNvPicPr>
+          <p:nvPr/>
+        </p:nvPicPr>
+        <p:blipFill>
+          <a:blip r:embed="rId3">
+            <a:alphaModFix/>
+            <a:extLst>
+              <a:ext uri="{BEBA8EAE-BF5A-486C-A8C5-ECC9F3942E4B}">
+                <a14:imgProps xmlns:a14="http://schemas.microsoft.com/office/drawing/2010/main">
+                  <a14:imgLayer r:embed="rId4">
+                    <a14:imgEffect>
+                      <a14:brightnessContrast contrast="-40000"/>
+                    </a14:imgEffect>
+                  </a14:imgLayer>
+                </a14:imgProps>
+              </a:ext>
+            </a:extLst>
+          </a:blip>
+          <a:srcRect/>
+          <a:stretch>
+            <a:fillRect/>
+          </a:stretch>
+        </p:blipFill>
+        <p:spPr>
+          <a:xfrm>
+            <a:off x="366119" y="331200"/>
+            <a:ext cx="857159" cy="857519"/>
+          </a:xfrm>
+          <a:prstGeom prst="rect">
+            <a:avLst/>
+          </a:prstGeom>
+          <a:noFill/>
+          <a:ln>
+            <a:noFill/>
+          </a:ln>
+        </p:spPr>
+      </p:pic>
     </p:spTree>
   </p:cSld>
   <p:clrMapOvr>
@@ -4949,9 +5440,93 @@
           </a:p>
         </p:txBody>
       </p:sp>
+      <p:sp>
+        <p:nvSpPr>
+          <p:cNvPr id="4" name="TextBox 3"/>
+          <p:cNvSpPr txBox="1"/>
+          <p:nvPr/>
+        </p:nvSpPr>
+        <p:spPr>
+          <a:xfrm>
+            <a:off x="1119600" y="1737359"/>
+            <a:ext cx="3909600" cy="5303520"/>
+          </a:xfrm>
+          <a:prstGeom prst="rect">
+            <a:avLst/>
+          </a:prstGeom>
+          <a:noFill/>
+          <a:ln>
+            <a:noFill/>
+          </a:ln>
+        </p:spPr>
+        <p:txBody>
+          <a:bodyPr vert="horz" wrap="none" lIns="90000" tIns="45000" rIns="90000" bIns="45000" anchorCtr="0" compatLnSpc="0">
+            <a:spAutoFit/>
+          </a:bodyPr>
+          <a:lstStyle/>
+          <a:p>
+            <a:pPr marL="0" marR="0" lvl="0" indent="0" rtl="0" hangingPunct="0">
+              <a:lnSpc>
+                <a:spcPct val="150000"/>
+              </a:lnSpc>
+              <a:spcBef>
+                <a:spcPts val="575"/>
+              </a:spcBef>
+              <a:spcAft>
+                <a:spcPts val="575"/>
+              </a:spcAft>
+              <a:buNone/>
+              <a:tabLst/>
+            </a:pPr>
+            <a:r>
+              <a:rPr lang="en-US" sz="2400" b="1" i="0" u="none" strike="noStrike" kern="1200" cap="none">
+                <a:ln>
+                  <a:noFill/>
+                </a:ln>
+                <a:solidFill>
+                  <a:srgbClr val="666666"/>
+                </a:solidFill>
+                <a:latin typeface="Lovelo Black" pitchFamily="18"/>
+                <a:ea typeface="Droid Sans Fallback" pitchFamily="2"/>
+                <a:cs typeface="FreeSans" pitchFamily="2"/>
+              </a:rPr>
+              <a:t>Licencja:</a:t>
+            </a:r>
+          </a:p>
+          <a:p>
+            <a:pPr marL="0" marR="0" lvl="0" indent="0" rtl="0" hangingPunct="0">
+              <a:lnSpc>
+                <a:spcPct val="150000"/>
+              </a:lnSpc>
+              <a:spcBef>
+                <a:spcPts val="575"/>
+              </a:spcBef>
+              <a:spcAft>
+                <a:spcPts val="575"/>
+              </a:spcAft>
+              <a:buNone/>
+              <a:tabLst/>
+            </a:pPr>
+            <a:r>
+              <a:rPr lang="en-US" sz="2400" b="1" i="0" u="none" strike="noStrike" kern="1200" cap="none">
+                <a:ln>
+                  <a:noFill/>
+                </a:ln>
+                <a:solidFill>
+                  <a:srgbClr val="999999"/>
+                </a:solidFill>
+                <a:latin typeface="Lovelo Black" pitchFamily="18"/>
+                <a:ea typeface="Droid Sans Fallback" pitchFamily="2"/>
+                <a:cs typeface="FreeSans" pitchFamily="2"/>
+              </a:rPr>
+              <a:t>APACHE License</a:t>
+            </a:r>
+          </a:p>
+        </p:txBody>
+      </p:sp>
       <p:pic>
         <p:nvPicPr>
-          <p:cNvPr id="3" name=""/>
+          <p:cNvPr id="5" name=""/>
           <p:cNvPicPr>
             <a:picLocks noChangeAspect="1"/>
           </p:cNvPicPr>
@@ -4969,122 +5544,6 @@
         </p:blipFill>
         <p:spPr>
           <a:xfrm>
-            <a:off x="365760" y="331200"/>
-            <a:ext cx="857159" cy="857519"/>
-          </a:xfrm>
-          <a:prstGeom prst="rect">
-            <a:avLst/>
-          </a:prstGeom>
-          <a:noFill/>
-          <a:ln>
-            <a:noFill/>
-          </a:ln>
-        </p:spPr>
-      </p:pic>
-      <p:sp>
-        <p:nvSpPr>
-          <p:cNvPr id="4" name="TextBox 3"/>
-          <p:cNvSpPr txBox="1"/>
-          <p:nvPr/>
-        </p:nvSpPr>
-        <p:spPr>
-          <a:xfrm>
-            <a:off x="1119600" y="1737359"/>
-            <a:ext cx="3909600" cy="5303520"/>
-          </a:xfrm>
-          <a:prstGeom prst="rect">
-            <a:avLst/>
-          </a:prstGeom>
-          <a:noFill/>
-          <a:ln>
-            <a:noFill/>
-          </a:ln>
-        </p:spPr>
-        <p:txBody>
-          <a:bodyPr vert="horz" wrap="none" lIns="90000" tIns="45000" rIns="90000" bIns="45000" anchorCtr="0" compatLnSpc="0">
-            <a:spAutoFit/>
-          </a:bodyPr>
-          <a:lstStyle/>
-          <a:p>
-            <a:pPr marL="0" marR="0" lvl="0" indent="0" rtl="0" hangingPunct="0">
-              <a:lnSpc>
-                <a:spcPct val="150000"/>
-              </a:lnSpc>
-              <a:spcBef>
-                <a:spcPts val="575"/>
-              </a:spcBef>
-              <a:spcAft>
-                <a:spcPts val="575"/>
-              </a:spcAft>
-              <a:buNone/>
-              <a:tabLst/>
-            </a:pPr>
-            <a:r>
-              <a:rPr lang="en-US" sz="2400" b="1" i="0" u="none" strike="noStrike" kern="1200" cap="none">
-                <a:ln>
-                  <a:noFill/>
-                </a:ln>
-                <a:solidFill>
-                  <a:srgbClr val="666666"/>
-                </a:solidFill>
-                <a:latin typeface="Lovelo Black" pitchFamily="18"/>
-                <a:ea typeface="Droid Sans Fallback" pitchFamily="2"/>
-                <a:cs typeface="FreeSans" pitchFamily="2"/>
-              </a:rPr>
-              <a:t>Licencja:</a:t>
-            </a:r>
-          </a:p>
-          <a:p>
-            <a:pPr marL="0" marR="0" lvl="0" indent="0" rtl="0" hangingPunct="0">
-              <a:lnSpc>
-                <a:spcPct val="150000"/>
-              </a:lnSpc>
-              <a:spcBef>
-                <a:spcPts val="575"/>
-              </a:spcBef>
-              <a:spcAft>
-                <a:spcPts val="575"/>
-              </a:spcAft>
-              <a:buNone/>
-              <a:tabLst/>
-            </a:pPr>
-            <a:r>
-              <a:rPr lang="en-US" sz="2400" b="1" i="0" u="none" strike="noStrike" kern="1200" cap="none">
-                <a:ln>
-                  <a:noFill/>
-                </a:ln>
-                <a:solidFill>
-                  <a:srgbClr val="999999"/>
-                </a:solidFill>
-                <a:latin typeface="Lovelo Black" pitchFamily="18"/>
-                <a:ea typeface="Droid Sans Fallback" pitchFamily="2"/>
-                <a:cs typeface="FreeSans" pitchFamily="2"/>
-              </a:rPr>
-              <a:t>APACHE License</a:t>
-            </a:r>
-          </a:p>
-        </p:txBody>
-      </p:sp>
-      <p:pic>
-        <p:nvPicPr>
-          <p:cNvPr id="5" name=""/>
-          <p:cNvPicPr>
-            <a:picLocks noChangeAspect="1"/>
-          </p:cNvPicPr>
-          <p:nvPr/>
-        </p:nvPicPr>
-        <p:blipFill>
-          <a:blip r:embed="rId4">
-            <a:lum bright="-50000"/>
-            <a:alphaModFix/>
-          </a:blip>
-          <a:srcRect/>
-          <a:stretch>
-            <a:fillRect/>
-          </a:stretch>
-        </p:blipFill>
-        <p:spPr>
-          <a:xfrm>
             <a:off x="5101560" y="3826079"/>
             <a:ext cx="360" cy="360"/>
           </a:xfrm>
@@ -5106,7 +5565,7 @@
           <p:nvPr/>
         </p:nvPicPr>
         <p:blipFill>
-          <a:blip r:embed="rId4">
+          <a:blip r:embed="rId3">
             <a:lum bright="-50000"/>
             <a:alphaModFix/>
           </a:blip>
@@ -5131,16 +5590,26 @@
       </p:pic>
       <p:pic>
         <p:nvPicPr>
-          <p:cNvPr id="7" name=""/>
+          <p:cNvPr id="10" name="Picture 9"/>
           <p:cNvPicPr>
             <a:picLocks noChangeAspect="1"/>
           </p:cNvPicPr>
           <p:nvPr/>
         </p:nvPicPr>
         <p:blipFill>
-          <a:blip r:embed="rId5">
-            <a:lum bright="-50000"/>
+          <a:blip r:embed="rId4">
             <a:alphaModFix/>
+            <a:extLst>
+              <a:ext uri="{BEBA8EAE-BF5A-486C-A8C5-ECC9F3942E4B}">
+                <a14:imgProps xmlns:a14="http://schemas.microsoft.com/office/drawing/2010/main">
+                  <a14:imgLayer r:embed="rId5">
+                    <a14:imgEffect>
+                      <a14:brightnessContrast contrast="-40000"/>
+                    </a14:imgEffect>
+                  </a14:imgLayer>
+                </a14:imgProps>
+              </a:ext>
+            </a:extLst>
           </a:blip>
           <a:srcRect/>
           <a:stretch>
@@ -5149,8 +5618,8 @@
         </p:blipFill>
         <p:spPr>
           <a:xfrm>
-            <a:off x="1463039" y="2468880"/>
-            <a:ext cx="2926079" cy="1152000"/>
+            <a:off x="366119" y="331200"/>
+            <a:ext cx="857159" cy="857519"/>
           </a:xfrm>
           <a:prstGeom prst="rect">
             <a:avLst/>
@@ -5174,6 +5643,13 @@
       <p:transition spd="slow"/>
     </mc:Fallback>
   </mc:AlternateContent>
+  <p:timing>
+    <p:tnLst>
+      <p:par>
+        <p:cTn id="1" dur="indefinite" restart="never" nodeType="tmRoot"/>
+      </p:par>
+    </p:tnLst>
+  </p:timing>
 </p:sld>
 </file>
 

--- a/elixir.pptx
+++ b/elixir.pptx
@@ -14,8 +14,8 @@
     <p:sldId id="256" r:id="rId2"/>
     <p:sldId id="257" r:id="rId3"/>
     <p:sldId id="258" r:id="rId4"/>
-    <p:sldId id="259" r:id="rId5"/>
-    <p:sldId id="260" r:id="rId6"/>
+    <p:sldId id="260" r:id="rId5"/>
+    <p:sldId id="259" r:id="rId6"/>
   </p:sldIdLst>
   <p:sldSz cx="10077450" cy="7562850"/>
   <p:notesSz cx="7559675" cy="10691813"/>
@@ -114,6 +114,11 @@
       </a:defRPr>
     </a:lvl9pPr>
   </p:defaultTextStyle>
+  <p:extLst>
+    <p:ext uri="{EFAFB233-063F-42B5-8137-9DF3F51BA10A}">
+      <p15:sldGuideLst xmlns:p15="http://schemas.microsoft.com/office/powerpoint/2012/main"/>
+    </p:ext>
+  </p:extLst>
 </p:presentation>
 </file>
 
@@ -1074,7 +1079,7 @@
           <a:lstStyle/>
           <a:p>
             <a:pPr lvl="0"/>
-            <a:fld id="{0FDB09D6-1433-49F4-8CFD-CF073F2B02A9}" type="slidenum">
+            <a:fld id="{EC5DB833-571C-4369-8DBD-61A18B09B8A4}" type="slidenum">
               <a:t>4</a:t>
             </a:fld>
             <a:endParaRPr lang="en-US"/>
@@ -1129,7 +1134,7 @@
     </p:spTree>
     <p:extLst>
       <p:ext uri="{BB962C8B-B14F-4D97-AF65-F5344CB8AC3E}">
-        <p14:creationId xmlns:p14="http://schemas.microsoft.com/office/powerpoint/2010/main" val="1210790960"/>
+        <p14:creationId xmlns:p14="http://schemas.microsoft.com/office/powerpoint/2010/main" val="2116152230"/>
       </p:ext>
     </p:extLst>
   </p:cSld>
@@ -1176,7 +1181,7 @@
           <a:lstStyle/>
           <a:p>
             <a:pPr lvl="0"/>
-            <a:fld id="{EC5DB833-571C-4369-8DBD-61A18B09B8A4}" type="slidenum">
+            <a:fld id="{0FDB09D6-1433-49F4-8CFD-CF073F2B02A9}" type="slidenum">
               <a:t>5</a:t>
             </a:fld>
             <a:endParaRPr lang="en-US"/>
@@ -1231,7 +1236,7 @@
     </p:spTree>
     <p:extLst>
       <p:ext uri="{BB962C8B-B14F-4D97-AF65-F5344CB8AC3E}">
-        <p14:creationId xmlns:p14="http://schemas.microsoft.com/office/powerpoint/2010/main" val="2116152230"/>
+        <p14:creationId xmlns:p14="http://schemas.microsoft.com/office/powerpoint/2010/main" val="1210790960"/>
       </p:ext>
     </p:extLst>
   </p:cSld>
@@ -1428,11 +1433,11 @@
   <p:clrMapOvr>
     <a:masterClrMapping/>
   </p:clrMapOvr>
-  <mc:AlternateContent xmlns:mc="http://schemas.openxmlformats.org/markup-compatibility/2006">
-    <mc:Choice xmlns:p14="http://schemas.microsoft.com/office/powerpoint/2010/main" Requires="p14">
+  <mc:AlternateContent xmlns:mc="http://schemas.openxmlformats.org/markup-compatibility/2006" xmlns:p14="http://schemas.microsoft.com/office/powerpoint/2010/main">
+    <mc:Choice Requires="p14">
       <p:transition spd="slow" p14:dur="2000"/>
     </mc:Choice>
-    <mc:Fallback>
+    <mc:Fallback xmlns="">
       <p:transition spd="slow"/>
     </mc:Fallback>
   </mc:AlternateContent>
@@ -1604,11 +1609,11 @@
   <p:clrMapOvr>
     <a:masterClrMapping/>
   </p:clrMapOvr>
-  <mc:AlternateContent xmlns:mc="http://schemas.openxmlformats.org/markup-compatibility/2006">
-    <mc:Choice xmlns:p14="http://schemas.microsoft.com/office/powerpoint/2010/main" Requires="p14">
+  <mc:AlternateContent xmlns:mc="http://schemas.openxmlformats.org/markup-compatibility/2006" xmlns:p14="http://schemas.microsoft.com/office/powerpoint/2010/main">
+    <mc:Choice Requires="p14">
       <p:transition spd="slow" p14:dur="2000"/>
     </mc:Choice>
-    <mc:Fallback>
+    <mc:Fallback xmlns="">
       <p:transition spd="slow"/>
     </mc:Fallback>
   </mc:AlternateContent>
@@ -1790,11 +1795,11 @@
   <p:clrMapOvr>
     <a:masterClrMapping/>
   </p:clrMapOvr>
-  <mc:AlternateContent xmlns:mc="http://schemas.openxmlformats.org/markup-compatibility/2006">
-    <mc:Choice xmlns:p14="http://schemas.microsoft.com/office/powerpoint/2010/main" Requires="p14">
+  <mc:AlternateContent xmlns:mc="http://schemas.openxmlformats.org/markup-compatibility/2006" xmlns:p14="http://schemas.microsoft.com/office/powerpoint/2010/main">
+    <mc:Choice Requires="p14">
       <p:transition spd="slow" p14:dur="2000"/>
     </mc:Choice>
-    <mc:Fallback>
+    <mc:Fallback xmlns="">
       <p:transition spd="slow"/>
     </mc:Fallback>
   </mc:AlternateContent>
@@ -1966,11 +1971,11 @@
   <p:clrMapOvr>
     <a:masterClrMapping/>
   </p:clrMapOvr>
-  <mc:AlternateContent xmlns:mc="http://schemas.openxmlformats.org/markup-compatibility/2006">
-    <mc:Choice xmlns:p14="http://schemas.microsoft.com/office/powerpoint/2010/main" Requires="p14">
+  <mc:AlternateContent xmlns:mc="http://schemas.openxmlformats.org/markup-compatibility/2006" xmlns:p14="http://schemas.microsoft.com/office/powerpoint/2010/main">
+    <mc:Choice Requires="p14">
       <p:transition spd="slow" p14:dur="2000"/>
     </mc:Choice>
-    <mc:Fallback>
+    <mc:Fallback xmlns="">
       <p:transition spd="slow"/>
     </mc:Fallback>
   </mc:AlternateContent>
@@ -2218,11 +2223,11 @@
   <p:clrMapOvr>
     <a:masterClrMapping/>
   </p:clrMapOvr>
-  <mc:AlternateContent xmlns:mc="http://schemas.openxmlformats.org/markup-compatibility/2006">
-    <mc:Choice xmlns:p14="http://schemas.microsoft.com/office/powerpoint/2010/main" Requires="p14">
+  <mc:AlternateContent xmlns:mc="http://schemas.openxmlformats.org/markup-compatibility/2006" xmlns:p14="http://schemas.microsoft.com/office/powerpoint/2010/main">
+    <mc:Choice Requires="p14">
       <p:transition spd="slow" p14:dur="2000"/>
     </mc:Choice>
-    <mc:Fallback>
+    <mc:Fallback xmlns="">
       <p:transition spd="slow"/>
     </mc:Fallback>
   </mc:AlternateContent>
@@ -2456,11 +2461,11 @@
   <p:clrMapOvr>
     <a:masterClrMapping/>
   </p:clrMapOvr>
-  <mc:AlternateContent xmlns:mc="http://schemas.openxmlformats.org/markup-compatibility/2006">
-    <mc:Choice xmlns:p14="http://schemas.microsoft.com/office/powerpoint/2010/main" Requires="p14">
+  <mc:AlternateContent xmlns:mc="http://schemas.openxmlformats.org/markup-compatibility/2006" xmlns:p14="http://schemas.microsoft.com/office/powerpoint/2010/main">
+    <mc:Choice Requires="p14">
       <p:transition spd="slow" p14:dur="2000"/>
     </mc:Choice>
-    <mc:Fallback>
+    <mc:Fallback xmlns="">
       <p:transition spd="slow"/>
     </mc:Fallback>
   </mc:AlternateContent>
@@ -2829,11 +2834,11 @@
   <p:clrMapOvr>
     <a:masterClrMapping/>
   </p:clrMapOvr>
-  <mc:AlternateContent xmlns:mc="http://schemas.openxmlformats.org/markup-compatibility/2006">
-    <mc:Choice xmlns:p14="http://schemas.microsoft.com/office/powerpoint/2010/main" Requires="p14">
+  <mc:AlternateContent xmlns:mc="http://schemas.openxmlformats.org/markup-compatibility/2006" xmlns:p14="http://schemas.microsoft.com/office/powerpoint/2010/main">
+    <mc:Choice Requires="p14">
       <p:transition spd="slow" p14:dur="2000"/>
     </mc:Choice>
-    <mc:Fallback>
+    <mc:Fallback xmlns="">
       <p:transition spd="slow"/>
     </mc:Fallback>
   </mc:AlternateContent>
@@ -2953,11 +2958,11 @@
   <p:clrMapOvr>
     <a:masterClrMapping/>
   </p:clrMapOvr>
-  <mc:AlternateContent xmlns:mc="http://schemas.openxmlformats.org/markup-compatibility/2006">
-    <mc:Choice xmlns:p14="http://schemas.microsoft.com/office/powerpoint/2010/main" Requires="p14">
+  <mc:AlternateContent xmlns:mc="http://schemas.openxmlformats.org/markup-compatibility/2006" xmlns:p14="http://schemas.microsoft.com/office/powerpoint/2010/main">
+    <mc:Choice Requires="p14">
       <p:transition spd="slow" p14:dur="2000"/>
     </mc:Choice>
-    <mc:Fallback>
+    <mc:Fallback xmlns="">
       <p:transition spd="slow"/>
     </mc:Fallback>
   </mc:AlternateContent>
@@ -3054,11 +3059,11 @@
   <p:clrMapOvr>
     <a:masterClrMapping/>
   </p:clrMapOvr>
-  <mc:AlternateContent xmlns:mc="http://schemas.openxmlformats.org/markup-compatibility/2006">
-    <mc:Choice xmlns:p14="http://schemas.microsoft.com/office/powerpoint/2010/main" Requires="p14">
+  <mc:AlternateContent xmlns:mc="http://schemas.openxmlformats.org/markup-compatibility/2006" xmlns:p14="http://schemas.microsoft.com/office/powerpoint/2010/main">
+    <mc:Choice Requires="p14">
       <p:transition spd="slow" p14:dur="2000"/>
     </mc:Choice>
-    <mc:Fallback>
+    <mc:Fallback xmlns="">
       <p:transition spd="slow"/>
     </mc:Fallback>
   </mc:AlternateContent>
@@ -3338,11 +3343,11 @@
   <p:clrMapOvr>
     <a:masterClrMapping/>
   </p:clrMapOvr>
-  <mc:AlternateContent xmlns:mc="http://schemas.openxmlformats.org/markup-compatibility/2006">
-    <mc:Choice xmlns:p14="http://schemas.microsoft.com/office/powerpoint/2010/main" Requires="p14">
+  <mc:AlternateContent xmlns:mc="http://schemas.openxmlformats.org/markup-compatibility/2006" xmlns:p14="http://schemas.microsoft.com/office/powerpoint/2010/main">
+    <mc:Choice Requires="p14">
       <p:transition spd="slow" p14:dur="2000"/>
     </mc:Choice>
-    <mc:Fallback>
+    <mc:Fallback xmlns="">
       <p:transition spd="slow"/>
     </mc:Fallback>
   </mc:AlternateContent>
@@ -3597,11 +3602,11 @@
   <p:clrMapOvr>
     <a:masterClrMapping/>
   </p:clrMapOvr>
-  <mc:AlternateContent xmlns:mc="http://schemas.openxmlformats.org/markup-compatibility/2006">
-    <mc:Choice xmlns:p14="http://schemas.microsoft.com/office/powerpoint/2010/main" Requires="p14">
+  <mc:AlternateContent xmlns:mc="http://schemas.openxmlformats.org/markup-compatibility/2006" xmlns:p14="http://schemas.microsoft.com/office/powerpoint/2010/main">
+    <mc:Choice Requires="p14">
       <p:transition spd="slow" p14:dur="2000"/>
     </mc:Choice>
-    <mc:Fallback>
+    <mc:Fallback xmlns="">
       <p:transition spd="slow"/>
     </mc:Fallback>
   </mc:AlternateContent>
@@ -3881,11 +3886,11 @@
     <p:sldLayoutId id="2147483658" r:id="rId10"/>
     <p:sldLayoutId id="2147483659" r:id="rId11"/>
   </p:sldLayoutIdLst>
-  <mc:AlternateContent xmlns:mc="http://schemas.openxmlformats.org/markup-compatibility/2006">
-    <mc:Choice xmlns:p14="http://schemas.microsoft.com/office/powerpoint/2010/main" Requires="p14">
+  <mc:AlternateContent xmlns:mc="http://schemas.openxmlformats.org/markup-compatibility/2006" xmlns:p14="http://schemas.microsoft.com/office/powerpoint/2010/main">
+    <mc:Choice Requires="p14">
       <p:transition spd="slow" p14:dur="2000"/>
     </mc:Choice>
-    <mc:Fallback>
+    <mc:Fallback xmlns="">
       <p:transition spd="slow"/>
     </mc:Fallback>
   </mc:AlternateContent>
@@ -4213,7 +4218,7 @@
       </p:sp>
       <p:pic>
         <p:nvPicPr>
-          <p:cNvPr id="3" name=""/>
+          <p:cNvPr id="3" name="Picture 2"/>
           <p:cNvPicPr>
             <a:picLocks noChangeAspect="1"/>
           </p:cNvPicPr>
@@ -4316,11 +4321,11 @@
   <p:clrMapOvr>
     <a:masterClrMapping/>
   </p:clrMapOvr>
-  <mc:AlternateContent xmlns:mc="http://schemas.openxmlformats.org/markup-compatibility/2006">
-    <mc:Choice xmlns:p14="http://schemas.microsoft.com/office/powerpoint/2010/main" Requires="p14">
+  <mc:AlternateContent xmlns:mc="http://schemas.openxmlformats.org/markup-compatibility/2006" xmlns:p14="http://schemas.microsoft.com/office/powerpoint/2010/main">
+    <mc:Choice Requires="p14">
       <p:transition spd="slow" p14:dur="2000"/>
     </mc:Choice>
-    <mc:Fallback>
+    <mc:Fallback xmlns="">
       <p:transition spd="slow"/>
     </mc:Fallback>
   </mc:AlternateContent>
@@ -4375,7 +4380,10 @@
             <a:r>
               <a:rPr lang="en-US" dirty="0">
                 <a:solidFill>
-                  <a:srgbClr val="333333"/>
+                  <a:schemeClr val="tx1">
+                    <a:lumMod val="75000"/>
+                    <a:lumOff val="25000"/>
+                  </a:schemeClr>
                 </a:solidFill>
                 <a:latin typeface="Bitter" pitchFamily="18"/>
               </a:rPr>
@@ -4384,7 +4392,10 @@
             <a:r>
               <a:rPr lang="en-US" dirty="0" err="1">
                 <a:solidFill>
-                  <a:srgbClr val="333333"/>
+                  <a:schemeClr val="tx1">
+                    <a:lumMod val="75000"/>
+                    <a:lumOff val="25000"/>
+                  </a:schemeClr>
                 </a:solidFill>
                 <a:latin typeface="Bitter" pitchFamily="18"/>
               </a:rPr>
@@ -4393,7 +4404,10 @@
             <a:r>
               <a:rPr lang="en-US" dirty="0">
                 <a:solidFill>
-                  <a:srgbClr val="333333"/>
+                  <a:schemeClr val="tx1">
+                    <a:lumMod val="75000"/>
+                    <a:lumOff val="25000"/>
+                  </a:schemeClr>
                 </a:solidFill>
                 <a:latin typeface="Bitter" pitchFamily="18"/>
               </a:rPr>
@@ -4402,7 +4416,10 @@
             <a:r>
               <a:rPr lang="en-US" dirty="0" err="1">
                 <a:solidFill>
-                  <a:srgbClr val="333333"/>
+                  <a:schemeClr val="tx1">
+                    <a:lumMod val="75000"/>
+                    <a:lumOff val="25000"/>
+                  </a:schemeClr>
                 </a:solidFill>
                 <a:latin typeface="Bitter" pitchFamily="18"/>
               </a:rPr>
@@ -4411,7 +4428,10 @@
             <a:r>
               <a:rPr lang="en-US" dirty="0">
                 <a:solidFill>
-                  <a:srgbClr val="333333"/>
+                  <a:schemeClr val="tx1">
+                    <a:lumMod val="75000"/>
+                    <a:lumOff val="25000"/>
+                  </a:schemeClr>
                 </a:solidFill>
                 <a:latin typeface="Bitter" pitchFamily="18"/>
               </a:rPr>
@@ -4464,11 +4484,11 @@
   <p:clrMapOvr>
     <a:masterClrMapping/>
   </p:clrMapOvr>
-  <mc:AlternateContent xmlns:mc="http://schemas.openxmlformats.org/markup-compatibility/2006">
-    <mc:Choice xmlns:p14="http://schemas.microsoft.com/office/powerpoint/2010/main" Requires="p14">
+  <mc:AlternateContent xmlns:mc="http://schemas.openxmlformats.org/markup-compatibility/2006" xmlns:p14="http://schemas.microsoft.com/office/powerpoint/2010/main">
+    <mc:Choice Requires="p14">
       <p:transition spd="slow" p14:dur="2000"/>
     </mc:Choice>
-    <mc:Fallback>
+    <mc:Fallback xmlns="">
       <p:transition spd="slow"/>
     </mc:Fallback>
   </mc:AlternateContent>
@@ -4511,7 +4531,7 @@
         </p:nvSpPr>
         <p:spPr>
           <a:xfrm>
-            <a:off x="4505978" y="5578981"/>
+            <a:off x="4215924" y="6301641"/>
             <a:ext cx="1586510" cy="677108"/>
           </a:xfrm>
         </p:spPr>
@@ -4525,7 +4545,10 @@
             <a:r>
               <a:rPr lang="en-US" dirty="0">
                 <a:solidFill>
-                  <a:srgbClr val="333333"/>
+                  <a:schemeClr val="tx1">
+                    <a:lumMod val="75000"/>
+                    <a:lumOff val="25000"/>
+                  </a:schemeClr>
                 </a:solidFill>
                 <a:latin typeface="Bitter" pitchFamily="18"/>
               </a:rPr>
@@ -4536,7 +4559,7 @@
       </p:sp>
       <p:pic>
         <p:nvPicPr>
-          <p:cNvPr id="3" name=""/>
+          <p:cNvPr id="3" name="Picture 2"/>
           <p:cNvPicPr>
             <a:picLocks noChangeAspect="1"/>
           </p:cNvPicPr>
@@ -4553,7 +4576,7 @@
         </p:blipFill>
         <p:spPr>
           <a:xfrm>
-            <a:off x="3648818" y="5488775"/>
+            <a:off x="4547942" y="5444122"/>
             <a:ext cx="857159" cy="857519"/>
           </a:xfrm>
           <a:prstGeom prst="rect">
@@ -4577,8 +4600,8 @@
         </p:nvSpPr>
         <p:spPr>
           <a:xfrm>
-            <a:off x="4299501" y="427703"/>
-            <a:ext cx="1354047" cy="822960"/>
+            <a:off x="4215924" y="427703"/>
+            <a:ext cx="1521196" cy="822960"/>
           </a:xfrm>
         </p:spPr>
         <p:txBody>
@@ -4593,17 +4616,23 @@
             <a:r>
               <a:rPr lang="en-US" dirty="0" err="1">
                 <a:solidFill>
-                  <a:srgbClr val="666666"/>
+                  <a:schemeClr val="tx1">
+                    <a:lumMod val="65000"/>
+                    <a:lumOff val="35000"/>
+                  </a:schemeClr>
                 </a:solidFill>
-                <a:latin typeface="Bitter" pitchFamily="18"/>
+                <a:latin typeface="Lovelo Black" panose="02000000000000000000" pitchFamily="50" charset="-18"/>
               </a:rPr>
               <a:t>Erlang</a:t>
             </a:r>
             <a:endParaRPr lang="en-US" dirty="0">
               <a:solidFill>
-                <a:srgbClr val="666666"/>
+                <a:schemeClr val="tx1">
+                  <a:lumMod val="65000"/>
+                  <a:lumOff val="35000"/>
+                </a:schemeClr>
               </a:solidFill>
-              <a:latin typeface="Bitter" pitchFamily="18"/>
+              <a:latin typeface="Lovelo Black" panose="02000000000000000000" pitchFamily="50" charset="-18"/>
             </a:endParaRPr>
           </a:p>
         </p:txBody>
@@ -4616,8 +4645,8 @@
         </p:nvSpPr>
         <p:spPr>
           <a:xfrm>
-            <a:off x="1401095" y="1250663"/>
-            <a:ext cx="2286000" cy="822960"/>
+            <a:off x="1343675" y="1250663"/>
+            <a:ext cx="1747525" cy="822960"/>
           </a:xfrm>
           <a:prstGeom prst="rect">
             <a:avLst/>
@@ -4647,9 +4676,12 @@
                   <a:noFill/>
                 </a:ln>
                 <a:solidFill>
-                  <a:srgbClr val="666666"/>
+                  <a:schemeClr val="tx1">
+                    <a:lumMod val="65000"/>
+                    <a:lumOff val="35000"/>
+                  </a:schemeClr>
                 </a:solidFill>
-                <a:latin typeface="Bitter" pitchFamily="18"/>
+                <a:latin typeface="Lovelo Black" panose="02000000000000000000" pitchFamily="50" charset="-18"/>
                 <a:ea typeface="Droid Sans Fallback" pitchFamily="2"/>
                 <a:cs typeface="FreeSans" pitchFamily="2"/>
               </a:rPr>
@@ -4660,9 +4692,12 @@
                 <a:noFill/>
               </a:ln>
               <a:solidFill>
-                <a:srgbClr val="666666"/>
+                <a:schemeClr val="tx1">
+                  <a:lumMod val="65000"/>
+                  <a:lumOff val="35000"/>
+                </a:schemeClr>
               </a:solidFill>
-              <a:latin typeface="Bitter" pitchFamily="18"/>
+              <a:latin typeface="Lovelo Black" panose="02000000000000000000" pitchFamily="50" charset="-18"/>
               <a:ea typeface="Droid Sans Fallback" pitchFamily="2"/>
               <a:cs typeface="FreeSans" pitchFamily="2"/>
             </a:endParaRPr>
@@ -4677,8 +4712,8 @@
         </p:nvSpPr>
         <p:spPr>
           <a:xfrm>
-            <a:off x="7366818" y="1227206"/>
-            <a:ext cx="2286000" cy="822960"/>
+            <a:off x="7366818" y="1231980"/>
+            <a:ext cx="1098756" cy="822960"/>
           </a:xfrm>
           <a:prstGeom prst="rect">
             <a:avLst/>
@@ -4708,9 +4743,12 @@
                   <a:noFill/>
                 </a:ln>
                 <a:solidFill>
-                  <a:srgbClr val="666666"/>
+                  <a:schemeClr val="tx1">
+                    <a:lumMod val="65000"/>
+                    <a:lumOff val="35000"/>
+                  </a:schemeClr>
                 </a:solidFill>
-                <a:latin typeface="Bitter" pitchFamily="18"/>
+                <a:latin typeface="Lovelo Black" panose="02000000000000000000" pitchFamily="50" charset="-18"/>
                 <a:ea typeface="Droid Sans Fallback" pitchFamily="2"/>
                 <a:cs typeface="FreeSans" pitchFamily="2"/>
               </a:rPr>
@@ -4735,8 +4773,8 @@
           </a:prstGeom>
           <a:ln w="28575">
             <a:solidFill>
-              <a:schemeClr val="accent5">
-                <a:lumMod val="50000"/>
+              <a:schemeClr val="bg1">
+                <a:lumMod val="75000"/>
               </a:schemeClr>
             </a:solidFill>
             <a:tailEnd type="triangle"/>
@@ -4852,8 +4890,8 @@
           </a:prstGeom>
           <a:ln w="28575">
             <a:solidFill>
-              <a:schemeClr val="accent5">
-                <a:lumMod val="50000"/>
+              <a:schemeClr val="bg1">
+                <a:lumMod val="75000"/>
               </a:schemeClr>
             </a:solidFill>
             <a:tailEnd type="triangle"/>
@@ -4954,8 +4992,8 @@
           </a:prstGeom>
           <a:ln w="28575">
             <a:solidFill>
-              <a:schemeClr val="accent5">
-                <a:lumMod val="50000"/>
+              <a:schemeClr val="bg1">
+                <a:lumMod val="75000"/>
               </a:schemeClr>
             </a:solidFill>
             <a:tailEnd type="triangle"/>
@@ -5073,8 +5111,8 @@
           </a:prstGeom>
           <a:ln w="28575">
             <a:solidFill>
-              <a:schemeClr val="accent5">
-                <a:lumMod val="50000"/>
+              <a:schemeClr val="bg1">
+                <a:lumMod val="75000"/>
               </a:schemeClr>
             </a:solidFill>
             <a:tailEnd type="triangle"/>
@@ -5111,8 +5149,8 @@
           </a:prstGeom>
           <a:ln w="28575">
             <a:solidFill>
-              <a:schemeClr val="accent5">
-                <a:lumMod val="50000"/>
+              <a:schemeClr val="bg1">
+                <a:lumMod val="75000"/>
               </a:schemeClr>
             </a:solidFill>
             <a:tailEnd type="triangle"/>
@@ -5149,8 +5187,8 @@
           </a:prstGeom>
           <a:ln w="28575">
             <a:solidFill>
-              <a:schemeClr val="accent5">
-                <a:lumMod val="50000"/>
+              <a:schemeClr val="bg1">
+                <a:lumMod val="75000"/>
               </a:schemeClr>
             </a:solidFill>
             <a:tailEnd type="triangle"/>
@@ -5176,11 +5214,11 @@
   <p:clrMapOvr>
     <a:masterClrMapping/>
   </p:clrMapOvr>
-  <mc:AlternateContent xmlns:mc="http://schemas.openxmlformats.org/markup-compatibility/2006">
-    <mc:Choice xmlns:p14="http://schemas.microsoft.com/office/powerpoint/2010/main" Requires="p14">
+  <mc:AlternateContent xmlns:mc="http://schemas.openxmlformats.org/markup-compatibility/2006" xmlns:p14="http://schemas.microsoft.com/office/powerpoint/2010/main">
+    <mc:Choice Requires="p14">
       <p:transition spd="slow" p14:dur="2000"/>
     </mc:Choice>
-    <mc:Fallback>
+    <mc:Fallback xmlns="">
       <p:transition spd="slow"/>
     </mc:Fallback>
   </mc:AlternateContent>
@@ -5195,200 +5233,6 @@
 </file>
 
 <file path=ppt/slides/slide4.xml><?xml version="1.0" encoding="utf-8"?>
-<p:sld xmlns:a="http://schemas.openxmlformats.org/drawingml/2006/main" xmlns:r="http://schemas.openxmlformats.org/officeDocument/2006/relationships" xmlns:p="http://schemas.openxmlformats.org/presentationml/2006/main">
-  <p:cSld name="page4">
-    <p:spTree>
-      <p:nvGrpSpPr>
-        <p:cNvPr id="1" name=""/>
-        <p:cNvGrpSpPr/>
-        <p:nvPr/>
-      </p:nvGrpSpPr>
-      <p:grpSpPr>
-        <a:xfrm>
-          <a:off x="0" y="0"/>
-          <a:ext cx="0" cy="0"/>
-          <a:chOff x="0" y="0"/>
-          <a:chExt cx="0" cy="0"/>
-        </a:xfrm>
-      </p:grpSpPr>
-      <p:sp>
-        <p:nvSpPr>
-          <p:cNvPr id="2" name="Title 1"/>
-          <p:cNvSpPr txBox="1">
-            <a:spLocks noGrp="1"/>
-          </p:cNvSpPr>
-          <p:nvPr>
-            <p:ph type="title" idx="4294967295"/>
-          </p:nvPr>
-        </p:nvSpPr>
-        <p:spPr>
-          <a:xfrm>
-            <a:off x="1371599" y="301320"/>
-            <a:ext cx="8200799" cy="1262520"/>
-          </a:xfrm>
-        </p:spPr>
-        <p:txBody>
-          <a:bodyPr>
-            <a:spAutoFit/>
-          </a:bodyPr>
-          <a:lstStyle/>
-          <a:p>
-            <a:pPr lvl="0" algn="l"/>
-            <a:r>
-              <a:rPr lang="en-US">
-                <a:solidFill>
-                  <a:srgbClr val="666666"/>
-                </a:solidFill>
-                <a:latin typeface="Lovelo Black" pitchFamily="18"/>
-              </a:rPr>
-              <a:t>założenia</a:t>
-            </a:r>
-          </a:p>
-        </p:txBody>
-      </p:sp>
-      <p:sp>
-        <p:nvSpPr>
-          <p:cNvPr id="4" name="Subtitle 3"/>
-          <p:cNvSpPr txBox="1">
-            <a:spLocks noGrp="1"/>
-          </p:cNvSpPr>
-          <p:nvPr>
-            <p:ph type="subTitle" idx="4294967295"/>
-          </p:nvPr>
-        </p:nvSpPr>
-        <p:spPr>
-          <a:xfrm>
-            <a:off x="731519" y="1769400"/>
-            <a:ext cx="8595360" cy="608040"/>
-          </a:xfrm>
-        </p:spPr>
-        <p:txBody>
-          <a:bodyPr anchor="ctr"/>
-          <a:lstStyle/>
-          <a:p>
-            <a:pPr lvl="0" algn="l"/>
-            <a:r>
-              <a:rPr lang="en-US">
-                <a:solidFill>
-                  <a:srgbClr val="666666"/>
-                </a:solidFill>
-                <a:latin typeface="Lovelo Black" pitchFamily="18"/>
-              </a:rPr>
-              <a:t>Kompatybilność z OTP</a:t>
-            </a:r>
-          </a:p>
-        </p:txBody>
-      </p:sp>
-      <p:sp>
-        <p:nvSpPr>
-          <p:cNvPr id="5" name="TextBox 4"/>
-          <p:cNvSpPr txBox="1"/>
-          <p:nvPr/>
-        </p:nvSpPr>
-        <p:spPr>
-          <a:xfrm>
-            <a:off x="640080" y="2381039"/>
-            <a:ext cx="8778240" cy="4385520"/>
-          </a:xfrm>
-          <a:prstGeom prst="rect">
-            <a:avLst/>
-          </a:prstGeom>
-          <a:noFill/>
-          <a:ln>
-            <a:noFill/>
-          </a:ln>
-        </p:spPr>
-        <p:txBody>
-          <a:bodyPr lIns="0" tIns="0" rIns="0" bIns="0" anchor="ctr"/>
-          <a:lstStyle/>
-          <a:p>
-            <a:pPr marL="0" marR="0" lvl="0" indent="0" algn="just" rtl="0" hangingPunct="0">
-              <a:buNone/>
-              <a:tabLst/>
-            </a:pPr>
-            <a:r>
-              <a:rPr lang="en-US" sz="3200" b="0" i="0" u="none" strike="noStrike" kern="1200" cap="none">
-                <a:ln>
-                  <a:noFill/>
-                </a:ln>
-                <a:solidFill>
-                  <a:srgbClr val="999999"/>
-                </a:solidFill>
-                <a:latin typeface="Lovelo Black" pitchFamily="18"/>
-                <a:ea typeface="Droid Sans Fallback" pitchFamily="2"/>
-                <a:cs typeface="FreeSans" pitchFamily="2"/>
-              </a:rPr>
-              <a:t>Click to add Text</a:t>
-            </a:r>
-          </a:p>
-        </p:txBody>
-      </p:sp>
-      <p:pic>
-        <p:nvPicPr>
-          <p:cNvPr id="8" name="Picture 7"/>
-          <p:cNvPicPr>
-            <a:picLocks noChangeAspect="1"/>
-          </p:cNvPicPr>
-          <p:nvPr/>
-        </p:nvPicPr>
-        <p:blipFill>
-          <a:blip r:embed="rId3">
-            <a:alphaModFix/>
-            <a:extLst>
-              <a:ext uri="{BEBA8EAE-BF5A-486C-A8C5-ECC9F3942E4B}">
-                <a14:imgProps xmlns:a14="http://schemas.microsoft.com/office/drawing/2010/main">
-                  <a14:imgLayer r:embed="rId4">
-                    <a14:imgEffect>
-                      <a14:brightnessContrast contrast="-40000"/>
-                    </a14:imgEffect>
-                  </a14:imgLayer>
-                </a14:imgProps>
-              </a:ext>
-            </a:extLst>
-          </a:blip>
-          <a:srcRect/>
-          <a:stretch>
-            <a:fillRect/>
-          </a:stretch>
-        </p:blipFill>
-        <p:spPr>
-          <a:xfrm>
-            <a:off x="366119" y="331200"/>
-            <a:ext cx="857159" cy="857519"/>
-          </a:xfrm>
-          <a:prstGeom prst="rect">
-            <a:avLst/>
-          </a:prstGeom>
-          <a:noFill/>
-          <a:ln>
-            <a:noFill/>
-          </a:ln>
-        </p:spPr>
-      </p:pic>
-    </p:spTree>
-  </p:cSld>
-  <p:clrMapOvr>
-    <a:masterClrMapping/>
-  </p:clrMapOvr>
-  <mc:AlternateContent xmlns:mc="http://schemas.openxmlformats.org/markup-compatibility/2006">
-    <mc:Choice xmlns:p14="http://schemas.microsoft.com/office/powerpoint/2010/main" Requires="p14">
-      <p:transition spd="slow" p14:dur="2000"/>
-    </mc:Choice>
-    <mc:Fallback>
-      <p:transition spd="slow"/>
-    </mc:Fallback>
-  </mc:AlternateContent>
-  <p:timing>
-    <p:tnLst>
-      <p:par>
-        <p:cTn id="1" dur="indefinite" restart="never" nodeType="tmRoot"/>
-      </p:par>
-    </p:tnLst>
-  </p:timing>
-</p:sld>
-</file>
-
-<file path=ppt/slides/slide5.xml><?xml version="1.0" encoding="utf-8"?>
 <p:sld xmlns:a="http://schemas.openxmlformats.org/drawingml/2006/main" xmlns:r="http://schemas.openxmlformats.org/officeDocument/2006/relationships" xmlns:p="http://schemas.openxmlformats.org/presentationml/2006/main">
   <p:cSld name="page5">
     <p:spTree>
@@ -5417,8 +5261,8 @@
         </p:nvSpPr>
         <p:spPr>
           <a:xfrm>
-            <a:off x="1316160" y="182880"/>
-            <a:ext cx="8292240" cy="1262520"/>
+            <a:off x="1316160" y="475586"/>
+            <a:ext cx="8292240" cy="677108"/>
           </a:xfrm>
         </p:spPr>
         <p:txBody>
@@ -5429,9 +5273,12 @@
           <a:p>
             <a:pPr lvl="0" algn="l"/>
             <a:r>
-              <a:rPr lang="en-US">
+              <a:rPr lang="en-US" dirty="0">
                 <a:solidFill>
-                  <a:srgbClr val="666666"/>
+                  <a:schemeClr val="tx1">
+                    <a:lumMod val="75000"/>
+                    <a:lumOff val="25000"/>
+                  </a:schemeClr>
                 </a:solidFill>
                 <a:latin typeface="Bitter" pitchFamily="18"/>
               </a:rPr>
@@ -5448,8 +5295,8 @@
         </p:nvSpPr>
         <p:spPr>
           <a:xfrm>
-            <a:off x="1119600" y="1737359"/>
-            <a:ext cx="3909600" cy="5303520"/>
+            <a:off x="1316160" y="1717694"/>
+            <a:ext cx="8092770" cy="3616972"/>
           </a:xfrm>
           <a:prstGeom prst="rect">
             <a:avLst/>
@@ -5464,6 +5311,106 @@
             <a:spAutoFit/>
           </a:bodyPr>
           <a:lstStyle/>
+          <a:p>
+            <a:pPr hangingPunct="0">
+              <a:lnSpc>
+                <a:spcPct val="150000"/>
+              </a:lnSpc>
+              <a:spcBef>
+                <a:spcPts val="575"/>
+              </a:spcBef>
+              <a:spcAft>
+                <a:spcPts val="575"/>
+              </a:spcAft>
+            </a:pPr>
+            <a:r>
+              <a:rPr lang="pl-PL" sz="2400" b="1" i="0" u="none" strike="noStrike" kern="1200" cap="none" dirty="0" smtClean="0">
+                <a:ln>
+                  <a:noFill/>
+                </a:ln>
+                <a:solidFill>
+                  <a:schemeClr val="tx1">
+                    <a:lumMod val="75000"/>
+                    <a:lumOff val="25000"/>
+                  </a:schemeClr>
+                </a:solidFill>
+                <a:latin typeface="Lovelo Black" pitchFamily="18"/>
+                <a:ea typeface="Droid Sans Fallback" pitchFamily="2"/>
+                <a:cs typeface="FreeSans" pitchFamily="2"/>
+              </a:rPr>
+              <a:t>TWÓrca</a:t>
+            </a:r>
+            <a:r>
+              <a:rPr lang="pl-PL" sz="2400" b="1" i="0" u="none" strike="noStrike" kern="1200" cap="none" dirty="0" smtClean="0">
+                <a:ln>
+                  <a:noFill/>
+                </a:ln>
+                <a:solidFill>
+                  <a:schemeClr val="tx1">
+                    <a:lumMod val="75000"/>
+                    <a:lumOff val="25000"/>
+                  </a:schemeClr>
+                </a:solidFill>
+                <a:latin typeface="Lovelo Black" pitchFamily="18"/>
+                <a:ea typeface="Droid Sans Fallback" pitchFamily="2"/>
+                <a:cs typeface="FreeSans" pitchFamily="2"/>
+              </a:rPr>
+              <a:t>:		</a:t>
+            </a:r>
+            <a:r>
+              <a:rPr lang="pl-PL" sz="2400" b="1" i="0" u="none" strike="noStrike" kern="1200" cap="none" dirty="0" smtClean="0">
+                <a:ln>
+                  <a:noFill/>
+                </a:ln>
+                <a:solidFill>
+                  <a:schemeClr val="tx1">
+                    <a:lumMod val="75000"/>
+                    <a:lumOff val="25000"/>
+                  </a:schemeClr>
+                </a:solidFill>
+                <a:latin typeface="Lovelo Black" pitchFamily="18"/>
+                <a:ea typeface="Droid Sans Fallback" pitchFamily="2"/>
+                <a:cs typeface="FreeSans" pitchFamily="2"/>
+              </a:rPr>
+              <a:t>			</a:t>
+            </a:r>
+            <a:r>
+              <a:rPr lang="pl-PL" sz="2400" dirty="0" smtClean="0">
+                <a:solidFill>
+                  <a:schemeClr val="bg2">
+                    <a:lumMod val="50000"/>
+                  </a:schemeClr>
+                </a:solidFill>
+                <a:latin typeface="Bitter" panose="00000500000000000000" pitchFamily="50" charset="-18"/>
+              </a:rPr>
+              <a:t>José </a:t>
+            </a:r>
+            <a:r>
+              <a:rPr lang="pl-PL" sz="2400" dirty="0" smtClean="0">
+                <a:solidFill>
+                  <a:schemeClr val="bg2">
+                    <a:lumMod val="50000"/>
+                  </a:schemeClr>
+                </a:solidFill>
+                <a:latin typeface="Bitter" panose="00000500000000000000" pitchFamily="50" charset="-18"/>
+              </a:rPr>
+              <a:t>Valim</a:t>
+            </a:r>
+            <a:endParaRPr lang="pl-PL" sz="2400" b="1" u="none" strike="noStrike" kern="1200" cap="none" dirty="0" smtClean="0">
+              <a:ln>
+                <a:noFill/>
+              </a:ln>
+              <a:solidFill>
+                <a:schemeClr val="tx1">
+                  <a:lumMod val="75000"/>
+                  <a:lumOff val="25000"/>
+                </a:schemeClr>
+              </a:solidFill>
+              <a:latin typeface="Lovelo Black" pitchFamily="18"/>
+              <a:ea typeface="Droid Sans Fallback" pitchFamily="2"/>
+              <a:cs typeface="FreeSans" pitchFamily="2"/>
+            </a:endParaRPr>
+          </a:p>
           <a:p>
             <a:pPr marL="0" marR="0" lvl="0" indent="0" rtl="0" hangingPunct="0">
               <a:lnSpc>
@@ -5479,7 +5426,24 @@
               <a:tabLst/>
             </a:pPr>
             <a:r>
-              <a:rPr lang="en-US" sz="2400" b="1" i="0" u="none" strike="noStrike" kern="1200" cap="none">
+              <a:rPr lang="en-US" sz="2400" b="1" i="0" u="none" strike="noStrike" kern="1200" cap="none" dirty="0" err="1" smtClean="0">
+                <a:ln>
+                  <a:noFill/>
+                </a:ln>
+                <a:solidFill>
+                  <a:schemeClr val="tx1">
+                    <a:lumMod val="75000"/>
+                    <a:lumOff val="25000"/>
+                  </a:schemeClr>
+                </a:solidFill>
+                <a:latin typeface="Lovelo Black" pitchFamily="18"/>
+                <a:ea typeface="Droid Sans Fallback" pitchFamily="2"/>
+                <a:cs typeface="FreeSans" pitchFamily="2"/>
+              </a:rPr>
+              <a:t>Licencja</a:t>
+            </a:r>
+            <a:r>
+              <a:rPr lang="en-US" sz="2400" b="1" i="0" u="none" strike="noStrike" kern="1200" cap="none" dirty="0" smtClean="0">
                 <a:ln>
                   <a:noFill/>
                 </a:ln>
@@ -5490,8 +5454,219 @@
                 <a:ea typeface="Droid Sans Fallback" pitchFamily="2"/>
                 <a:cs typeface="FreeSans" pitchFamily="2"/>
               </a:rPr>
-              <a:t>Licencja:</a:t>
-            </a:r>
+              <a:t>:</a:t>
+            </a:r>
+            <a:r>
+              <a:rPr lang="pl-PL" sz="2400" b="1" i="0" u="none" strike="noStrike" kern="1200" cap="none" dirty="0" smtClean="0">
+                <a:ln>
+                  <a:noFill/>
+                </a:ln>
+                <a:solidFill>
+                  <a:srgbClr val="666666"/>
+                </a:solidFill>
+                <a:latin typeface="Lovelo Black" pitchFamily="18"/>
+                <a:ea typeface="Droid Sans Fallback" pitchFamily="2"/>
+                <a:cs typeface="FreeSans" pitchFamily="2"/>
+              </a:rPr>
+              <a:t> 		</a:t>
+            </a:r>
+            <a:r>
+              <a:rPr lang="pl-PL" sz="2400" b="1" i="0" u="none" strike="noStrike" kern="1200" cap="none" dirty="0" smtClean="0">
+                <a:ln>
+                  <a:noFill/>
+                </a:ln>
+                <a:solidFill>
+                  <a:srgbClr val="666666"/>
+                </a:solidFill>
+                <a:latin typeface="Lovelo Black" pitchFamily="18"/>
+                <a:ea typeface="Droid Sans Fallback" pitchFamily="2"/>
+                <a:cs typeface="FreeSans" pitchFamily="2"/>
+              </a:rPr>
+              <a:t>		 </a:t>
+            </a:r>
+            <a:r>
+              <a:rPr lang="en-US" sz="2400" i="0" u="none" strike="noStrike" kern="1200" cap="none" dirty="0" smtClean="0">
+                <a:ln>
+                  <a:noFill/>
+                </a:ln>
+                <a:solidFill>
+                  <a:schemeClr val="bg2">
+                    <a:lumMod val="50000"/>
+                  </a:schemeClr>
+                </a:solidFill>
+                <a:latin typeface="Bitter" panose="00000500000000000000" pitchFamily="50" charset="-18"/>
+                <a:ea typeface="Droid Sans Fallback" pitchFamily="2"/>
+                <a:cs typeface="FreeSans" pitchFamily="2"/>
+              </a:rPr>
+              <a:t>APACHE License</a:t>
+            </a:r>
+            <a:endParaRPr lang="pl-PL" sz="2400" i="0" u="none" strike="noStrike" kern="1200" cap="none" dirty="0" smtClean="0">
+              <a:ln>
+                <a:noFill/>
+              </a:ln>
+              <a:solidFill>
+                <a:schemeClr val="bg2">
+                  <a:lumMod val="50000"/>
+                </a:schemeClr>
+              </a:solidFill>
+              <a:latin typeface="Bitter" panose="00000500000000000000" pitchFamily="50" charset="-18"/>
+              <a:ea typeface="Droid Sans Fallback" pitchFamily="2"/>
+              <a:cs typeface="FreeSans" pitchFamily="2"/>
+            </a:endParaRPr>
+          </a:p>
+          <a:p>
+            <a:pPr lvl="0" hangingPunct="0">
+              <a:lnSpc>
+                <a:spcPct val="150000"/>
+              </a:lnSpc>
+              <a:spcBef>
+                <a:spcPts val="575"/>
+              </a:spcBef>
+              <a:spcAft>
+                <a:spcPts val="575"/>
+              </a:spcAft>
+            </a:pPr>
+            <a:r>
+              <a:rPr lang="pl-PL" sz="2400" b="1" dirty="0" smtClean="0">
+                <a:solidFill>
+                  <a:schemeClr val="tx1">
+                    <a:lumMod val="75000"/>
+                    <a:lumOff val="25000"/>
+                  </a:schemeClr>
+                </a:solidFill>
+                <a:latin typeface="Lovelo Black" pitchFamily="18"/>
+                <a:ea typeface="Droid Sans Fallback" pitchFamily="2"/>
+                <a:cs typeface="FreeSans" pitchFamily="2"/>
+              </a:rPr>
+              <a:t>Historia</a:t>
+            </a:r>
+            <a:r>
+              <a:rPr lang="en-US" sz="2400" b="1" dirty="0" smtClean="0">
+                <a:solidFill>
+                  <a:srgbClr val="666666"/>
+                </a:solidFill>
+                <a:latin typeface="Lovelo Black" pitchFamily="18"/>
+                <a:ea typeface="Droid Sans Fallback" pitchFamily="2"/>
+                <a:cs typeface="FreeSans" pitchFamily="2"/>
+              </a:rPr>
+              <a:t>:</a:t>
+            </a:r>
+            <a:r>
+              <a:rPr lang="pl-PL" sz="2400" b="1" dirty="0" smtClean="0">
+                <a:solidFill>
+                  <a:srgbClr val="666666"/>
+                </a:solidFill>
+                <a:latin typeface="Lovelo Black" pitchFamily="18"/>
+                <a:ea typeface="Droid Sans Fallback" pitchFamily="2"/>
+                <a:cs typeface="FreeSans" pitchFamily="2"/>
+              </a:rPr>
+              <a:t>				       </a:t>
+            </a:r>
+            <a:r>
+              <a:rPr lang="pl-PL" sz="2400" dirty="0" smtClean="0">
+                <a:solidFill>
+                  <a:srgbClr val="666666"/>
+                </a:solidFill>
+                <a:latin typeface="Bitter" panose="00000500000000000000" pitchFamily="50" charset="-18"/>
+                <a:ea typeface="Droid Sans Fallback" pitchFamily="2"/>
+                <a:cs typeface="FreeSans" pitchFamily="2"/>
+              </a:rPr>
+              <a:t>2012: v.0.0.0</a:t>
+            </a:r>
+            <a:r>
+              <a:rPr lang="pl-PL" sz="2400" b="1" dirty="0" smtClean="0">
+                <a:solidFill>
+                  <a:srgbClr val="666666"/>
+                </a:solidFill>
+                <a:latin typeface="Lovelo Black" pitchFamily="18"/>
+                <a:ea typeface="Droid Sans Fallback" pitchFamily="2"/>
+                <a:cs typeface="FreeSans" pitchFamily="2"/>
+              </a:rPr>
+              <a:t>	      </a:t>
+            </a:r>
+          </a:p>
+          <a:p>
+            <a:pPr lvl="0" hangingPunct="0">
+              <a:lnSpc>
+                <a:spcPct val="150000"/>
+              </a:lnSpc>
+              <a:spcBef>
+                <a:spcPts val="575"/>
+              </a:spcBef>
+              <a:spcAft>
+                <a:spcPts val="575"/>
+              </a:spcAft>
+            </a:pPr>
+            <a:r>
+              <a:rPr lang="pl-PL" sz="2400" b="1" dirty="0">
+                <a:solidFill>
+                  <a:srgbClr val="666666"/>
+                </a:solidFill>
+                <a:latin typeface="Lovelo Black" pitchFamily="18"/>
+                <a:ea typeface="Droid Sans Fallback" pitchFamily="2"/>
+                <a:cs typeface="FreeSans" pitchFamily="2"/>
+              </a:rPr>
+              <a:t>	</a:t>
+            </a:r>
+            <a:r>
+              <a:rPr lang="pl-PL" sz="2400" b="1" dirty="0" smtClean="0">
+                <a:solidFill>
+                  <a:srgbClr val="666666"/>
+                </a:solidFill>
+                <a:latin typeface="Lovelo Black" pitchFamily="18"/>
+                <a:ea typeface="Droid Sans Fallback" pitchFamily="2"/>
+                <a:cs typeface="FreeSans" pitchFamily="2"/>
+              </a:rPr>
+              <a:t>				       </a:t>
+            </a:r>
+            <a:r>
+              <a:rPr lang="pl-PL" sz="2400" dirty="0" smtClean="0">
+                <a:solidFill>
+                  <a:srgbClr val="666666"/>
+                </a:solidFill>
+                <a:latin typeface="Bitter" panose="00000500000000000000" pitchFamily="50" charset="-18"/>
+                <a:ea typeface="Droid Sans Fallback" pitchFamily="2"/>
+                <a:cs typeface="FreeSans" pitchFamily="2"/>
+              </a:rPr>
+              <a:t>2014:</a:t>
+            </a:r>
+            <a:r>
+              <a:rPr lang="pl-PL" sz="2400" b="1" dirty="0">
+                <a:solidFill>
+                  <a:srgbClr val="666666"/>
+                </a:solidFill>
+                <a:latin typeface="Lovelo Black" pitchFamily="18"/>
+                <a:ea typeface="Droid Sans Fallback" pitchFamily="2"/>
+                <a:cs typeface="FreeSans" pitchFamily="2"/>
+              </a:rPr>
+              <a:t> </a:t>
+            </a:r>
+            <a:r>
+              <a:rPr lang="pl-PL" sz="2400" dirty="0" smtClean="0">
+                <a:solidFill>
+                  <a:schemeClr val="bg2">
+                    <a:lumMod val="50000"/>
+                  </a:schemeClr>
+                </a:solidFill>
+                <a:latin typeface="Bitter" panose="00000500000000000000" pitchFamily="50" charset="-18"/>
+                <a:ea typeface="Droid Sans Fallback" pitchFamily="2"/>
+                <a:cs typeface="FreeSans" pitchFamily="2"/>
+              </a:rPr>
+              <a:t>v.1.0.0</a:t>
+            </a:r>
+            <a:endParaRPr lang="pl-PL" sz="2400" i="0" u="none" strike="noStrike" kern="1200" cap="none" dirty="0" smtClean="0">
+              <a:ln>
+                <a:noFill/>
+              </a:ln>
+              <a:solidFill>
+                <a:schemeClr val="bg2">
+                  <a:lumMod val="50000"/>
+                </a:schemeClr>
+              </a:solidFill>
+              <a:latin typeface="Bitter" panose="00000500000000000000" pitchFamily="50" charset="-18"/>
+              <a:ea typeface="Droid Sans Fallback" pitchFamily="2"/>
+              <a:cs typeface="FreeSans" pitchFamily="2"/>
+            </a:endParaRPr>
           </a:p>
           <a:p>
             <a:pPr marL="0" marR="0" lvl="0" indent="0" rtl="0" hangingPunct="0">
@@ -5507,26 +5682,25 @@
               <a:buNone/>
               <a:tabLst/>
             </a:pPr>
-            <a:r>
-              <a:rPr lang="en-US" sz="2400" b="1" i="0" u="none" strike="noStrike" kern="1200" cap="none">
-                <a:ln>
-                  <a:noFill/>
-                </a:ln>
-                <a:solidFill>
-                  <a:srgbClr val="999999"/>
-                </a:solidFill>
-                <a:latin typeface="Lovelo Black" pitchFamily="18"/>
-                <a:ea typeface="Droid Sans Fallback" pitchFamily="2"/>
-                <a:cs typeface="FreeSans" pitchFamily="2"/>
-              </a:rPr>
-              <a:t>APACHE License</a:t>
-            </a:r>
+            <a:endParaRPr lang="en-US" sz="2400" i="0" u="none" strike="noStrike" kern="1200" cap="none" dirty="0">
+              <a:ln>
+                <a:noFill/>
+              </a:ln>
+              <a:solidFill>
+                <a:schemeClr val="bg2">
+                  <a:lumMod val="50000"/>
+                </a:schemeClr>
+              </a:solidFill>
+              <a:latin typeface="Bitter" panose="00000500000000000000" pitchFamily="50" charset="-18"/>
+              <a:ea typeface="Droid Sans Fallback" pitchFamily="2"/>
+              <a:cs typeface="FreeSans" pitchFamily="2"/>
+            </a:endParaRPr>
           </a:p>
         </p:txBody>
       </p:sp>
       <p:pic>
         <p:nvPicPr>
-          <p:cNvPr id="5" name=""/>
+          <p:cNvPr id="5" name="Picture 4"/>
           <p:cNvPicPr>
             <a:picLocks noChangeAspect="1"/>
           </p:cNvPicPr>
@@ -5558,7 +5732,7 @@
       </p:pic>
       <p:pic>
         <p:nvPicPr>
-          <p:cNvPr id="6" name=""/>
+          <p:cNvPr id="6" name="Picture 5"/>
           <p:cNvPicPr>
             <a:picLocks noChangeAspect="1"/>
           </p:cNvPicPr>
@@ -5635,11 +5809,354 @@
   <p:clrMapOvr>
     <a:masterClrMapping/>
   </p:clrMapOvr>
-  <mc:AlternateContent xmlns:mc="http://schemas.openxmlformats.org/markup-compatibility/2006">
-    <mc:Choice xmlns:p14="http://schemas.microsoft.com/office/powerpoint/2010/main" Requires="p14">
+  <mc:AlternateContent xmlns:mc="http://schemas.openxmlformats.org/markup-compatibility/2006" xmlns:p14="http://schemas.microsoft.com/office/powerpoint/2010/main">
+    <mc:Choice Requires="p14">
       <p:transition spd="slow" p14:dur="2000"/>
     </mc:Choice>
-    <mc:Fallback>
+    <mc:Fallback xmlns="">
+      <p:transition spd="slow"/>
+    </mc:Fallback>
+  </mc:AlternateContent>
+  <p:timing>
+    <p:tnLst>
+      <p:par>
+        <p:cTn id="1" dur="indefinite" restart="never" nodeType="tmRoot"/>
+      </p:par>
+    </p:tnLst>
+  </p:timing>
+</p:sld>
+</file>
+
+<file path=ppt/slides/slide5.xml><?xml version="1.0" encoding="utf-8"?>
+<p:sld xmlns:a="http://schemas.openxmlformats.org/drawingml/2006/main" xmlns:r="http://schemas.openxmlformats.org/officeDocument/2006/relationships" xmlns:p="http://schemas.openxmlformats.org/presentationml/2006/main">
+  <p:cSld name="page4">
+    <p:spTree>
+      <p:nvGrpSpPr>
+        <p:cNvPr id="1" name=""/>
+        <p:cNvGrpSpPr/>
+        <p:nvPr/>
+      </p:nvGrpSpPr>
+      <p:grpSpPr>
+        <a:xfrm>
+          <a:off x="0" y="0"/>
+          <a:ext cx="0" cy="0"/>
+          <a:chOff x="0" y="0"/>
+          <a:chExt cx="0" cy="0"/>
+        </a:xfrm>
+      </p:grpSpPr>
+      <p:sp>
+        <p:nvSpPr>
+          <p:cNvPr id="2" name="Title 1"/>
+          <p:cNvSpPr txBox="1">
+            <a:spLocks noGrp="1"/>
+          </p:cNvSpPr>
+          <p:nvPr>
+            <p:ph type="title" idx="4294967295"/>
+          </p:nvPr>
+        </p:nvSpPr>
+        <p:spPr>
+          <a:xfrm>
+            <a:off x="1302773" y="421405"/>
+            <a:ext cx="8200799" cy="677108"/>
+          </a:xfrm>
+        </p:spPr>
+        <p:txBody>
+          <a:bodyPr>
+            <a:spAutoFit/>
+          </a:bodyPr>
+          <a:lstStyle/>
+          <a:p>
+            <a:pPr lvl="0" algn="l"/>
+            <a:r>
+              <a:rPr lang="en-US" dirty="0" err="1">
+                <a:solidFill>
+                  <a:schemeClr val="tx1">
+                    <a:lumMod val="75000"/>
+                    <a:lumOff val="25000"/>
+                  </a:schemeClr>
+                </a:solidFill>
+                <a:latin typeface="Lovelo Black" pitchFamily="18"/>
+              </a:rPr>
+              <a:t>założenia</a:t>
+            </a:r>
+            <a:endParaRPr lang="en-US" dirty="0">
+              <a:solidFill>
+                <a:schemeClr val="tx1">
+                  <a:lumMod val="75000"/>
+                  <a:lumOff val="25000"/>
+                </a:schemeClr>
+              </a:solidFill>
+              <a:latin typeface="Lovelo Black" pitchFamily="18"/>
+            </a:endParaRPr>
+          </a:p>
+        </p:txBody>
+      </p:sp>
+      <p:sp>
+        <p:nvSpPr>
+          <p:cNvPr id="4" name="Subtitle 3"/>
+          <p:cNvSpPr txBox="1">
+            <a:spLocks noGrp="1"/>
+          </p:cNvSpPr>
+          <p:nvPr>
+            <p:ph type="subTitle" idx="4294967295"/>
+          </p:nvPr>
+        </p:nvSpPr>
+        <p:spPr>
+          <a:xfrm>
+            <a:off x="652861" y="1525962"/>
+            <a:ext cx="8595360" cy="608040"/>
+          </a:xfrm>
+        </p:spPr>
+        <p:txBody>
+          <a:bodyPr anchor="ctr"/>
+          <a:lstStyle/>
+          <a:p>
+            <a:pPr lvl="0" algn="l"/>
+            <a:r>
+              <a:rPr lang="en-US" dirty="0" err="1">
+                <a:solidFill>
+                  <a:schemeClr val="tx1">
+                    <a:lumMod val="75000"/>
+                    <a:lumOff val="25000"/>
+                  </a:schemeClr>
+                </a:solidFill>
+                <a:latin typeface="Lovelo Black" pitchFamily="18"/>
+              </a:rPr>
+              <a:t>Kompatybilność</a:t>
+            </a:r>
+            <a:r>
+              <a:rPr lang="en-US" dirty="0">
+                <a:solidFill>
+                  <a:schemeClr val="tx1">
+                    <a:lumMod val="75000"/>
+                    <a:lumOff val="25000"/>
+                  </a:schemeClr>
+                </a:solidFill>
+                <a:latin typeface="Lovelo Black" pitchFamily="18"/>
+              </a:rPr>
+              <a:t> z </a:t>
+            </a:r>
+            <a:r>
+              <a:rPr lang="pl-PL" dirty="0" smtClean="0">
+                <a:solidFill>
+                  <a:schemeClr val="tx1">
+                    <a:lumMod val="75000"/>
+                    <a:lumOff val="25000"/>
+                  </a:schemeClr>
+                </a:solidFill>
+                <a:latin typeface="Lovelo Black" pitchFamily="18"/>
+              </a:rPr>
+              <a:t>Erlang VM, OTP</a:t>
+            </a:r>
+            <a:endParaRPr lang="en-US" dirty="0">
+              <a:solidFill>
+                <a:schemeClr val="tx1">
+                  <a:lumMod val="75000"/>
+                  <a:lumOff val="25000"/>
+                </a:schemeClr>
+              </a:solidFill>
+              <a:latin typeface="Lovelo Black" pitchFamily="18"/>
+            </a:endParaRPr>
+          </a:p>
+        </p:txBody>
+      </p:sp>
+      <p:sp>
+        <p:nvSpPr>
+          <p:cNvPr id="5" name="TextBox 4"/>
+          <p:cNvSpPr txBox="1"/>
+          <p:nvPr/>
+        </p:nvSpPr>
+        <p:spPr>
+          <a:xfrm>
+            <a:off x="1661651" y="2134002"/>
+            <a:ext cx="7841921" cy="1591193"/>
+          </a:xfrm>
+          <a:prstGeom prst="rect">
+            <a:avLst/>
+          </a:prstGeom>
+          <a:noFill/>
+          <a:ln>
+            <a:noFill/>
+          </a:ln>
+        </p:spPr>
+        <p:txBody>
+          <a:bodyPr lIns="0" tIns="0" rIns="0" bIns="0" anchor="ctr"/>
+          <a:lstStyle/>
+          <a:p>
+            <a:pPr lvl="0" algn="r" hangingPunct="0"/>
+            <a:r>
+              <a:rPr lang="en-US" sz="2400" dirty="0">
+                <a:solidFill>
+                  <a:schemeClr val="tx1">
+                    <a:lumMod val="75000"/>
+                    <a:lumOff val="25000"/>
+                  </a:schemeClr>
+                </a:solidFill>
+                <a:latin typeface="Bitter" panose="00000500000000000000" pitchFamily="50" charset="-18"/>
+              </a:rPr>
+              <a:t>We frequently say that </a:t>
+            </a:r>
+            <a:r>
+              <a:rPr lang="en-US" sz="2400" b="1" dirty="0">
+                <a:solidFill>
+                  <a:schemeClr val="tx1">
+                    <a:lumMod val="75000"/>
+                    <a:lumOff val="25000"/>
+                  </a:schemeClr>
+                </a:solidFill>
+                <a:latin typeface="Bitter" panose="00000500000000000000" pitchFamily="50" charset="-18"/>
+              </a:rPr>
+              <a:t>the </a:t>
+            </a:r>
+            <a:r>
+              <a:rPr lang="en-US" sz="2400" b="1" dirty="0" err="1">
+                <a:solidFill>
+                  <a:schemeClr val="tx1">
+                    <a:lumMod val="75000"/>
+                    <a:lumOff val="25000"/>
+                  </a:schemeClr>
+                </a:solidFill>
+                <a:latin typeface="Bitter" panose="00000500000000000000" pitchFamily="50" charset="-18"/>
+              </a:rPr>
+              <a:t>Erlang</a:t>
+            </a:r>
+            <a:r>
+              <a:rPr lang="en-US" sz="2400" b="1" dirty="0">
+                <a:solidFill>
+                  <a:schemeClr val="tx1">
+                    <a:lumMod val="75000"/>
+                    <a:lumOff val="25000"/>
+                  </a:schemeClr>
+                </a:solidFill>
+                <a:latin typeface="Bitter" panose="00000500000000000000" pitchFamily="50" charset="-18"/>
+              </a:rPr>
+              <a:t> VM is Elixir's strongest asset</a:t>
+            </a:r>
+            <a:r>
+              <a:rPr lang="en-US" sz="2400" dirty="0" smtClean="0">
+                <a:solidFill>
+                  <a:schemeClr val="tx1">
+                    <a:lumMod val="75000"/>
+                    <a:lumOff val="25000"/>
+                  </a:schemeClr>
+                </a:solidFill>
+                <a:latin typeface="Bitter" panose="00000500000000000000" pitchFamily="50" charset="-18"/>
+              </a:rPr>
+              <a:t>.</a:t>
+            </a:r>
+            <a:endParaRPr lang="pl-PL" sz="2400" dirty="0" smtClean="0">
+              <a:solidFill>
+                <a:schemeClr val="tx1">
+                  <a:lumMod val="75000"/>
+                  <a:lumOff val="25000"/>
+                </a:schemeClr>
+              </a:solidFill>
+              <a:latin typeface="Bitter" panose="00000500000000000000" pitchFamily="50" charset="-18"/>
+            </a:endParaRPr>
+          </a:p>
+          <a:p>
+            <a:pPr lvl="0" hangingPunct="0"/>
+            <a:r>
+              <a:rPr lang="en-US" sz="2400" dirty="0" smtClean="0">
+                <a:solidFill>
+                  <a:schemeClr val="bg2">
+                    <a:lumMod val="50000"/>
+                  </a:schemeClr>
+                </a:solidFill>
+                <a:latin typeface="Bitter" panose="00000500000000000000" pitchFamily="50" charset="-18"/>
+              </a:rPr>
+              <a:t>— </a:t>
+            </a:r>
+            <a:r>
+              <a:rPr lang="pl-PL" sz="2400" i="1" dirty="0" smtClean="0">
+                <a:solidFill>
+                  <a:schemeClr val="bg2">
+                    <a:lumMod val="50000"/>
+                  </a:schemeClr>
+                </a:solidFill>
+                <a:latin typeface="Bitter" panose="00000500000000000000" pitchFamily="50" charset="-18"/>
+              </a:rPr>
+              <a:t>José </a:t>
+            </a:r>
+            <a:r>
+              <a:rPr lang="pl-PL" sz="2400" i="1" dirty="0">
+                <a:solidFill>
+                  <a:schemeClr val="bg2">
+                    <a:lumMod val="50000"/>
+                  </a:schemeClr>
+                </a:solidFill>
+                <a:latin typeface="Bitter" panose="00000500000000000000" pitchFamily="50" charset="-18"/>
+              </a:rPr>
+              <a:t>Valim</a:t>
+            </a:r>
+            <a:endParaRPr lang="en-US" sz="2400" b="0" i="0" u="none" strike="noStrike" kern="1200" cap="none" dirty="0">
+              <a:ln>
+                <a:noFill/>
+              </a:ln>
+              <a:solidFill>
+                <a:schemeClr val="bg2">
+                  <a:lumMod val="50000"/>
+                </a:schemeClr>
+              </a:solidFill>
+              <a:latin typeface="Bitter" panose="00000500000000000000" pitchFamily="50" charset="-18"/>
+              <a:ea typeface="Droid Sans Fallback" pitchFamily="2"/>
+              <a:cs typeface="FreeSans" pitchFamily="2"/>
+            </a:endParaRPr>
+          </a:p>
+        </p:txBody>
+      </p:sp>
+      <p:pic>
+        <p:nvPicPr>
+          <p:cNvPr id="8" name="Picture 7"/>
+          <p:cNvPicPr>
+            <a:picLocks noChangeAspect="1"/>
+          </p:cNvPicPr>
+          <p:nvPr/>
+        </p:nvPicPr>
+        <p:blipFill>
+          <a:blip r:embed="rId3">
+            <a:alphaModFix/>
+            <a:extLst>
+              <a:ext uri="{BEBA8EAE-BF5A-486C-A8C5-ECC9F3942E4B}">
+                <a14:imgProps xmlns:a14="http://schemas.microsoft.com/office/drawing/2010/main">
+                  <a14:imgLayer r:embed="rId4">
+                    <a14:imgEffect>
+                      <a14:brightnessContrast contrast="-40000"/>
+                    </a14:imgEffect>
+                  </a14:imgLayer>
+                </a14:imgProps>
+              </a:ext>
+            </a:extLst>
+          </a:blip>
+          <a:srcRect/>
+          <a:stretch>
+            <a:fillRect/>
+          </a:stretch>
+        </p:blipFill>
+        <p:spPr>
+          <a:xfrm>
+            <a:off x="366119" y="331200"/>
+            <a:ext cx="857159" cy="857519"/>
+          </a:xfrm>
+          <a:prstGeom prst="rect">
+            <a:avLst/>
+          </a:prstGeom>
+          <a:noFill/>
+          <a:ln>
+            <a:noFill/>
+          </a:ln>
+        </p:spPr>
+      </p:pic>
+    </p:spTree>
+  </p:cSld>
+  <p:clrMapOvr>
+    <a:masterClrMapping/>
+  </p:clrMapOvr>
+  <mc:AlternateContent xmlns:mc="http://schemas.openxmlformats.org/markup-compatibility/2006" xmlns:p14="http://schemas.microsoft.com/office/powerpoint/2010/main">
+    <mc:Choice Requires="p14">
+      <p:transition spd="slow" p14:dur="2000"/>
+    </mc:Choice>
+    <mc:Fallback xmlns="">
       <p:transition spd="slow"/>
     </mc:Fallback>
   </mc:AlternateContent>

--- a/elixir.pptx
+++ b/elixir.pptx
@@ -5287,417 +5287,6 @@
           </a:p>
         </p:txBody>
       </p:sp>
-      <p:sp>
-        <p:nvSpPr>
-          <p:cNvPr id="4" name="TextBox 3"/>
-          <p:cNvSpPr txBox="1"/>
-          <p:nvPr/>
-        </p:nvSpPr>
-        <p:spPr>
-          <a:xfrm>
-            <a:off x="1316160" y="1717694"/>
-            <a:ext cx="8092770" cy="3616972"/>
-          </a:xfrm>
-          <a:prstGeom prst="rect">
-            <a:avLst/>
-          </a:prstGeom>
-          <a:noFill/>
-          <a:ln>
-            <a:noFill/>
-          </a:ln>
-        </p:spPr>
-        <p:txBody>
-          <a:bodyPr vert="horz" wrap="none" lIns="90000" tIns="45000" rIns="90000" bIns="45000" anchorCtr="0" compatLnSpc="0">
-            <a:spAutoFit/>
-          </a:bodyPr>
-          <a:lstStyle/>
-          <a:p>
-            <a:pPr hangingPunct="0">
-              <a:lnSpc>
-                <a:spcPct val="150000"/>
-              </a:lnSpc>
-              <a:spcBef>
-                <a:spcPts val="575"/>
-              </a:spcBef>
-              <a:spcAft>
-                <a:spcPts val="575"/>
-              </a:spcAft>
-            </a:pPr>
-            <a:r>
-              <a:rPr lang="pl-PL" sz="2400" b="1" i="0" u="none" strike="noStrike" kern="1200" cap="none" dirty="0" smtClean="0">
-                <a:ln>
-                  <a:noFill/>
-                </a:ln>
-                <a:solidFill>
-                  <a:schemeClr val="tx1">
-                    <a:lumMod val="75000"/>
-                    <a:lumOff val="25000"/>
-                  </a:schemeClr>
-                </a:solidFill>
-                <a:latin typeface="Lovelo Black" pitchFamily="18"/>
-                <a:ea typeface="Droid Sans Fallback" pitchFamily="2"/>
-                <a:cs typeface="FreeSans" pitchFamily="2"/>
-              </a:rPr>
-              <a:t>TWÓrca</a:t>
-            </a:r>
-            <a:r>
-              <a:rPr lang="pl-PL" sz="2400" b="1" i="0" u="none" strike="noStrike" kern="1200" cap="none" dirty="0" smtClean="0">
-                <a:ln>
-                  <a:noFill/>
-                </a:ln>
-                <a:solidFill>
-                  <a:schemeClr val="tx1">
-                    <a:lumMod val="75000"/>
-                    <a:lumOff val="25000"/>
-                  </a:schemeClr>
-                </a:solidFill>
-                <a:latin typeface="Lovelo Black" pitchFamily="18"/>
-                <a:ea typeface="Droid Sans Fallback" pitchFamily="2"/>
-                <a:cs typeface="FreeSans" pitchFamily="2"/>
-              </a:rPr>
-              <a:t>:		</a:t>
-            </a:r>
-            <a:r>
-              <a:rPr lang="pl-PL" sz="2400" b="1" i="0" u="none" strike="noStrike" kern="1200" cap="none" dirty="0" smtClean="0">
-                <a:ln>
-                  <a:noFill/>
-                </a:ln>
-                <a:solidFill>
-                  <a:schemeClr val="tx1">
-                    <a:lumMod val="75000"/>
-                    <a:lumOff val="25000"/>
-                  </a:schemeClr>
-                </a:solidFill>
-                <a:latin typeface="Lovelo Black" pitchFamily="18"/>
-                <a:ea typeface="Droid Sans Fallback" pitchFamily="2"/>
-                <a:cs typeface="FreeSans" pitchFamily="2"/>
-              </a:rPr>
-              <a:t>			</a:t>
-            </a:r>
-            <a:r>
-              <a:rPr lang="pl-PL" sz="2400" dirty="0" smtClean="0">
-                <a:solidFill>
-                  <a:schemeClr val="bg2">
-                    <a:lumMod val="50000"/>
-                  </a:schemeClr>
-                </a:solidFill>
-                <a:latin typeface="Bitter" panose="00000500000000000000" pitchFamily="50" charset="-18"/>
-              </a:rPr>
-              <a:t>José </a:t>
-            </a:r>
-            <a:r>
-              <a:rPr lang="pl-PL" sz="2400" dirty="0" smtClean="0">
-                <a:solidFill>
-                  <a:schemeClr val="bg2">
-                    <a:lumMod val="50000"/>
-                  </a:schemeClr>
-                </a:solidFill>
-                <a:latin typeface="Bitter" panose="00000500000000000000" pitchFamily="50" charset="-18"/>
-              </a:rPr>
-              <a:t>Valim</a:t>
-            </a:r>
-            <a:endParaRPr lang="pl-PL" sz="2400" b="1" u="none" strike="noStrike" kern="1200" cap="none" dirty="0" smtClean="0">
-              <a:ln>
-                <a:noFill/>
-              </a:ln>
-              <a:solidFill>
-                <a:schemeClr val="tx1">
-                  <a:lumMod val="75000"/>
-                  <a:lumOff val="25000"/>
-                </a:schemeClr>
-              </a:solidFill>
-              <a:latin typeface="Lovelo Black" pitchFamily="18"/>
-              <a:ea typeface="Droid Sans Fallback" pitchFamily="2"/>
-              <a:cs typeface="FreeSans" pitchFamily="2"/>
-            </a:endParaRPr>
-          </a:p>
-          <a:p>
-            <a:pPr marL="0" marR="0" lvl="0" indent="0" rtl="0" hangingPunct="0">
-              <a:lnSpc>
-                <a:spcPct val="150000"/>
-              </a:lnSpc>
-              <a:spcBef>
-                <a:spcPts val="575"/>
-              </a:spcBef>
-              <a:spcAft>
-                <a:spcPts val="575"/>
-              </a:spcAft>
-              <a:buNone/>
-              <a:tabLst/>
-            </a:pPr>
-            <a:r>
-              <a:rPr lang="en-US" sz="2400" b="1" i="0" u="none" strike="noStrike" kern="1200" cap="none" dirty="0" err="1" smtClean="0">
-                <a:ln>
-                  <a:noFill/>
-                </a:ln>
-                <a:solidFill>
-                  <a:schemeClr val="tx1">
-                    <a:lumMod val="75000"/>
-                    <a:lumOff val="25000"/>
-                  </a:schemeClr>
-                </a:solidFill>
-                <a:latin typeface="Lovelo Black" pitchFamily="18"/>
-                <a:ea typeface="Droid Sans Fallback" pitchFamily="2"/>
-                <a:cs typeface="FreeSans" pitchFamily="2"/>
-              </a:rPr>
-              <a:t>Licencja</a:t>
-            </a:r>
-            <a:r>
-              <a:rPr lang="en-US" sz="2400" b="1" i="0" u="none" strike="noStrike" kern="1200" cap="none" dirty="0" smtClean="0">
-                <a:ln>
-                  <a:noFill/>
-                </a:ln>
-                <a:solidFill>
-                  <a:srgbClr val="666666"/>
-                </a:solidFill>
-                <a:latin typeface="Lovelo Black" pitchFamily="18"/>
-                <a:ea typeface="Droid Sans Fallback" pitchFamily="2"/>
-                <a:cs typeface="FreeSans" pitchFamily="2"/>
-              </a:rPr>
-              <a:t>:</a:t>
-            </a:r>
-            <a:r>
-              <a:rPr lang="pl-PL" sz="2400" b="1" i="0" u="none" strike="noStrike" kern="1200" cap="none" dirty="0" smtClean="0">
-                <a:ln>
-                  <a:noFill/>
-                </a:ln>
-                <a:solidFill>
-                  <a:srgbClr val="666666"/>
-                </a:solidFill>
-                <a:latin typeface="Lovelo Black" pitchFamily="18"/>
-                <a:ea typeface="Droid Sans Fallback" pitchFamily="2"/>
-                <a:cs typeface="FreeSans" pitchFamily="2"/>
-              </a:rPr>
-              <a:t> 		</a:t>
-            </a:r>
-            <a:r>
-              <a:rPr lang="pl-PL" sz="2400" b="1" i="0" u="none" strike="noStrike" kern="1200" cap="none" dirty="0" smtClean="0">
-                <a:ln>
-                  <a:noFill/>
-                </a:ln>
-                <a:solidFill>
-                  <a:srgbClr val="666666"/>
-                </a:solidFill>
-                <a:latin typeface="Lovelo Black" pitchFamily="18"/>
-                <a:ea typeface="Droid Sans Fallback" pitchFamily="2"/>
-                <a:cs typeface="FreeSans" pitchFamily="2"/>
-              </a:rPr>
-              <a:t>		 </a:t>
-            </a:r>
-            <a:r>
-              <a:rPr lang="en-US" sz="2400" i="0" u="none" strike="noStrike" kern="1200" cap="none" dirty="0" smtClean="0">
-                <a:ln>
-                  <a:noFill/>
-                </a:ln>
-                <a:solidFill>
-                  <a:schemeClr val="bg2">
-                    <a:lumMod val="50000"/>
-                  </a:schemeClr>
-                </a:solidFill>
-                <a:latin typeface="Bitter" panose="00000500000000000000" pitchFamily="50" charset="-18"/>
-                <a:ea typeface="Droid Sans Fallback" pitchFamily="2"/>
-                <a:cs typeface="FreeSans" pitchFamily="2"/>
-              </a:rPr>
-              <a:t>APACHE License</a:t>
-            </a:r>
-            <a:endParaRPr lang="pl-PL" sz="2400" i="0" u="none" strike="noStrike" kern="1200" cap="none" dirty="0" smtClean="0">
-              <a:ln>
-                <a:noFill/>
-              </a:ln>
-              <a:solidFill>
-                <a:schemeClr val="bg2">
-                  <a:lumMod val="50000"/>
-                </a:schemeClr>
-              </a:solidFill>
-              <a:latin typeface="Bitter" panose="00000500000000000000" pitchFamily="50" charset="-18"/>
-              <a:ea typeface="Droid Sans Fallback" pitchFamily="2"/>
-              <a:cs typeface="FreeSans" pitchFamily="2"/>
-            </a:endParaRPr>
-          </a:p>
-          <a:p>
-            <a:pPr lvl="0" hangingPunct="0">
-              <a:lnSpc>
-                <a:spcPct val="150000"/>
-              </a:lnSpc>
-              <a:spcBef>
-                <a:spcPts val="575"/>
-              </a:spcBef>
-              <a:spcAft>
-                <a:spcPts val="575"/>
-              </a:spcAft>
-            </a:pPr>
-            <a:r>
-              <a:rPr lang="pl-PL" sz="2400" b="1" dirty="0" smtClean="0">
-                <a:solidFill>
-                  <a:schemeClr val="tx1">
-                    <a:lumMod val="75000"/>
-                    <a:lumOff val="25000"/>
-                  </a:schemeClr>
-                </a:solidFill>
-                <a:latin typeface="Lovelo Black" pitchFamily="18"/>
-                <a:ea typeface="Droid Sans Fallback" pitchFamily="2"/>
-                <a:cs typeface="FreeSans" pitchFamily="2"/>
-              </a:rPr>
-              <a:t>Historia</a:t>
-            </a:r>
-            <a:r>
-              <a:rPr lang="en-US" sz="2400" b="1" dirty="0" smtClean="0">
-                <a:solidFill>
-                  <a:srgbClr val="666666"/>
-                </a:solidFill>
-                <a:latin typeface="Lovelo Black" pitchFamily="18"/>
-                <a:ea typeface="Droid Sans Fallback" pitchFamily="2"/>
-                <a:cs typeface="FreeSans" pitchFamily="2"/>
-              </a:rPr>
-              <a:t>:</a:t>
-            </a:r>
-            <a:r>
-              <a:rPr lang="pl-PL" sz="2400" b="1" dirty="0" smtClean="0">
-                <a:solidFill>
-                  <a:srgbClr val="666666"/>
-                </a:solidFill>
-                <a:latin typeface="Lovelo Black" pitchFamily="18"/>
-                <a:ea typeface="Droid Sans Fallback" pitchFamily="2"/>
-                <a:cs typeface="FreeSans" pitchFamily="2"/>
-              </a:rPr>
-              <a:t>				       </a:t>
-            </a:r>
-            <a:r>
-              <a:rPr lang="pl-PL" sz="2400" dirty="0" smtClean="0">
-                <a:solidFill>
-                  <a:srgbClr val="666666"/>
-                </a:solidFill>
-                <a:latin typeface="Bitter" panose="00000500000000000000" pitchFamily="50" charset="-18"/>
-                <a:ea typeface="Droid Sans Fallback" pitchFamily="2"/>
-                <a:cs typeface="FreeSans" pitchFamily="2"/>
-              </a:rPr>
-              <a:t>2012: v.0.0.0</a:t>
-            </a:r>
-            <a:r>
-              <a:rPr lang="pl-PL" sz="2400" b="1" dirty="0" smtClean="0">
-                <a:solidFill>
-                  <a:srgbClr val="666666"/>
-                </a:solidFill>
-                <a:latin typeface="Lovelo Black" pitchFamily="18"/>
-                <a:ea typeface="Droid Sans Fallback" pitchFamily="2"/>
-                <a:cs typeface="FreeSans" pitchFamily="2"/>
-              </a:rPr>
-              <a:t>	      </a:t>
-            </a:r>
-          </a:p>
-          <a:p>
-            <a:pPr lvl="0" hangingPunct="0">
-              <a:lnSpc>
-                <a:spcPct val="150000"/>
-              </a:lnSpc>
-              <a:spcBef>
-                <a:spcPts val="575"/>
-              </a:spcBef>
-              <a:spcAft>
-                <a:spcPts val="575"/>
-              </a:spcAft>
-            </a:pPr>
-            <a:r>
-              <a:rPr lang="pl-PL" sz="2400" b="1" dirty="0">
-                <a:solidFill>
-                  <a:srgbClr val="666666"/>
-                </a:solidFill>
-                <a:latin typeface="Lovelo Black" pitchFamily="18"/>
-                <a:ea typeface="Droid Sans Fallback" pitchFamily="2"/>
-                <a:cs typeface="FreeSans" pitchFamily="2"/>
-              </a:rPr>
-              <a:t>	</a:t>
-            </a:r>
-            <a:r>
-              <a:rPr lang="pl-PL" sz="2400" b="1" dirty="0" smtClean="0">
-                <a:solidFill>
-                  <a:srgbClr val="666666"/>
-                </a:solidFill>
-                <a:latin typeface="Lovelo Black" pitchFamily="18"/>
-                <a:ea typeface="Droid Sans Fallback" pitchFamily="2"/>
-                <a:cs typeface="FreeSans" pitchFamily="2"/>
-              </a:rPr>
-              <a:t>				       </a:t>
-            </a:r>
-            <a:r>
-              <a:rPr lang="pl-PL" sz="2400" dirty="0" smtClean="0">
-                <a:solidFill>
-                  <a:srgbClr val="666666"/>
-                </a:solidFill>
-                <a:latin typeface="Bitter" panose="00000500000000000000" pitchFamily="50" charset="-18"/>
-                <a:ea typeface="Droid Sans Fallback" pitchFamily="2"/>
-                <a:cs typeface="FreeSans" pitchFamily="2"/>
-              </a:rPr>
-              <a:t>2014:</a:t>
-            </a:r>
-            <a:r>
-              <a:rPr lang="pl-PL" sz="2400" b="1" dirty="0">
-                <a:solidFill>
-                  <a:srgbClr val="666666"/>
-                </a:solidFill>
-                <a:latin typeface="Lovelo Black" pitchFamily="18"/>
-                <a:ea typeface="Droid Sans Fallback" pitchFamily="2"/>
-                <a:cs typeface="FreeSans" pitchFamily="2"/>
-              </a:rPr>
-              <a:t> </a:t>
-            </a:r>
-            <a:r>
-              <a:rPr lang="pl-PL" sz="2400" dirty="0" smtClean="0">
-                <a:solidFill>
-                  <a:schemeClr val="bg2">
-                    <a:lumMod val="50000"/>
-                  </a:schemeClr>
-                </a:solidFill>
-                <a:latin typeface="Bitter" panose="00000500000000000000" pitchFamily="50" charset="-18"/>
-                <a:ea typeface="Droid Sans Fallback" pitchFamily="2"/>
-                <a:cs typeface="FreeSans" pitchFamily="2"/>
-              </a:rPr>
-              <a:t>v.1.0.0</a:t>
-            </a:r>
-            <a:endParaRPr lang="pl-PL" sz="2400" i="0" u="none" strike="noStrike" kern="1200" cap="none" dirty="0" smtClean="0">
-              <a:ln>
-                <a:noFill/>
-              </a:ln>
-              <a:solidFill>
-                <a:schemeClr val="bg2">
-                  <a:lumMod val="50000"/>
-                </a:schemeClr>
-              </a:solidFill>
-              <a:latin typeface="Bitter" panose="00000500000000000000" pitchFamily="50" charset="-18"/>
-              <a:ea typeface="Droid Sans Fallback" pitchFamily="2"/>
-              <a:cs typeface="FreeSans" pitchFamily="2"/>
-            </a:endParaRPr>
-          </a:p>
-          <a:p>
-            <a:pPr marL="0" marR="0" lvl="0" indent="0" rtl="0" hangingPunct="0">
-              <a:lnSpc>
-                <a:spcPct val="150000"/>
-              </a:lnSpc>
-              <a:spcBef>
-                <a:spcPts val="575"/>
-              </a:spcBef>
-              <a:spcAft>
-                <a:spcPts val="575"/>
-              </a:spcAft>
-              <a:buNone/>
-              <a:tabLst/>
-            </a:pPr>
-            <a:endParaRPr lang="en-US" sz="2400" i="0" u="none" strike="noStrike" kern="1200" cap="none" dirty="0">
-              <a:ln>
-                <a:noFill/>
-              </a:ln>
-              <a:solidFill>
-                <a:schemeClr val="bg2">
-                  <a:lumMod val="50000"/>
-                </a:schemeClr>
-              </a:solidFill>
-              <a:latin typeface="Bitter" panose="00000500000000000000" pitchFamily="50" charset="-18"/>
-              <a:ea typeface="Droid Sans Fallback" pitchFamily="2"/>
-              <a:cs typeface="FreeSans" pitchFamily="2"/>
-            </a:endParaRPr>
-          </a:p>
-        </p:txBody>
-      </p:sp>
       <p:pic>
         <p:nvPicPr>
           <p:cNvPr id="5" name="Picture 4"/>
@@ -5718,7 +5307,7 @@
         </p:blipFill>
         <p:spPr>
           <a:xfrm>
-            <a:off x="5101560" y="3826079"/>
+            <a:off x="5219547" y="4298028"/>
             <a:ext cx="360" cy="360"/>
           </a:xfrm>
           <a:prstGeom prst="rect">
@@ -5750,7 +5339,7 @@
         </p:blipFill>
         <p:spPr>
           <a:xfrm>
-            <a:off x="5101560" y="3615120"/>
+            <a:off x="5219547" y="4087069"/>
             <a:ext cx="360" cy="360"/>
           </a:xfrm>
           <a:prstGeom prst="rect">
@@ -5804,6 +5393,603 @@
           </a:ln>
         </p:spPr>
       </p:pic>
+      <p:graphicFrame>
+        <p:nvGraphicFramePr>
+          <p:cNvPr id="3" name="Table 2"/>
+          <p:cNvGraphicFramePr>
+            <a:graphicFrameLocks noGrp="1"/>
+          </p:cNvGraphicFramePr>
+          <p:nvPr>
+            <p:extLst>
+              <p:ext uri="{D42A27DB-BD31-4B8C-83A1-F6EECF244321}">
+                <p14:modId xmlns:p14="http://schemas.microsoft.com/office/powerpoint/2010/main" val="1861588431"/>
+              </p:ext>
+            </p:extLst>
+          </p:nvPr>
+        </p:nvGraphicFramePr>
+        <p:xfrm>
+          <a:off x="1622323" y="2261421"/>
+          <a:ext cx="7393856" cy="3414600"/>
+        </p:xfrm>
+        <a:graphic>
+          <a:graphicData uri="http://schemas.openxmlformats.org/drawingml/2006/table">
+            <a:tbl>
+              <a:tblPr firstRow="1" bandRow="1">
+                <a:tableStyleId>{5C22544A-7EE6-4342-B048-85BDC9FD1C3A}</a:tableStyleId>
+              </a:tblPr>
+              <a:tblGrid>
+                <a:gridCol w="4581832"/>
+                <a:gridCol w="2812024"/>
+              </a:tblGrid>
+              <a:tr h="838158">
+                <a:tc>
+                  <a:txBody>
+                    <a:bodyPr/>
+                    <a:lstStyle/>
+                    <a:p>
+                      <a:r>
+                        <a:rPr lang="pl-PL" sz="2400" b="1" i="0" u="none" strike="noStrike" kern="1200" cap="none" dirty="0" smtClean="0">
+                          <a:ln>
+                            <a:noFill/>
+                          </a:ln>
+                          <a:solidFill>
+                            <a:schemeClr val="tx1">
+                              <a:lumMod val="75000"/>
+                              <a:lumOff val="25000"/>
+                            </a:schemeClr>
+                          </a:solidFill>
+                          <a:latin typeface="Lovelo Black" pitchFamily="18"/>
+                          <a:ea typeface="Droid Sans Fallback" pitchFamily="2"/>
+                          <a:cs typeface="FreeSans" pitchFamily="2"/>
+                        </a:rPr>
+                        <a:t>TWÓrca:</a:t>
+                      </a:r>
+                      <a:endParaRPr lang="pl-PL" sz="2400" dirty="0"/>
+                    </a:p>
+                  </a:txBody>
+                  <a:tcPr>
+                    <a:lnL w="12700" cap="flat" cmpd="sng" algn="ctr">
+                      <a:noFill/>
+                      <a:prstDash val="solid"/>
+                      <a:round/>
+                      <a:headEnd type="none" w="med" len="med"/>
+                      <a:tailEnd type="none" w="med" len="med"/>
+                    </a:lnL>
+                    <a:lnR w="12700" cap="flat" cmpd="sng" algn="ctr">
+                      <a:noFill/>
+                      <a:prstDash val="solid"/>
+                      <a:round/>
+                      <a:headEnd type="none" w="med" len="med"/>
+                      <a:tailEnd type="none" w="med" len="med"/>
+                    </a:lnR>
+                    <a:lnT w="12700" cap="flat" cmpd="sng" algn="ctr">
+                      <a:noFill/>
+                      <a:prstDash val="solid"/>
+                      <a:round/>
+                      <a:headEnd type="none" w="med" len="med"/>
+                      <a:tailEnd type="none" w="med" len="med"/>
+                    </a:lnT>
+                    <a:lnB w="12700" cap="flat" cmpd="sng" algn="ctr">
+                      <a:noFill/>
+                      <a:prstDash val="solid"/>
+                      <a:round/>
+                      <a:headEnd type="none" w="med" len="med"/>
+                      <a:tailEnd type="none" w="med" len="med"/>
+                    </a:lnB>
+                    <a:lnTlToBr w="12700" cmpd="sng">
+                      <a:noFill/>
+                      <a:prstDash val="solid"/>
+                    </a:lnTlToBr>
+                    <a:lnBlToTr w="12700" cmpd="sng">
+                      <a:noFill/>
+                      <a:prstDash val="solid"/>
+                    </a:lnBlToTr>
+                    <a:noFill/>
+                  </a:tcPr>
+                </a:tc>
+                <a:tc>
+                  <a:txBody>
+                    <a:bodyPr/>
+                    <a:lstStyle/>
+                    <a:p>
+                      <a:pPr marL="0" marR="0" indent="0" algn="l" defTabSz="914400" rtl="0" eaLnBrk="1" fontAlgn="auto" latinLnBrk="0" hangingPunct="1">
+                        <a:lnSpc>
+                          <a:spcPct val="100000"/>
+                        </a:lnSpc>
+                        <a:spcBef>
+                          <a:spcPts val="0"/>
+                        </a:spcBef>
+                        <a:spcAft>
+                          <a:spcPts val="0"/>
+                        </a:spcAft>
+                        <a:buClrTx/>
+                        <a:buSzTx/>
+                        <a:buFontTx/>
+                        <a:buNone/>
+                        <a:tabLst/>
+                        <a:defRPr/>
+                      </a:pPr>
+                      <a:r>
+                        <a:rPr lang="pl-PL" sz="2400" b="0" dirty="0" smtClean="0">
+                          <a:solidFill>
+                            <a:schemeClr val="bg2">
+                              <a:lumMod val="50000"/>
+                            </a:schemeClr>
+                          </a:solidFill>
+                          <a:latin typeface="Bitter" panose="00000500000000000000" pitchFamily="50" charset="-18"/>
+                        </a:rPr>
+                        <a:t>José Valim</a:t>
+                      </a:r>
+                      <a:endParaRPr lang="pl-PL" sz="2400" b="0" u="none" strike="noStrike" kern="1200" cap="none" dirty="0" smtClean="0">
+                        <a:ln>
+                          <a:noFill/>
+                        </a:ln>
+                        <a:solidFill>
+                          <a:schemeClr val="tx1">
+                            <a:lumMod val="75000"/>
+                            <a:lumOff val="25000"/>
+                          </a:schemeClr>
+                        </a:solidFill>
+                        <a:latin typeface="Lovelo Black" pitchFamily="18"/>
+                        <a:ea typeface="Droid Sans Fallback" pitchFamily="2"/>
+                        <a:cs typeface="FreeSans" pitchFamily="2"/>
+                      </a:endParaRPr>
+                    </a:p>
+                    <a:p>
+                      <a:pPr algn="l"/>
+                      <a:endParaRPr lang="pl-PL" sz="2400" dirty="0"/>
+                    </a:p>
+                  </a:txBody>
+                  <a:tcPr>
+                    <a:lnL w="12700" cap="flat" cmpd="sng" algn="ctr">
+                      <a:noFill/>
+                      <a:prstDash val="solid"/>
+                      <a:round/>
+                      <a:headEnd type="none" w="med" len="med"/>
+                      <a:tailEnd type="none" w="med" len="med"/>
+                    </a:lnL>
+                    <a:lnR w="12700" cap="flat" cmpd="sng" algn="ctr">
+                      <a:noFill/>
+                      <a:prstDash val="solid"/>
+                      <a:round/>
+                      <a:headEnd type="none" w="med" len="med"/>
+                      <a:tailEnd type="none" w="med" len="med"/>
+                    </a:lnR>
+                    <a:lnT w="12700" cap="flat" cmpd="sng" algn="ctr">
+                      <a:noFill/>
+                      <a:prstDash val="solid"/>
+                      <a:round/>
+                      <a:headEnd type="none" w="med" len="med"/>
+                      <a:tailEnd type="none" w="med" len="med"/>
+                    </a:lnT>
+                    <a:lnB w="12700" cap="flat" cmpd="sng" algn="ctr">
+                      <a:noFill/>
+                      <a:prstDash val="solid"/>
+                      <a:round/>
+                      <a:headEnd type="none" w="med" len="med"/>
+                      <a:tailEnd type="none" w="med" len="med"/>
+                    </a:lnB>
+                    <a:lnTlToBr w="12700" cmpd="sng">
+                      <a:noFill/>
+                      <a:prstDash val="solid"/>
+                    </a:lnTlToBr>
+                    <a:lnBlToTr w="12700" cmpd="sng">
+                      <a:noFill/>
+                      <a:prstDash val="solid"/>
+                    </a:lnBlToTr>
+                    <a:noFill/>
+                  </a:tcPr>
+                </a:tc>
+              </a:tr>
+              <a:tr h="902152">
+                <a:tc>
+                  <a:txBody>
+                    <a:bodyPr/>
+                    <a:lstStyle/>
+                    <a:p>
+                      <a:r>
+                        <a:rPr lang="en-US" sz="2400" b="1" i="0" u="none" strike="noStrike" kern="1200" cap="none" dirty="0" err="1" smtClean="0">
+                          <a:ln>
+                            <a:noFill/>
+                          </a:ln>
+                          <a:solidFill>
+                            <a:schemeClr val="tx1">
+                              <a:lumMod val="75000"/>
+                              <a:lumOff val="25000"/>
+                            </a:schemeClr>
+                          </a:solidFill>
+                          <a:latin typeface="Lovelo Black" pitchFamily="18"/>
+                          <a:ea typeface="Droid Sans Fallback" pitchFamily="2"/>
+                          <a:cs typeface="FreeSans" pitchFamily="2"/>
+                        </a:rPr>
+                        <a:t>Licencja</a:t>
+                      </a:r>
+                      <a:r>
+                        <a:rPr lang="en-US" sz="2400" b="1" i="0" u="none" strike="noStrike" kern="1200" cap="none" dirty="0" smtClean="0">
+                          <a:ln>
+                            <a:noFill/>
+                          </a:ln>
+                          <a:solidFill>
+                            <a:srgbClr val="666666"/>
+                          </a:solidFill>
+                          <a:latin typeface="Lovelo Black" pitchFamily="18"/>
+                          <a:ea typeface="Droid Sans Fallback" pitchFamily="2"/>
+                          <a:cs typeface="FreeSans" pitchFamily="2"/>
+                        </a:rPr>
+                        <a:t>:</a:t>
+                      </a:r>
+                      <a:endParaRPr lang="pl-PL" sz="2400" dirty="0"/>
+                    </a:p>
+                  </a:txBody>
+                  <a:tcPr>
+                    <a:lnL w="12700" cap="flat" cmpd="sng" algn="ctr">
+                      <a:noFill/>
+                      <a:prstDash val="solid"/>
+                      <a:round/>
+                      <a:headEnd type="none" w="med" len="med"/>
+                      <a:tailEnd type="none" w="med" len="med"/>
+                    </a:lnL>
+                    <a:lnR w="12700" cap="flat" cmpd="sng" algn="ctr">
+                      <a:noFill/>
+                      <a:prstDash val="solid"/>
+                      <a:round/>
+                      <a:headEnd type="none" w="med" len="med"/>
+                      <a:tailEnd type="none" w="med" len="med"/>
+                    </a:lnR>
+                    <a:lnT w="12700" cap="flat" cmpd="sng" algn="ctr">
+                      <a:noFill/>
+                      <a:prstDash val="solid"/>
+                      <a:round/>
+                      <a:headEnd type="none" w="med" len="med"/>
+                      <a:tailEnd type="none" w="med" len="med"/>
+                    </a:lnT>
+                    <a:lnB w="12700" cap="flat" cmpd="sng" algn="ctr">
+                      <a:noFill/>
+                      <a:prstDash val="solid"/>
+                      <a:round/>
+                      <a:headEnd type="none" w="med" len="med"/>
+                      <a:tailEnd type="none" w="med" len="med"/>
+                    </a:lnB>
+                    <a:lnTlToBr w="12700" cmpd="sng">
+                      <a:noFill/>
+                      <a:prstDash val="solid"/>
+                    </a:lnTlToBr>
+                    <a:lnBlToTr w="12700" cmpd="sng">
+                      <a:noFill/>
+                      <a:prstDash val="solid"/>
+                    </a:lnBlToTr>
+                    <a:noFill/>
+                  </a:tcPr>
+                </a:tc>
+                <a:tc>
+                  <a:txBody>
+                    <a:bodyPr/>
+                    <a:lstStyle/>
+                    <a:p>
+                      <a:pPr marL="0" marR="0" indent="0" algn="l" defTabSz="914400" rtl="0" eaLnBrk="1" fontAlgn="auto" latinLnBrk="0" hangingPunct="1">
+                        <a:lnSpc>
+                          <a:spcPct val="100000"/>
+                        </a:lnSpc>
+                        <a:spcBef>
+                          <a:spcPts val="0"/>
+                        </a:spcBef>
+                        <a:spcAft>
+                          <a:spcPts val="0"/>
+                        </a:spcAft>
+                        <a:buClrTx/>
+                        <a:buSzTx/>
+                        <a:buFontTx/>
+                        <a:buNone/>
+                        <a:tabLst/>
+                        <a:defRPr/>
+                      </a:pPr>
+                      <a:r>
+                        <a:rPr lang="en-US" sz="2400" i="0" u="none" strike="noStrike" kern="1200" cap="none" dirty="0" smtClean="0">
+                          <a:ln>
+                            <a:noFill/>
+                          </a:ln>
+                          <a:solidFill>
+                            <a:schemeClr val="bg2">
+                              <a:lumMod val="50000"/>
+                            </a:schemeClr>
+                          </a:solidFill>
+                          <a:latin typeface="Bitter" panose="00000500000000000000" pitchFamily="50" charset="-18"/>
+                          <a:ea typeface="Droid Sans Fallback" pitchFamily="2"/>
+                          <a:cs typeface="FreeSans" pitchFamily="2"/>
+                        </a:rPr>
+                        <a:t>APACHE License</a:t>
+                      </a:r>
+                      <a:endParaRPr lang="pl-PL" sz="2400" i="0" u="none" strike="noStrike" kern="1200" cap="none" dirty="0" smtClean="0">
+                        <a:ln>
+                          <a:noFill/>
+                        </a:ln>
+                        <a:solidFill>
+                          <a:schemeClr val="bg2">
+                            <a:lumMod val="50000"/>
+                          </a:schemeClr>
+                        </a:solidFill>
+                        <a:latin typeface="Bitter" panose="00000500000000000000" pitchFamily="50" charset="-18"/>
+                        <a:ea typeface="Droid Sans Fallback" pitchFamily="2"/>
+                        <a:cs typeface="FreeSans" pitchFamily="2"/>
+                      </a:endParaRPr>
+                    </a:p>
+                    <a:p>
+                      <a:pPr algn="l"/>
+                      <a:endParaRPr lang="pl-PL" sz="2400" dirty="0"/>
+                    </a:p>
+                  </a:txBody>
+                  <a:tcPr>
+                    <a:lnL w="12700" cap="flat" cmpd="sng" algn="ctr">
+                      <a:noFill/>
+                      <a:prstDash val="solid"/>
+                      <a:round/>
+                      <a:headEnd type="none" w="med" len="med"/>
+                      <a:tailEnd type="none" w="med" len="med"/>
+                    </a:lnL>
+                    <a:lnR w="12700" cap="flat" cmpd="sng" algn="ctr">
+                      <a:noFill/>
+                      <a:prstDash val="solid"/>
+                      <a:round/>
+                      <a:headEnd type="none" w="med" len="med"/>
+                      <a:tailEnd type="none" w="med" len="med"/>
+                    </a:lnR>
+                    <a:lnT w="12700" cap="flat" cmpd="sng" algn="ctr">
+                      <a:noFill/>
+                      <a:prstDash val="solid"/>
+                      <a:round/>
+                      <a:headEnd type="none" w="med" len="med"/>
+                      <a:tailEnd type="none" w="med" len="med"/>
+                    </a:lnT>
+                    <a:lnB w="12700" cap="flat" cmpd="sng" algn="ctr">
+                      <a:noFill/>
+                      <a:prstDash val="solid"/>
+                      <a:round/>
+                      <a:headEnd type="none" w="med" len="med"/>
+                      <a:tailEnd type="none" w="med" len="med"/>
+                    </a:lnB>
+                    <a:lnTlToBr w="12700" cmpd="sng">
+                      <a:noFill/>
+                      <a:prstDash val="solid"/>
+                    </a:lnTlToBr>
+                    <a:lnBlToTr w="12700" cmpd="sng">
+                      <a:noFill/>
+                      <a:prstDash val="solid"/>
+                    </a:lnBlToTr>
+                    <a:noFill/>
+                  </a:tcPr>
+                </a:tc>
+              </a:tr>
+              <a:tr h="1674290">
+                <a:tc>
+                  <a:txBody>
+                    <a:bodyPr/>
+                    <a:lstStyle/>
+                    <a:p>
+                      <a:r>
+                        <a:rPr lang="pl-PL" sz="2400" b="1" dirty="0" smtClean="0">
+                          <a:solidFill>
+                            <a:schemeClr val="tx1">
+                              <a:lumMod val="75000"/>
+                              <a:lumOff val="25000"/>
+                            </a:schemeClr>
+                          </a:solidFill>
+                          <a:latin typeface="Lovelo Black" pitchFamily="18"/>
+                          <a:ea typeface="Droid Sans Fallback" pitchFamily="2"/>
+                          <a:cs typeface="FreeSans" pitchFamily="2"/>
+                        </a:rPr>
+                        <a:t>Historia</a:t>
+                      </a:r>
+                      <a:r>
+                        <a:rPr lang="en-US" sz="2400" b="1" dirty="0" smtClean="0">
+                          <a:solidFill>
+                            <a:srgbClr val="666666"/>
+                          </a:solidFill>
+                          <a:latin typeface="Lovelo Black" pitchFamily="18"/>
+                          <a:ea typeface="Droid Sans Fallback" pitchFamily="2"/>
+                          <a:cs typeface="FreeSans" pitchFamily="2"/>
+                        </a:rPr>
+                        <a:t>:</a:t>
+                      </a:r>
+                      <a:r>
+                        <a:rPr lang="pl-PL" sz="2400" b="1" dirty="0" smtClean="0">
+                          <a:solidFill>
+                            <a:srgbClr val="666666"/>
+                          </a:solidFill>
+                          <a:latin typeface="Lovelo Black" pitchFamily="18"/>
+                          <a:ea typeface="Droid Sans Fallback" pitchFamily="2"/>
+                          <a:cs typeface="FreeSans" pitchFamily="2"/>
+                        </a:rPr>
+                        <a:t>	</a:t>
+                      </a:r>
+                      <a:endParaRPr lang="pl-PL" sz="2400" dirty="0"/>
+                    </a:p>
+                  </a:txBody>
+                  <a:tcPr>
+                    <a:lnL w="12700" cap="flat" cmpd="sng" algn="ctr">
+                      <a:noFill/>
+                      <a:prstDash val="solid"/>
+                      <a:round/>
+                      <a:headEnd type="none" w="med" len="med"/>
+                      <a:tailEnd type="none" w="med" len="med"/>
+                    </a:lnL>
+                    <a:lnR w="12700" cap="flat" cmpd="sng" algn="ctr">
+                      <a:noFill/>
+                      <a:prstDash val="solid"/>
+                      <a:round/>
+                      <a:headEnd type="none" w="med" len="med"/>
+                      <a:tailEnd type="none" w="med" len="med"/>
+                    </a:lnR>
+                    <a:lnT w="12700" cap="flat" cmpd="sng" algn="ctr">
+                      <a:noFill/>
+                      <a:prstDash val="solid"/>
+                      <a:round/>
+                      <a:headEnd type="none" w="med" len="med"/>
+                      <a:tailEnd type="none" w="med" len="med"/>
+                    </a:lnT>
+                    <a:lnB w="12700" cap="flat" cmpd="sng" algn="ctr">
+                      <a:noFill/>
+                      <a:prstDash val="solid"/>
+                      <a:round/>
+                      <a:headEnd type="none" w="med" len="med"/>
+                      <a:tailEnd type="none" w="med" len="med"/>
+                    </a:lnB>
+                    <a:lnTlToBr w="12700" cmpd="sng">
+                      <a:noFill/>
+                      <a:prstDash val="solid"/>
+                    </a:lnTlToBr>
+                    <a:lnBlToTr w="12700" cmpd="sng">
+                      <a:noFill/>
+                      <a:prstDash val="solid"/>
+                    </a:lnBlToTr>
+                    <a:noFill/>
+                  </a:tcPr>
+                </a:tc>
+                <a:tc>
+                  <a:txBody>
+                    <a:bodyPr/>
+                    <a:lstStyle/>
+                    <a:p>
+                      <a:pPr algn="l"/>
+                      <a:r>
+                        <a:rPr lang="pl-PL" sz="2400" dirty="0" smtClean="0">
+                          <a:solidFill>
+                            <a:srgbClr val="666666"/>
+                          </a:solidFill>
+                          <a:latin typeface="Bitter" panose="00000500000000000000" pitchFamily="50" charset="-18"/>
+                          <a:ea typeface="Droid Sans Fallback" pitchFamily="2"/>
+                          <a:cs typeface="FreeSans" pitchFamily="2"/>
+                        </a:rPr>
+                        <a:t>2012: v.0.0.0</a:t>
+                      </a:r>
+                    </a:p>
+                    <a:p>
+                      <a:pPr marL="0" marR="0" lvl="0" indent="0" algn="l" defTabSz="914400" rtl="0" eaLnBrk="1" fontAlgn="auto" latinLnBrk="0" hangingPunct="1">
+                        <a:lnSpc>
+                          <a:spcPct val="100000"/>
+                        </a:lnSpc>
+                        <a:spcBef>
+                          <a:spcPts val="0"/>
+                        </a:spcBef>
+                        <a:spcAft>
+                          <a:spcPts val="0"/>
+                        </a:spcAft>
+                        <a:buClrTx/>
+                        <a:buSzTx/>
+                        <a:buFontTx/>
+                        <a:buNone/>
+                        <a:tabLst/>
+                        <a:defRPr/>
+                      </a:pPr>
+                      <a:r>
+                        <a:rPr lang="pl-PL" sz="2400" dirty="0" smtClean="0">
+                          <a:solidFill>
+                            <a:srgbClr val="666666"/>
+                          </a:solidFill>
+                          <a:latin typeface="Bitter" panose="00000500000000000000" pitchFamily="50" charset="-18"/>
+                          <a:ea typeface="Droid Sans Fallback" pitchFamily="2"/>
+                          <a:cs typeface="FreeSans" pitchFamily="2"/>
+                        </a:rPr>
+                        <a:t>2014:</a:t>
+                      </a:r>
+                      <a:r>
+                        <a:rPr lang="pl-PL" sz="2400" b="1" dirty="0" smtClean="0">
+                          <a:solidFill>
+                            <a:srgbClr val="666666"/>
+                          </a:solidFill>
+                          <a:latin typeface="Lovelo Black" pitchFamily="18"/>
+                          <a:ea typeface="Droid Sans Fallback" pitchFamily="2"/>
+                          <a:cs typeface="FreeSans" pitchFamily="2"/>
+                        </a:rPr>
+                        <a:t> </a:t>
+                      </a:r>
+                      <a:r>
+                        <a:rPr lang="pl-PL" sz="2400" dirty="0" smtClean="0">
+                          <a:solidFill>
+                            <a:schemeClr val="bg2">
+                              <a:lumMod val="50000"/>
+                            </a:schemeClr>
+                          </a:solidFill>
+                          <a:latin typeface="Bitter" panose="00000500000000000000" pitchFamily="50" charset="-18"/>
+                          <a:ea typeface="Droid Sans Fallback" pitchFamily="2"/>
+                          <a:cs typeface="FreeSans" pitchFamily="2"/>
+                        </a:rPr>
+                        <a:t>v.1.0.0</a:t>
+                      </a:r>
+                      <a:endParaRPr lang="pl-PL" sz="2400" i="0" u="none" strike="noStrike" kern="1200" cap="none" dirty="0" smtClean="0">
+                        <a:ln>
+                          <a:noFill/>
+                        </a:ln>
+                        <a:solidFill>
+                          <a:schemeClr val="bg2">
+                            <a:lumMod val="50000"/>
+                          </a:schemeClr>
+                        </a:solidFill>
+                        <a:latin typeface="Bitter" panose="00000500000000000000" pitchFamily="50" charset="-18"/>
+                        <a:ea typeface="Droid Sans Fallback" pitchFamily="2"/>
+                        <a:cs typeface="FreeSans" pitchFamily="2"/>
+                      </a:endParaRPr>
+                    </a:p>
+                    <a:p>
+                      <a:pPr algn="l"/>
+                      <a:r>
+                        <a:rPr lang="pl-PL" sz="2400" b="1" dirty="0" smtClean="0">
+                          <a:solidFill>
+                            <a:srgbClr val="666666"/>
+                          </a:solidFill>
+                          <a:latin typeface="Lovelo Black" pitchFamily="18"/>
+                          <a:ea typeface="Droid Sans Fallback" pitchFamily="2"/>
+                          <a:cs typeface="FreeSans" pitchFamily="2"/>
+                        </a:rPr>
+                        <a:t> </a:t>
+                      </a:r>
+                      <a:endParaRPr lang="pl-PL" sz="2400" dirty="0"/>
+                    </a:p>
+                  </a:txBody>
+                  <a:tcPr>
+                    <a:lnL w="12700" cap="flat" cmpd="sng" algn="ctr">
+                      <a:noFill/>
+                      <a:prstDash val="solid"/>
+                      <a:round/>
+                      <a:headEnd type="none" w="med" len="med"/>
+                      <a:tailEnd type="none" w="med" len="med"/>
+                    </a:lnL>
+                    <a:lnR w="12700" cap="flat" cmpd="sng" algn="ctr">
+                      <a:noFill/>
+                      <a:prstDash val="solid"/>
+                      <a:round/>
+                      <a:headEnd type="none" w="med" len="med"/>
+                      <a:tailEnd type="none" w="med" len="med"/>
+                    </a:lnR>
+                    <a:lnT w="12700" cap="flat" cmpd="sng" algn="ctr">
+                      <a:noFill/>
+                      <a:prstDash val="solid"/>
+                      <a:round/>
+                      <a:headEnd type="none" w="med" len="med"/>
+                      <a:tailEnd type="none" w="med" len="med"/>
+                    </a:lnT>
+                    <a:lnB w="12700" cap="flat" cmpd="sng" algn="ctr">
+                      <a:noFill/>
+                      <a:prstDash val="solid"/>
+                      <a:round/>
+                      <a:headEnd type="none" w="med" len="med"/>
+                      <a:tailEnd type="none" w="med" len="med"/>
+                    </a:lnB>
+                    <a:lnTlToBr w="12700" cmpd="sng">
+                      <a:noFill/>
+                      <a:prstDash val="solid"/>
+                    </a:lnTlToBr>
+                    <a:lnBlToTr w="12700" cmpd="sng">
+                      <a:noFill/>
+                      <a:prstDash val="solid"/>
+                    </a:lnBlToTr>
+                    <a:noFill/>
+                  </a:tcPr>
+                </a:tc>
+              </a:tr>
+            </a:tbl>
+          </a:graphicData>
+        </a:graphic>
+      </p:graphicFrame>
     </p:spTree>
   </p:cSld>
   <p:clrMapOvr>

--- a/elixir.pptx
+++ b/elixir.pptx
@@ -6089,7 +6089,7 @@
         </p:nvSpPr>
         <p:spPr>
           <a:xfrm>
-            <a:off x="652861" y="1525962"/>
+            <a:off x="627152" y="1444815"/>
             <a:ext cx="8595360" cy="608040"/>
           </a:xfrm>
         </p:spPr>
@@ -6154,8 +6154,8 @@
         </p:nvSpPr>
         <p:spPr>
           <a:xfrm>
-            <a:off x="1661651" y="2134002"/>
-            <a:ext cx="7841921" cy="1591193"/>
+            <a:off x="2204720" y="1961282"/>
+            <a:ext cx="7298852" cy="1591193"/>
           </a:xfrm>
           <a:prstGeom prst="rect">
             <a:avLst/>
@@ -6171,7 +6171,7 @@
           <a:p>
             <a:pPr lvl="0" algn="r" hangingPunct="0"/>
             <a:r>
-              <a:rPr lang="en-US" sz="2400" dirty="0">
+              <a:rPr lang="en-US" dirty="0">
                 <a:solidFill>
                   <a:schemeClr val="tx1">
                     <a:lumMod val="75000"/>
@@ -6183,7 +6183,7 @@
               <a:t>We frequently say that </a:t>
             </a:r>
             <a:r>
-              <a:rPr lang="en-US" sz="2400" b="1" dirty="0">
+              <a:rPr lang="en-US" b="1" dirty="0">
                 <a:solidFill>
                   <a:schemeClr val="tx1">
                     <a:lumMod val="75000"/>
@@ -6195,7 +6195,7 @@
               <a:t>the </a:t>
             </a:r>
             <a:r>
-              <a:rPr lang="en-US" sz="2400" b="1" dirty="0" err="1">
+              <a:rPr lang="en-US" b="1" dirty="0" err="1">
                 <a:solidFill>
                   <a:schemeClr val="tx1">
                     <a:lumMod val="75000"/>
@@ -6207,7 +6207,7 @@
               <a:t>Erlang</a:t>
             </a:r>
             <a:r>
-              <a:rPr lang="en-US" sz="2400" b="1" dirty="0">
+              <a:rPr lang="en-US" b="1" dirty="0">
                 <a:solidFill>
                   <a:schemeClr val="tx1">
                     <a:lumMod val="75000"/>
@@ -6219,7 +6219,7 @@
               <a:t> VM is Elixir's strongest asset</a:t>
             </a:r>
             <a:r>
-              <a:rPr lang="en-US" sz="2400" dirty="0" smtClean="0">
+              <a:rPr lang="en-US" dirty="0" smtClean="0">
                 <a:solidFill>
                   <a:schemeClr val="tx1">
                     <a:lumMod val="75000"/>
@@ -6230,7 +6230,7 @@
               </a:rPr>
               <a:t>.</a:t>
             </a:r>
-            <a:endParaRPr lang="pl-PL" sz="2400" dirty="0" smtClean="0">
+            <a:endParaRPr lang="pl-PL" dirty="0" smtClean="0">
               <a:solidFill>
                 <a:schemeClr val="tx1">
                   <a:lumMod val="75000"/>
@@ -6242,8 +6242,19 @@
           </a:p>
           <a:p>
             <a:pPr lvl="0" hangingPunct="0"/>
-            <a:r>
-              <a:rPr lang="en-US" sz="2400" dirty="0" smtClean="0">
+            <a:endParaRPr lang="pl-PL" dirty="0" smtClean="0">
+              <a:solidFill>
+                <a:schemeClr val="bg2">
+                  <a:lumMod val="50000"/>
+                </a:schemeClr>
+              </a:solidFill>
+              <a:latin typeface="Bitter" panose="00000500000000000000" pitchFamily="50" charset="-18"/>
+            </a:endParaRPr>
+          </a:p>
+          <a:p>
+            <a:pPr lvl="0" hangingPunct="0"/>
+            <a:r>
+              <a:rPr lang="en-US" dirty="0" smtClean="0">
                 <a:solidFill>
                   <a:schemeClr val="bg2">
                     <a:lumMod val="50000"/>
@@ -6254,7 +6265,7 @@
               <a:t>— </a:t>
             </a:r>
             <a:r>
-              <a:rPr lang="pl-PL" sz="2400" i="1" dirty="0" smtClean="0">
+              <a:rPr lang="pl-PL" i="1" dirty="0" smtClean="0">
                 <a:solidFill>
                   <a:schemeClr val="bg2">
                     <a:lumMod val="50000"/>
@@ -6265,7 +6276,7 @@
               <a:t>José </a:t>
             </a:r>
             <a:r>
-              <a:rPr lang="pl-PL" sz="2400" i="1" dirty="0">
+              <a:rPr lang="pl-PL" i="1" dirty="0">
                 <a:solidFill>
                   <a:schemeClr val="bg2">
                     <a:lumMod val="50000"/>
@@ -6275,7 +6286,7 @@
               </a:rPr>
               <a:t>Valim</a:t>
             </a:r>
-            <a:endParaRPr lang="en-US" sz="2400" b="0" i="0" u="none" strike="noStrike" kern="1200" cap="none" dirty="0">
+            <a:endParaRPr lang="en-US" b="0" i="0" u="none" strike="noStrike" kern="1200" cap="none" dirty="0">
               <a:ln>
                 <a:noFill/>
               </a:ln>
@@ -6333,6 +6344,1790 @@
           </a:ln>
         </p:spPr>
       </p:pic>
+      <p:sp>
+        <p:nvSpPr>
+          <p:cNvPr id="20" name="Rectangle 11"/>
+          <p:cNvSpPr>
+            <a:spLocks noChangeArrowheads="1"/>
+          </p:cNvSpPr>
+          <p:nvPr/>
+        </p:nvSpPr>
+        <p:spPr bwMode="auto">
+          <a:xfrm>
+            <a:off x="822960" y="4778663"/>
+            <a:ext cx="8399552" cy="1656000"/>
+          </a:xfrm>
+          <a:prstGeom prst="rect">
+            <a:avLst/>
+          </a:prstGeom>
+          <a:solidFill>
+            <a:schemeClr val="bg1">
+              <a:lumMod val="95000"/>
+            </a:schemeClr>
+          </a:solidFill>
+          <a:ln w="9525">
+            <a:solidFill>
+              <a:schemeClr val="bg2">
+                <a:lumMod val="90000"/>
+              </a:schemeClr>
+            </a:solidFill>
+            <a:miter lim="800000"/>
+            <a:headEnd/>
+            <a:tailEnd/>
+          </a:ln>
+          <a:effectLst/>
+        </p:spPr>
+        <p:txBody>
+          <a:bodyPr vert="horz" wrap="square" lIns="91440" tIns="45720" rIns="91440" bIns="45720" numCol="1" anchor="ctr" anchorCtr="0" compatLnSpc="1">
+            <a:prstTxWarp prst="textNoShape">
+              <a:avLst/>
+            </a:prstTxWarp>
+            <a:spAutoFit/>
+          </a:bodyPr>
+          <a:lstStyle/>
+          <a:p>
+            <a:pPr marL="0" marR="0" lvl="0" indent="0" algn="l" defTabSz="914400" rtl="0" eaLnBrk="0" fontAlgn="base" latinLnBrk="0" hangingPunct="0">
+              <a:lnSpc>
+                <a:spcPct val="100000"/>
+              </a:lnSpc>
+              <a:spcBef>
+                <a:spcPct val="0"/>
+              </a:spcBef>
+              <a:spcAft>
+                <a:spcPct val="0"/>
+              </a:spcAft>
+              <a:buClrTx/>
+              <a:buSzTx/>
+              <a:buFontTx/>
+              <a:buNone/>
+              <a:tabLst/>
+            </a:pPr>
+            <a:r>
+              <a:rPr kumimoji="0" lang="pl-PL" altLang="pl-PL" sz="1200" b="1" i="0" u="none" strike="noStrike" cap="none" normalizeH="0" baseline="0" dirty="0" smtClean="0">
+                <a:ln>
+                  <a:noFill/>
+                </a:ln>
+                <a:solidFill>
+                  <a:srgbClr val="555555"/>
+                </a:solidFill>
+                <a:effectLst/>
+                <a:latin typeface="Consolas" panose="020B0609020204030204" pitchFamily="49" charset="0"/>
+                <a:cs typeface="Consolas" panose="020B0609020204030204" pitchFamily="49" charset="0"/>
+              </a:rPr>
+              <a:t>iex(1)&gt; </a:t>
+            </a:r>
+            <a:r>
+              <a:rPr kumimoji="0" lang="pl-PL" altLang="pl-PL" sz="1200" b="0" i="0" u="none" strike="noStrike" cap="none" normalizeH="0" baseline="0" dirty="0" smtClean="0">
+                <a:ln>
+                  <a:noFill/>
+                </a:ln>
+                <a:solidFill>
+                  <a:srgbClr val="0000FF"/>
+                </a:solidFill>
+                <a:effectLst/>
+                <a:latin typeface="Consolas" panose="020B0609020204030204" pitchFamily="49" charset="0"/>
+                <a:cs typeface="Consolas" panose="020B0609020204030204" pitchFamily="49" charset="0"/>
+              </a:rPr>
+              <a:t>:timer</a:t>
+            </a:r>
+            <a:r>
+              <a:rPr kumimoji="0" lang="pl-PL" altLang="pl-PL" sz="1200" b="0" i="0" u="none" strike="noStrike" cap="none" normalizeH="0" baseline="0" dirty="0" smtClean="0">
+                <a:ln>
+                  <a:noFill/>
+                </a:ln>
+                <a:solidFill>
+                  <a:srgbClr val="666666"/>
+                </a:solidFill>
+                <a:effectLst/>
+                <a:latin typeface="Consolas" panose="020B0609020204030204" pitchFamily="49" charset="0"/>
+                <a:cs typeface="Consolas" panose="020B0609020204030204" pitchFamily="49" charset="0"/>
+              </a:rPr>
+              <a:t>.</a:t>
+            </a:r>
+            <a:r>
+              <a:rPr kumimoji="0" lang="pl-PL" altLang="pl-PL" sz="1200" b="0" i="0" u="none" strike="noStrike" cap="none" normalizeH="0" baseline="0" dirty="0" smtClean="0">
+                <a:ln>
+                  <a:noFill/>
+                </a:ln>
+                <a:solidFill>
+                  <a:schemeClr val="tx1"/>
+                </a:solidFill>
+                <a:effectLst/>
+                <a:latin typeface="Consolas" panose="020B0609020204030204" pitchFamily="49" charset="0"/>
+                <a:cs typeface="Consolas" panose="020B0609020204030204" pitchFamily="49" charset="0"/>
+              </a:rPr>
+              <a:t>tc</a:t>
+            </a:r>
+            <a:r>
+              <a:rPr kumimoji="0" lang="pl-PL" altLang="pl-PL" sz="1200" b="0" i="0" u="none" strike="noStrike" cap="none" normalizeH="0" baseline="0" dirty="0" smtClean="0">
+                <a:ln>
+                  <a:noFill/>
+                </a:ln>
+                <a:solidFill>
+                  <a:srgbClr val="000000"/>
+                </a:solidFill>
+                <a:effectLst/>
+                <a:latin typeface="Consolas" panose="020B0609020204030204" pitchFamily="49" charset="0"/>
+                <a:cs typeface="Consolas" panose="020B0609020204030204" pitchFamily="49" charset="0"/>
+              </a:rPr>
+              <a:t>(</a:t>
+            </a:r>
+            <a:r>
+              <a:rPr kumimoji="0" lang="pl-PL" altLang="pl-PL" sz="1200" b="0" i="0" u="none" strike="noStrike" cap="none" normalizeH="0" baseline="0" dirty="0" smtClean="0">
+                <a:ln>
+                  <a:noFill/>
+                </a:ln>
+                <a:solidFill>
+                  <a:srgbClr val="0000FF"/>
+                </a:solidFill>
+                <a:effectLst/>
+                <a:latin typeface="Consolas" panose="020B0609020204030204" pitchFamily="49" charset="0"/>
+                <a:cs typeface="Consolas" panose="020B0609020204030204" pitchFamily="49" charset="0"/>
+              </a:rPr>
+              <a:t>:lists</a:t>
+            </a:r>
+            <a:r>
+              <a:rPr kumimoji="0" lang="pl-PL" altLang="pl-PL" sz="1200" b="0" i="0" u="none" strike="noStrike" cap="none" normalizeH="0" baseline="0" dirty="0" smtClean="0">
+                <a:ln>
+                  <a:noFill/>
+                </a:ln>
+                <a:solidFill>
+                  <a:srgbClr val="000000"/>
+                </a:solidFill>
+                <a:effectLst/>
+                <a:latin typeface="Consolas" panose="020B0609020204030204" pitchFamily="49" charset="0"/>
+                <a:cs typeface="Consolas" panose="020B0609020204030204" pitchFamily="49" charset="0"/>
+              </a:rPr>
+              <a:t>, </a:t>
+            </a:r>
+            <a:r>
+              <a:rPr kumimoji="0" lang="pl-PL" altLang="pl-PL" sz="1200" b="0" i="0" u="none" strike="noStrike" cap="none" normalizeH="0" baseline="0" dirty="0" smtClean="0">
+                <a:ln>
+                  <a:noFill/>
+                </a:ln>
+                <a:solidFill>
+                  <a:srgbClr val="0000FF"/>
+                </a:solidFill>
+                <a:effectLst/>
+                <a:latin typeface="Consolas" panose="020B0609020204030204" pitchFamily="49" charset="0"/>
+                <a:cs typeface="Consolas" panose="020B0609020204030204" pitchFamily="49" charset="0"/>
+              </a:rPr>
+              <a:t>:filter</a:t>
+            </a:r>
+            <a:r>
+              <a:rPr kumimoji="0" lang="pl-PL" altLang="pl-PL" sz="1200" b="0" i="0" u="none" strike="noStrike" cap="none" normalizeH="0" baseline="0" dirty="0" smtClean="0">
+                <a:ln>
+                  <a:noFill/>
+                </a:ln>
+                <a:solidFill>
+                  <a:srgbClr val="000000"/>
+                </a:solidFill>
+                <a:effectLst/>
+                <a:latin typeface="Consolas" panose="020B0609020204030204" pitchFamily="49" charset="0"/>
+                <a:cs typeface="Consolas" panose="020B0609020204030204" pitchFamily="49" charset="0"/>
+              </a:rPr>
+              <a:t>, </a:t>
+            </a:r>
+            <a:endParaRPr lang="pl-PL" altLang="pl-PL" sz="1200" dirty="0">
+              <a:solidFill>
+                <a:srgbClr val="0000FF"/>
+              </a:solidFill>
+              <a:latin typeface="Consolas" panose="020B0609020204030204" pitchFamily="49" charset="0"/>
+              <a:cs typeface="Consolas" panose="020B0609020204030204" pitchFamily="49" charset="0"/>
+            </a:endParaRPr>
+          </a:p>
+          <a:p>
+            <a:pPr marL="0" marR="0" lvl="0" indent="0" algn="l" defTabSz="914400" rtl="0" eaLnBrk="0" fontAlgn="base" latinLnBrk="0" hangingPunct="0">
+              <a:lnSpc>
+                <a:spcPct val="100000"/>
+              </a:lnSpc>
+              <a:spcBef>
+                <a:spcPct val="0"/>
+              </a:spcBef>
+              <a:spcAft>
+                <a:spcPct val="0"/>
+              </a:spcAft>
+              <a:buClrTx/>
+              <a:buSzTx/>
+              <a:buFontTx/>
+              <a:buNone/>
+              <a:tabLst/>
+            </a:pPr>
+            <a:r>
+              <a:rPr kumimoji="0" lang="pl-PL" altLang="pl-PL" sz="1200" b="0" i="0" u="none" strike="noStrike" cap="none" normalizeH="0" baseline="0" dirty="0" smtClean="0">
+                <a:ln>
+                  <a:noFill/>
+                </a:ln>
+                <a:solidFill>
+                  <a:srgbClr val="888888"/>
+                </a:solidFill>
+                <a:effectLst/>
+                <a:latin typeface="Consolas" panose="020B0609020204030204" pitchFamily="49" charset="0"/>
+                <a:cs typeface="Consolas" panose="020B0609020204030204" pitchFamily="49" charset="0"/>
+              </a:rPr>
+              <a:t>	</a:t>
+            </a:r>
+            <a:r>
+              <a:rPr kumimoji="0" lang="pl-PL" altLang="pl-PL" sz="1200" b="0" i="0" u="none" strike="noStrike" cap="none" normalizeH="0" baseline="0" dirty="0" smtClean="0">
+                <a:ln>
+                  <a:noFill/>
+                </a:ln>
+                <a:effectLst/>
+                <a:latin typeface="Consolas" panose="020B0609020204030204" pitchFamily="49" charset="0"/>
+                <a:cs typeface="Consolas" panose="020B0609020204030204" pitchFamily="49" charset="0"/>
+              </a:rPr>
+              <a:t>[</a:t>
+            </a:r>
+            <a:r>
+              <a:rPr kumimoji="0" lang="pl-PL" altLang="pl-PL" sz="1200" b="0" i="0" u="none" strike="noStrike" cap="none" normalizeH="0" baseline="0" dirty="0" smtClean="0">
+                <a:ln>
+                  <a:noFill/>
+                </a:ln>
+                <a:solidFill>
+                  <a:srgbClr val="888888"/>
+                </a:solidFill>
+                <a:effectLst/>
+                <a:latin typeface="Consolas" panose="020B0609020204030204" pitchFamily="49" charset="0"/>
+                <a:cs typeface="Consolas" panose="020B0609020204030204" pitchFamily="49" charset="0"/>
+              </a:rPr>
+              <a:t> </a:t>
+            </a:r>
+            <a:r>
+              <a:rPr kumimoji="0" lang="pl-PL" altLang="pl-PL" sz="1200" b="1" i="0" u="none" strike="noStrike" cap="none" normalizeH="0" baseline="0" dirty="0" smtClean="0">
+                <a:ln>
+                  <a:noFill/>
+                </a:ln>
+                <a:solidFill>
+                  <a:srgbClr val="000080"/>
+                </a:solidFill>
+                <a:effectLst/>
+                <a:latin typeface="Consolas" panose="020B0609020204030204" pitchFamily="49" charset="0"/>
+                <a:cs typeface="Consolas" panose="020B0609020204030204" pitchFamily="49" charset="0"/>
+              </a:rPr>
+              <a:t>fn</a:t>
+            </a:r>
+            <a:r>
+              <a:rPr kumimoji="0" lang="pl-PL" altLang="pl-PL" sz="1200" b="0" i="0" u="none" strike="noStrike" cap="none" normalizeH="0" baseline="0" dirty="0" smtClean="0">
+                <a:ln>
+                  <a:noFill/>
+                </a:ln>
+                <a:solidFill>
+                  <a:srgbClr val="888888"/>
+                </a:solidFill>
+                <a:effectLst/>
+                <a:latin typeface="Consolas" panose="020B0609020204030204" pitchFamily="49" charset="0"/>
+                <a:cs typeface="Consolas" panose="020B0609020204030204" pitchFamily="49" charset="0"/>
+              </a:rPr>
+              <a:t> </a:t>
+            </a:r>
+            <a:r>
+              <a:rPr kumimoji="0" lang="pl-PL" altLang="pl-PL" sz="1200" b="0" i="0" u="none" strike="noStrike" cap="none" normalizeH="0" baseline="0" dirty="0" smtClean="0">
+                <a:ln>
+                  <a:noFill/>
+                </a:ln>
+                <a:effectLst/>
+                <a:latin typeface="Consolas" panose="020B0609020204030204" pitchFamily="49" charset="0"/>
+                <a:cs typeface="Consolas" panose="020B0609020204030204" pitchFamily="49" charset="0"/>
+              </a:rPr>
+              <a:t>x</a:t>
+            </a:r>
+            <a:r>
+              <a:rPr kumimoji="0" lang="pl-PL" altLang="pl-PL" sz="1200" b="0" i="0" u="none" strike="noStrike" cap="none" normalizeH="0" baseline="0" dirty="0" smtClean="0">
+                <a:ln>
+                  <a:noFill/>
+                </a:ln>
+                <a:solidFill>
+                  <a:schemeClr val="bg2">
+                    <a:lumMod val="50000"/>
+                  </a:schemeClr>
+                </a:solidFill>
+                <a:effectLst/>
+                <a:latin typeface="Consolas" panose="020B0609020204030204" pitchFamily="49" charset="0"/>
+                <a:cs typeface="Consolas" panose="020B0609020204030204" pitchFamily="49" charset="0"/>
+              </a:rPr>
+              <a:t> -&gt; </a:t>
+            </a:r>
+            <a:r>
+              <a:rPr kumimoji="0" lang="pl-PL" altLang="pl-PL" sz="1200" b="0" i="0" u="none" strike="noStrike" cap="none" normalizeH="0" baseline="0" dirty="0" smtClean="0">
+                <a:ln>
+                  <a:noFill/>
+                </a:ln>
+                <a:effectLst/>
+                <a:latin typeface="Consolas" panose="020B0609020204030204" pitchFamily="49" charset="0"/>
+                <a:cs typeface="Consolas" panose="020B0609020204030204" pitchFamily="49" charset="0"/>
+              </a:rPr>
+              <a:t>rem(x,</a:t>
+            </a:r>
+            <a:r>
+              <a:rPr kumimoji="0" lang="pl-PL" altLang="pl-PL" sz="1200" b="0" i="0" u="none" strike="noStrike" cap="none" normalizeH="0" baseline="0" dirty="0" smtClean="0">
+                <a:ln>
+                  <a:noFill/>
+                </a:ln>
+                <a:solidFill>
+                  <a:srgbClr val="000080"/>
+                </a:solidFill>
+                <a:effectLst/>
+                <a:latin typeface="Consolas" panose="020B0609020204030204" pitchFamily="49" charset="0"/>
+                <a:cs typeface="Consolas" panose="020B0609020204030204" pitchFamily="49" charset="0"/>
+              </a:rPr>
+              <a:t>3</a:t>
+            </a:r>
+            <a:r>
+              <a:rPr kumimoji="0" lang="pl-PL" altLang="pl-PL" sz="1200" b="0" i="0" u="none" strike="noStrike" cap="none" normalizeH="0" baseline="0" dirty="0" smtClean="0">
+                <a:ln>
+                  <a:noFill/>
+                </a:ln>
+                <a:effectLst/>
+                <a:latin typeface="Consolas" panose="020B0609020204030204" pitchFamily="49" charset="0"/>
+                <a:cs typeface="Consolas" panose="020B0609020204030204" pitchFamily="49" charset="0"/>
+              </a:rPr>
+              <a:t>) == </a:t>
+            </a:r>
+            <a:r>
+              <a:rPr kumimoji="0" lang="pl-PL" altLang="pl-PL" sz="1200" b="0" i="0" u="none" strike="noStrike" cap="none" normalizeH="0" baseline="0" dirty="0" smtClean="0">
+                <a:ln>
+                  <a:noFill/>
+                </a:ln>
+                <a:solidFill>
+                  <a:srgbClr val="000080"/>
+                </a:solidFill>
+                <a:effectLst/>
+                <a:latin typeface="Consolas" panose="020B0609020204030204" pitchFamily="49" charset="0"/>
+                <a:cs typeface="Consolas" panose="020B0609020204030204" pitchFamily="49" charset="0"/>
+              </a:rPr>
+              <a:t>0</a:t>
+            </a:r>
+            <a:r>
+              <a:rPr kumimoji="0" lang="pl-PL" altLang="pl-PL" sz="1200" b="0" i="0" u="none" strike="noStrike" cap="none" normalizeH="0" baseline="0" dirty="0" smtClean="0">
+                <a:ln>
+                  <a:noFill/>
+                </a:ln>
+                <a:solidFill>
+                  <a:srgbClr val="888888"/>
+                </a:solidFill>
+                <a:effectLst/>
+                <a:latin typeface="Consolas" panose="020B0609020204030204" pitchFamily="49" charset="0"/>
+                <a:cs typeface="Consolas" panose="020B0609020204030204" pitchFamily="49" charset="0"/>
+              </a:rPr>
+              <a:t> </a:t>
+            </a:r>
+            <a:r>
+              <a:rPr kumimoji="0" lang="pl-PL" altLang="pl-PL" sz="1200" b="0" i="0" u="none" strike="noStrike" cap="none" normalizeH="0" baseline="0" dirty="0" smtClean="0">
+                <a:ln>
+                  <a:noFill/>
+                </a:ln>
+                <a:solidFill>
+                  <a:srgbClr val="000080"/>
+                </a:solidFill>
+                <a:effectLst/>
+                <a:latin typeface="Consolas" panose="020B0609020204030204" pitchFamily="49" charset="0"/>
+                <a:cs typeface="Consolas" panose="020B0609020204030204" pitchFamily="49" charset="0"/>
+              </a:rPr>
+              <a:t>end</a:t>
+            </a:r>
+            <a:r>
+              <a:rPr kumimoji="0" lang="pl-PL" altLang="pl-PL" sz="1200" b="0" i="0" u="none" strike="noStrike" cap="none" normalizeH="0" baseline="0" dirty="0" smtClean="0">
+                <a:ln>
+                  <a:noFill/>
+                </a:ln>
+                <a:effectLst/>
+                <a:latin typeface="Consolas" panose="020B0609020204030204" pitchFamily="49" charset="0"/>
+                <a:cs typeface="Consolas" panose="020B0609020204030204" pitchFamily="49" charset="0"/>
+              </a:rPr>
+              <a:t>,</a:t>
+            </a:r>
+            <a:r>
+              <a:rPr kumimoji="0" lang="pl-PL" altLang="pl-PL" sz="1200" b="0" i="0" u="none" strike="noStrike" cap="none" normalizeH="0" baseline="0" dirty="0" smtClean="0">
+                <a:ln>
+                  <a:noFill/>
+                </a:ln>
+                <a:solidFill>
+                  <a:srgbClr val="888888"/>
+                </a:solidFill>
+                <a:effectLst/>
+                <a:latin typeface="Consolas" panose="020B0609020204030204" pitchFamily="49" charset="0"/>
+                <a:cs typeface="Consolas" panose="020B0609020204030204" pitchFamily="49" charset="0"/>
+              </a:rPr>
+              <a:t> </a:t>
+            </a:r>
+            <a:r>
+              <a:rPr kumimoji="0" lang="pl-PL" altLang="pl-PL" sz="1200" b="0" i="0" u="none" strike="noStrike" cap="none" normalizeH="0" baseline="0" dirty="0" smtClean="0">
+                <a:ln>
+                  <a:noFill/>
+                </a:ln>
+                <a:solidFill>
+                  <a:srgbClr val="000080"/>
+                </a:solidFill>
+                <a:effectLst/>
+                <a:latin typeface="Consolas" panose="020B0609020204030204" pitchFamily="49" charset="0"/>
+                <a:cs typeface="Consolas" panose="020B0609020204030204" pitchFamily="49" charset="0"/>
+              </a:rPr>
+              <a:t>:lists</a:t>
+            </a:r>
+            <a:r>
+              <a:rPr kumimoji="0" lang="pl-PL" altLang="pl-PL" sz="1200" b="0" i="0" u="none" strike="noStrike" cap="none" normalizeH="0" baseline="0" dirty="0" smtClean="0">
+                <a:ln>
+                  <a:noFill/>
+                </a:ln>
+                <a:solidFill>
+                  <a:srgbClr val="888888"/>
+                </a:solidFill>
+                <a:effectLst/>
+                <a:latin typeface="Consolas" panose="020B0609020204030204" pitchFamily="49" charset="0"/>
+                <a:cs typeface="Consolas" panose="020B0609020204030204" pitchFamily="49" charset="0"/>
+              </a:rPr>
+              <a:t>.</a:t>
+            </a:r>
+            <a:r>
+              <a:rPr kumimoji="0" lang="pl-PL" altLang="pl-PL" sz="1200" b="0" i="0" u="none" strike="noStrike" cap="none" normalizeH="0" baseline="0" dirty="0" smtClean="0">
+                <a:ln>
+                  <a:noFill/>
+                </a:ln>
+                <a:effectLst/>
+                <a:latin typeface="Consolas" panose="020B0609020204030204" pitchFamily="49" charset="0"/>
+                <a:cs typeface="Consolas" panose="020B0609020204030204" pitchFamily="49" charset="0"/>
+              </a:rPr>
+              <a:t>seq(</a:t>
+            </a:r>
+            <a:r>
+              <a:rPr kumimoji="0" lang="pl-PL" altLang="pl-PL" sz="1200" b="0" i="0" u="none" strike="noStrike" cap="none" normalizeH="0" baseline="0" dirty="0" smtClean="0">
+                <a:ln>
+                  <a:noFill/>
+                </a:ln>
+                <a:solidFill>
+                  <a:srgbClr val="000080"/>
+                </a:solidFill>
+                <a:effectLst/>
+                <a:latin typeface="Consolas" panose="020B0609020204030204" pitchFamily="49" charset="0"/>
+                <a:cs typeface="Consolas" panose="020B0609020204030204" pitchFamily="49" charset="0"/>
+              </a:rPr>
+              <a:t>1</a:t>
+            </a:r>
+            <a:r>
+              <a:rPr kumimoji="0" lang="pl-PL" altLang="pl-PL" sz="1200" b="0" i="0" u="none" strike="noStrike" cap="none" normalizeH="0" baseline="0" dirty="0" smtClean="0">
+                <a:ln>
+                  <a:noFill/>
+                </a:ln>
+                <a:solidFill>
+                  <a:srgbClr val="888888"/>
+                </a:solidFill>
+                <a:effectLst/>
+                <a:latin typeface="Consolas" panose="020B0609020204030204" pitchFamily="49" charset="0"/>
+                <a:cs typeface="Consolas" panose="020B0609020204030204" pitchFamily="49" charset="0"/>
+              </a:rPr>
+              <a:t>, </a:t>
+            </a:r>
+            <a:r>
+              <a:rPr kumimoji="0" lang="pl-PL" altLang="pl-PL" sz="1200" b="0" i="0" u="none" strike="noStrike" cap="none" normalizeH="0" baseline="0" dirty="0" smtClean="0">
+                <a:ln>
+                  <a:noFill/>
+                </a:ln>
+                <a:solidFill>
+                  <a:srgbClr val="000080"/>
+                </a:solidFill>
+                <a:effectLst/>
+                <a:latin typeface="Consolas" panose="020B0609020204030204" pitchFamily="49" charset="0"/>
+                <a:cs typeface="Consolas" panose="020B0609020204030204" pitchFamily="49" charset="0"/>
+              </a:rPr>
+              <a:t>1000000</a:t>
+            </a:r>
+            <a:r>
+              <a:rPr kumimoji="0" lang="pl-PL" altLang="pl-PL" sz="1200" b="0" i="0" u="none" strike="noStrike" cap="none" normalizeH="0" baseline="0" dirty="0" smtClean="0">
+                <a:ln>
+                  <a:noFill/>
+                </a:ln>
+                <a:effectLst/>
+                <a:latin typeface="Consolas" panose="020B0609020204030204" pitchFamily="49" charset="0"/>
+                <a:cs typeface="Consolas" panose="020B0609020204030204" pitchFamily="49" charset="0"/>
+              </a:rPr>
+              <a:t>) ]) </a:t>
+            </a:r>
+          </a:p>
+          <a:p>
+            <a:pPr marL="0" marR="0" lvl="0" indent="0" algn="l" defTabSz="914400" rtl="0" eaLnBrk="0" fontAlgn="base" latinLnBrk="0" hangingPunct="0">
+              <a:lnSpc>
+                <a:spcPct val="100000"/>
+              </a:lnSpc>
+              <a:spcBef>
+                <a:spcPct val="0"/>
+              </a:spcBef>
+              <a:spcAft>
+                <a:spcPct val="0"/>
+              </a:spcAft>
+              <a:buClrTx/>
+              <a:buSzTx/>
+              <a:buFontTx/>
+              <a:buNone/>
+              <a:tabLst/>
+            </a:pPr>
+            <a:r>
+              <a:rPr kumimoji="0" lang="pl-PL" altLang="pl-PL" sz="1200" b="0" i="0" u="none" strike="noStrike" cap="none" normalizeH="0" baseline="0" dirty="0" smtClean="0">
+                <a:ln>
+                  <a:noFill/>
+                </a:ln>
+                <a:solidFill>
+                  <a:srgbClr val="888888"/>
+                </a:solidFill>
+                <a:effectLst/>
+                <a:latin typeface="Consolas" panose="020B0609020204030204" pitchFamily="49" charset="0"/>
+                <a:cs typeface="Consolas" panose="020B0609020204030204" pitchFamily="49" charset="0"/>
+              </a:rPr>
+              <a:t>{2789563,[...]}</a:t>
+            </a:r>
+            <a:r>
+              <a:rPr kumimoji="0" lang="pl-PL" altLang="pl-PL" sz="1200" b="0" i="0" u="none" strike="noStrike" cap="none" normalizeH="0" baseline="0" dirty="0" smtClean="0">
+                <a:ln>
+                  <a:noFill/>
+                </a:ln>
+                <a:solidFill>
+                  <a:srgbClr val="000000"/>
+                </a:solidFill>
+                <a:effectLst/>
+                <a:latin typeface="Consolas" panose="020B0609020204030204" pitchFamily="49" charset="0"/>
+                <a:cs typeface="Consolas" panose="020B0609020204030204" pitchFamily="49" charset="0"/>
+              </a:rPr>
+              <a:t> </a:t>
+            </a:r>
+          </a:p>
+          <a:p>
+            <a:pPr marL="0" marR="0" lvl="0" indent="0" algn="l" defTabSz="914400" rtl="0" eaLnBrk="0" fontAlgn="base" latinLnBrk="0" hangingPunct="0">
+              <a:lnSpc>
+                <a:spcPct val="100000"/>
+              </a:lnSpc>
+              <a:spcBef>
+                <a:spcPct val="0"/>
+              </a:spcBef>
+              <a:spcAft>
+                <a:spcPct val="0"/>
+              </a:spcAft>
+              <a:buClrTx/>
+              <a:buSzTx/>
+              <a:buFontTx/>
+              <a:buNone/>
+              <a:tabLst/>
+            </a:pPr>
+            <a:endParaRPr kumimoji="0" lang="pl-PL" altLang="pl-PL" sz="1200" b="0" i="0" u="none" strike="noStrike" cap="none" normalizeH="0" baseline="0" dirty="0" smtClean="0">
+              <a:ln>
+                <a:noFill/>
+              </a:ln>
+              <a:solidFill>
+                <a:srgbClr val="000000"/>
+              </a:solidFill>
+              <a:effectLst/>
+              <a:latin typeface="Consolas" panose="020B0609020204030204" pitchFamily="49" charset="0"/>
+              <a:cs typeface="Consolas" panose="020B0609020204030204" pitchFamily="49" charset="0"/>
+            </a:endParaRPr>
+          </a:p>
+          <a:p>
+            <a:pPr marL="0" marR="0" lvl="0" indent="0" algn="l" defTabSz="914400" rtl="0" eaLnBrk="0" fontAlgn="base" latinLnBrk="0" hangingPunct="0">
+              <a:lnSpc>
+                <a:spcPct val="100000"/>
+              </a:lnSpc>
+              <a:spcBef>
+                <a:spcPct val="0"/>
+              </a:spcBef>
+              <a:spcAft>
+                <a:spcPct val="0"/>
+              </a:spcAft>
+              <a:buClrTx/>
+              <a:buSzTx/>
+              <a:buFontTx/>
+              <a:buNone/>
+              <a:tabLst/>
+            </a:pPr>
+            <a:r>
+              <a:rPr kumimoji="0" lang="pl-PL" altLang="pl-PL" sz="1200" b="1" i="0" u="none" strike="noStrike" cap="none" normalizeH="0" baseline="0" dirty="0" smtClean="0">
+                <a:ln>
+                  <a:noFill/>
+                </a:ln>
+                <a:solidFill>
+                  <a:srgbClr val="555555"/>
+                </a:solidFill>
+                <a:effectLst/>
+                <a:latin typeface="Consolas" panose="020B0609020204030204" pitchFamily="49" charset="0"/>
+                <a:cs typeface="Consolas" panose="020B0609020204030204" pitchFamily="49" charset="0"/>
+              </a:rPr>
+              <a:t>iex(2)&gt; </a:t>
+            </a:r>
+            <a:r>
+              <a:rPr kumimoji="0" lang="pl-PL" altLang="pl-PL" sz="1200" b="0" i="0" u="none" strike="noStrike" cap="none" normalizeH="0" baseline="0" dirty="0" smtClean="0">
+                <a:ln>
+                  <a:noFill/>
+                </a:ln>
+                <a:solidFill>
+                  <a:srgbClr val="0000FF"/>
+                </a:solidFill>
+                <a:effectLst/>
+                <a:latin typeface="Consolas" panose="020B0609020204030204" pitchFamily="49" charset="0"/>
+                <a:cs typeface="Consolas" panose="020B0609020204030204" pitchFamily="49" charset="0"/>
+              </a:rPr>
+              <a:t>:timer</a:t>
+            </a:r>
+            <a:r>
+              <a:rPr kumimoji="0" lang="pl-PL" altLang="pl-PL" sz="1200" b="0" i="0" u="none" strike="noStrike" cap="none" normalizeH="0" baseline="0" dirty="0" smtClean="0">
+                <a:ln>
+                  <a:noFill/>
+                </a:ln>
+                <a:solidFill>
+                  <a:srgbClr val="666666"/>
+                </a:solidFill>
+                <a:effectLst/>
+                <a:latin typeface="Consolas" panose="020B0609020204030204" pitchFamily="49" charset="0"/>
+                <a:cs typeface="Consolas" panose="020B0609020204030204" pitchFamily="49" charset="0"/>
+              </a:rPr>
+              <a:t>.</a:t>
+            </a:r>
+            <a:r>
+              <a:rPr kumimoji="0" lang="pl-PL" altLang="pl-PL" sz="1200" b="0" i="0" u="none" strike="noStrike" cap="none" normalizeH="0" baseline="0" dirty="0" smtClean="0">
+                <a:ln>
+                  <a:noFill/>
+                </a:ln>
+                <a:solidFill>
+                  <a:schemeClr val="tx1"/>
+                </a:solidFill>
+                <a:effectLst/>
+                <a:latin typeface="Consolas" panose="020B0609020204030204" pitchFamily="49" charset="0"/>
+                <a:cs typeface="Consolas" panose="020B0609020204030204" pitchFamily="49" charset="0"/>
+              </a:rPr>
+              <a:t>tc</a:t>
+            </a:r>
+            <a:r>
+              <a:rPr kumimoji="0" lang="pl-PL" altLang="pl-PL" sz="1200" b="0" i="0" u="none" strike="noStrike" cap="none" normalizeH="0" baseline="0" dirty="0" smtClean="0">
+                <a:ln>
+                  <a:noFill/>
+                </a:ln>
+                <a:solidFill>
+                  <a:srgbClr val="000000"/>
+                </a:solidFill>
+                <a:effectLst/>
+                <a:latin typeface="Consolas" panose="020B0609020204030204" pitchFamily="49" charset="0"/>
+                <a:cs typeface="Consolas" panose="020B0609020204030204" pitchFamily="49" charset="0"/>
+              </a:rPr>
+              <a:t>(</a:t>
+            </a:r>
+            <a:r>
+              <a:rPr kumimoji="0" lang="pl-PL" altLang="pl-PL" sz="1200" b="1" i="0" u="none" strike="noStrike" cap="none" normalizeH="0" baseline="0" dirty="0" smtClean="0">
+                <a:ln>
+                  <a:noFill/>
+                </a:ln>
+                <a:solidFill>
+                  <a:srgbClr val="0E84B5"/>
+                </a:solidFill>
+                <a:effectLst/>
+                <a:latin typeface="Consolas" panose="020B0609020204030204" pitchFamily="49" charset="0"/>
+                <a:cs typeface="Consolas" panose="020B0609020204030204" pitchFamily="49" charset="0"/>
+              </a:rPr>
+              <a:t>Enum</a:t>
+            </a:r>
+            <a:r>
+              <a:rPr kumimoji="0" lang="pl-PL" altLang="pl-PL" sz="1200" b="0" i="0" u="none" strike="noStrike" cap="none" normalizeH="0" baseline="0" dirty="0" smtClean="0">
+                <a:ln>
+                  <a:noFill/>
+                </a:ln>
+                <a:solidFill>
+                  <a:srgbClr val="000000"/>
+                </a:solidFill>
+                <a:effectLst/>
+                <a:latin typeface="Consolas" panose="020B0609020204030204" pitchFamily="49" charset="0"/>
+                <a:cs typeface="Consolas" panose="020B0609020204030204" pitchFamily="49" charset="0"/>
+              </a:rPr>
+              <a:t>, </a:t>
+            </a:r>
+            <a:r>
+              <a:rPr kumimoji="0" lang="pl-PL" altLang="pl-PL" sz="1200" b="0" i="0" u="none" strike="noStrike" cap="none" normalizeH="0" baseline="0" dirty="0" smtClean="0">
+                <a:ln>
+                  <a:noFill/>
+                </a:ln>
+                <a:solidFill>
+                  <a:srgbClr val="0000FF"/>
+                </a:solidFill>
+                <a:effectLst/>
+                <a:latin typeface="Consolas" panose="020B0609020204030204" pitchFamily="49" charset="0"/>
+                <a:cs typeface="Consolas" panose="020B0609020204030204" pitchFamily="49" charset="0"/>
+              </a:rPr>
+              <a:t>:filter</a:t>
+            </a:r>
+            <a:r>
+              <a:rPr kumimoji="0" lang="pl-PL" altLang="pl-PL" sz="1200" b="0" i="0" u="none" strike="noStrike" cap="none" normalizeH="0" baseline="0" dirty="0" smtClean="0">
+                <a:ln>
+                  <a:noFill/>
+                </a:ln>
+                <a:solidFill>
+                  <a:srgbClr val="000000"/>
+                </a:solidFill>
+                <a:effectLst/>
+                <a:latin typeface="Consolas" panose="020B0609020204030204" pitchFamily="49" charset="0"/>
+                <a:cs typeface="Consolas" panose="020B0609020204030204" pitchFamily="49" charset="0"/>
+              </a:rPr>
+              <a:t>, </a:t>
+            </a:r>
+          </a:p>
+          <a:p>
+            <a:pPr marL="0" marR="0" lvl="0" indent="0" algn="l" defTabSz="914400" rtl="0" eaLnBrk="0" fontAlgn="base" latinLnBrk="0" hangingPunct="0">
+              <a:lnSpc>
+                <a:spcPct val="100000"/>
+              </a:lnSpc>
+              <a:spcBef>
+                <a:spcPct val="0"/>
+              </a:spcBef>
+              <a:spcAft>
+                <a:spcPct val="0"/>
+              </a:spcAft>
+              <a:buClrTx/>
+              <a:buSzTx/>
+              <a:buFontTx/>
+              <a:buNone/>
+              <a:tabLst/>
+            </a:pPr>
+            <a:r>
+              <a:rPr kumimoji="0" lang="pl-PL" altLang="pl-PL" sz="1200" b="0" i="0" u="none" strike="noStrike" cap="none" normalizeH="0" baseline="0" dirty="0" smtClean="0">
+                <a:ln>
+                  <a:noFill/>
+                </a:ln>
+                <a:solidFill>
+                  <a:srgbClr val="000000"/>
+                </a:solidFill>
+                <a:effectLst/>
+                <a:latin typeface="Consolas" panose="020B0609020204030204" pitchFamily="49" charset="0"/>
+                <a:cs typeface="Consolas" panose="020B0609020204030204" pitchFamily="49" charset="0"/>
+              </a:rPr>
+              <a:t>	[ </a:t>
+            </a:r>
+            <a:r>
+              <a:rPr kumimoji="0" lang="pl-PL" altLang="pl-PL" sz="1200" b="0" i="0" u="none" strike="noStrike" cap="none" normalizeH="0" baseline="0" dirty="0" smtClean="0">
+                <a:ln>
+                  <a:noFill/>
+                </a:ln>
+                <a:solidFill>
+                  <a:srgbClr val="0000FF"/>
+                </a:solidFill>
+                <a:effectLst/>
+                <a:latin typeface="Consolas" panose="020B0609020204030204" pitchFamily="49" charset="0"/>
+                <a:cs typeface="Consolas" panose="020B0609020204030204" pitchFamily="49" charset="0"/>
+              </a:rPr>
+              <a:t>1</a:t>
+            </a:r>
+            <a:r>
+              <a:rPr kumimoji="0" lang="pl-PL" altLang="pl-PL" sz="1200" b="0" i="0" u="none" strike="noStrike" cap="none" normalizeH="0" baseline="0" dirty="0" smtClean="0">
+                <a:ln>
+                  <a:noFill/>
+                </a:ln>
+                <a:solidFill>
+                  <a:srgbClr val="666666"/>
+                </a:solidFill>
+                <a:effectLst/>
+                <a:latin typeface="Consolas" panose="020B0609020204030204" pitchFamily="49" charset="0"/>
+                <a:cs typeface="Consolas" panose="020B0609020204030204" pitchFamily="49" charset="0"/>
+              </a:rPr>
+              <a:t>..</a:t>
+            </a:r>
+            <a:r>
+              <a:rPr kumimoji="0" lang="pl-PL" altLang="pl-PL" sz="1200" b="0" i="0" u="none" strike="noStrike" cap="none" normalizeH="0" baseline="0" dirty="0" smtClean="0">
+                <a:ln>
+                  <a:noFill/>
+                </a:ln>
+                <a:solidFill>
+                  <a:srgbClr val="0000FF"/>
+                </a:solidFill>
+                <a:effectLst/>
+                <a:latin typeface="Consolas" panose="020B0609020204030204" pitchFamily="49" charset="0"/>
+                <a:cs typeface="Consolas" panose="020B0609020204030204" pitchFamily="49" charset="0"/>
+              </a:rPr>
+              <a:t>1000000</a:t>
+            </a:r>
+            <a:r>
+              <a:rPr kumimoji="0" lang="pl-PL" altLang="pl-PL" sz="1200" b="0" i="0" u="none" strike="noStrike" cap="none" normalizeH="0" baseline="0" dirty="0" smtClean="0">
+                <a:ln>
+                  <a:noFill/>
+                </a:ln>
+                <a:solidFill>
+                  <a:srgbClr val="000000"/>
+                </a:solidFill>
+                <a:effectLst/>
+                <a:latin typeface="Consolas" panose="020B0609020204030204" pitchFamily="49" charset="0"/>
+                <a:cs typeface="Consolas" panose="020B0609020204030204" pitchFamily="49" charset="0"/>
+              </a:rPr>
+              <a:t>, </a:t>
+            </a:r>
+            <a:r>
+              <a:rPr kumimoji="0" lang="pl-PL" altLang="pl-PL" sz="1200" b="1" i="0" u="none" strike="noStrike" cap="none" normalizeH="0" baseline="0" dirty="0" smtClean="0">
+                <a:ln>
+                  <a:noFill/>
+                </a:ln>
+                <a:solidFill>
+                  <a:srgbClr val="000080"/>
+                </a:solidFill>
+                <a:effectLst/>
+                <a:latin typeface="Consolas" panose="020B0609020204030204" pitchFamily="49" charset="0"/>
+                <a:cs typeface="Consolas" panose="020B0609020204030204" pitchFamily="49" charset="0"/>
+              </a:rPr>
+              <a:t>fn</a:t>
+            </a:r>
+            <a:r>
+              <a:rPr kumimoji="0" lang="pl-PL" altLang="pl-PL" sz="1200" b="0" i="0" u="none" strike="noStrike" cap="none" normalizeH="0" baseline="0" dirty="0" smtClean="0">
+                <a:ln>
+                  <a:noFill/>
+                </a:ln>
+                <a:solidFill>
+                  <a:srgbClr val="000000"/>
+                </a:solidFill>
+                <a:effectLst/>
+                <a:latin typeface="Consolas" panose="020B0609020204030204" pitchFamily="49" charset="0"/>
+                <a:cs typeface="Consolas" panose="020B0609020204030204" pitchFamily="49" charset="0"/>
+              </a:rPr>
+              <a:t> </a:t>
+            </a:r>
+            <a:r>
+              <a:rPr kumimoji="0" lang="pl-PL" altLang="pl-PL" sz="1200" b="0" i="0" u="none" strike="noStrike" cap="none" normalizeH="0" baseline="0" dirty="0" smtClean="0">
+                <a:ln>
+                  <a:noFill/>
+                </a:ln>
+                <a:solidFill>
+                  <a:schemeClr val="tx1"/>
+                </a:solidFill>
+                <a:effectLst/>
+                <a:latin typeface="Consolas" panose="020B0609020204030204" pitchFamily="49" charset="0"/>
+                <a:cs typeface="Consolas" panose="020B0609020204030204" pitchFamily="49" charset="0"/>
+              </a:rPr>
+              <a:t>x</a:t>
+            </a:r>
+            <a:r>
+              <a:rPr kumimoji="0" lang="pl-PL" altLang="pl-PL" sz="1200" b="0" i="0" u="none" strike="noStrike" cap="none" normalizeH="0" baseline="0" dirty="0" smtClean="0">
+                <a:ln>
+                  <a:noFill/>
+                </a:ln>
+                <a:solidFill>
+                  <a:srgbClr val="000000"/>
+                </a:solidFill>
+                <a:effectLst/>
+                <a:latin typeface="Consolas" panose="020B0609020204030204" pitchFamily="49" charset="0"/>
+                <a:cs typeface="Consolas" panose="020B0609020204030204" pitchFamily="49" charset="0"/>
+              </a:rPr>
+              <a:t> </a:t>
+            </a:r>
+            <a:r>
+              <a:rPr kumimoji="0" lang="pl-PL" altLang="pl-PL" sz="1200" b="0" i="0" u="none" strike="noStrike" cap="none" normalizeH="0" baseline="0" dirty="0" smtClean="0">
+                <a:ln>
+                  <a:noFill/>
+                </a:ln>
+                <a:solidFill>
+                  <a:srgbClr val="666666"/>
+                </a:solidFill>
+                <a:effectLst/>
+                <a:latin typeface="Consolas" panose="020B0609020204030204" pitchFamily="49" charset="0"/>
+                <a:cs typeface="Consolas" panose="020B0609020204030204" pitchFamily="49" charset="0"/>
+              </a:rPr>
+              <a:t>-&gt;</a:t>
+            </a:r>
+            <a:r>
+              <a:rPr kumimoji="0" lang="pl-PL" altLang="pl-PL" sz="1200" b="0" i="0" u="none" strike="noStrike" cap="none" normalizeH="0" baseline="0" dirty="0" smtClean="0">
+                <a:ln>
+                  <a:noFill/>
+                </a:ln>
+                <a:solidFill>
+                  <a:srgbClr val="000000"/>
+                </a:solidFill>
+                <a:effectLst/>
+                <a:latin typeface="Consolas" panose="020B0609020204030204" pitchFamily="49" charset="0"/>
+                <a:cs typeface="Consolas" panose="020B0609020204030204" pitchFamily="49" charset="0"/>
+              </a:rPr>
+              <a:t> </a:t>
+            </a:r>
+            <a:r>
+              <a:rPr kumimoji="0" lang="pl-PL" altLang="pl-PL" sz="1200" b="0" i="0" u="none" strike="noStrike" cap="none" normalizeH="0" baseline="0" dirty="0" smtClean="0">
+                <a:ln>
+                  <a:noFill/>
+                </a:ln>
+                <a:solidFill>
+                  <a:schemeClr val="tx1"/>
+                </a:solidFill>
+                <a:effectLst/>
+                <a:latin typeface="Consolas" panose="020B0609020204030204" pitchFamily="49" charset="0"/>
+                <a:cs typeface="Consolas" panose="020B0609020204030204" pitchFamily="49" charset="0"/>
+              </a:rPr>
+              <a:t>rem</a:t>
+            </a:r>
+            <a:r>
+              <a:rPr kumimoji="0" lang="pl-PL" altLang="pl-PL" sz="1200" b="0" i="0" u="none" strike="noStrike" cap="none" normalizeH="0" baseline="0" dirty="0" smtClean="0">
+                <a:ln>
+                  <a:noFill/>
+                </a:ln>
+                <a:solidFill>
+                  <a:srgbClr val="000000"/>
+                </a:solidFill>
+                <a:effectLst/>
+                <a:latin typeface="Consolas" panose="020B0609020204030204" pitchFamily="49" charset="0"/>
+                <a:cs typeface="Consolas" panose="020B0609020204030204" pitchFamily="49" charset="0"/>
+              </a:rPr>
+              <a:t>(</a:t>
+            </a:r>
+            <a:r>
+              <a:rPr kumimoji="0" lang="pl-PL" altLang="pl-PL" sz="1200" b="0" i="0" u="none" strike="noStrike" cap="none" normalizeH="0" baseline="0" dirty="0" smtClean="0">
+                <a:ln>
+                  <a:noFill/>
+                </a:ln>
+                <a:solidFill>
+                  <a:schemeClr val="tx1"/>
+                </a:solidFill>
+                <a:effectLst/>
+                <a:latin typeface="Consolas" panose="020B0609020204030204" pitchFamily="49" charset="0"/>
+                <a:cs typeface="Consolas" panose="020B0609020204030204" pitchFamily="49" charset="0"/>
+              </a:rPr>
+              <a:t>x</a:t>
+            </a:r>
+            <a:r>
+              <a:rPr kumimoji="0" lang="pl-PL" altLang="pl-PL" sz="1200" b="0" i="0" u="none" strike="noStrike" cap="none" normalizeH="0" baseline="0" dirty="0" smtClean="0">
+                <a:ln>
+                  <a:noFill/>
+                </a:ln>
+                <a:solidFill>
+                  <a:srgbClr val="000000"/>
+                </a:solidFill>
+                <a:effectLst/>
+                <a:latin typeface="Consolas" panose="020B0609020204030204" pitchFamily="49" charset="0"/>
+                <a:cs typeface="Consolas" panose="020B0609020204030204" pitchFamily="49" charset="0"/>
+              </a:rPr>
+              <a:t>,</a:t>
+            </a:r>
+            <a:r>
+              <a:rPr kumimoji="0" lang="pl-PL" altLang="pl-PL" sz="1200" b="0" i="0" u="none" strike="noStrike" cap="none" normalizeH="0" baseline="0" dirty="0" smtClean="0">
+                <a:ln>
+                  <a:noFill/>
+                </a:ln>
+                <a:solidFill>
+                  <a:srgbClr val="0000FF"/>
+                </a:solidFill>
+                <a:effectLst/>
+                <a:latin typeface="Consolas" panose="020B0609020204030204" pitchFamily="49" charset="0"/>
+                <a:cs typeface="Consolas" panose="020B0609020204030204" pitchFamily="49" charset="0"/>
+              </a:rPr>
+              <a:t>3</a:t>
+            </a:r>
+            <a:r>
+              <a:rPr kumimoji="0" lang="pl-PL" altLang="pl-PL" sz="1200" b="0" i="0" u="none" strike="noStrike" cap="none" normalizeH="0" baseline="0" dirty="0" smtClean="0">
+                <a:ln>
+                  <a:noFill/>
+                </a:ln>
+                <a:solidFill>
+                  <a:srgbClr val="000000"/>
+                </a:solidFill>
+                <a:effectLst/>
+                <a:latin typeface="Consolas" panose="020B0609020204030204" pitchFamily="49" charset="0"/>
+                <a:cs typeface="Consolas" panose="020B0609020204030204" pitchFamily="49" charset="0"/>
+              </a:rPr>
+              <a:t>) </a:t>
+            </a:r>
+            <a:r>
+              <a:rPr kumimoji="0" lang="pl-PL" altLang="pl-PL" sz="1200" b="0" i="0" u="none" strike="noStrike" cap="none" normalizeH="0" baseline="0" dirty="0" smtClean="0">
+                <a:ln>
+                  <a:noFill/>
+                </a:ln>
+                <a:solidFill>
+                  <a:srgbClr val="666666"/>
+                </a:solidFill>
+                <a:effectLst/>
+                <a:latin typeface="Consolas" panose="020B0609020204030204" pitchFamily="49" charset="0"/>
+                <a:cs typeface="Consolas" panose="020B0609020204030204" pitchFamily="49" charset="0"/>
+              </a:rPr>
+              <a:t>==</a:t>
+            </a:r>
+            <a:r>
+              <a:rPr kumimoji="0" lang="pl-PL" altLang="pl-PL" sz="1200" b="0" i="0" u="none" strike="noStrike" cap="none" normalizeH="0" baseline="0" dirty="0" smtClean="0">
+                <a:ln>
+                  <a:noFill/>
+                </a:ln>
+                <a:solidFill>
+                  <a:srgbClr val="000000"/>
+                </a:solidFill>
+                <a:effectLst/>
+                <a:latin typeface="Consolas" panose="020B0609020204030204" pitchFamily="49" charset="0"/>
+                <a:cs typeface="Consolas" panose="020B0609020204030204" pitchFamily="49" charset="0"/>
+              </a:rPr>
+              <a:t> </a:t>
+            </a:r>
+            <a:r>
+              <a:rPr kumimoji="0" lang="pl-PL" altLang="pl-PL" sz="1200" b="0" i="0" u="none" strike="noStrike" cap="none" normalizeH="0" baseline="0" dirty="0" smtClean="0">
+                <a:ln>
+                  <a:noFill/>
+                </a:ln>
+                <a:solidFill>
+                  <a:srgbClr val="0000FF"/>
+                </a:solidFill>
+                <a:effectLst/>
+                <a:latin typeface="Consolas" panose="020B0609020204030204" pitchFamily="49" charset="0"/>
+                <a:cs typeface="Consolas" panose="020B0609020204030204" pitchFamily="49" charset="0"/>
+              </a:rPr>
+              <a:t>0</a:t>
+            </a:r>
+            <a:r>
+              <a:rPr kumimoji="0" lang="pl-PL" altLang="pl-PL" sz="1200" b="0" i="0" u="none" strike="noStrike" cap="none" normalizeH="0" baseline="0" dirty="0" smtClean="0">
+                <a:ln>
+                  <a:noFill/>
+                </a:ln>
+                <a:solidFill>
+                  <a:srgbClr val="000000"/>
+                </a:solidFill>
+                <a:effectLst/>
+                <a:latin typeface="Consolas" panose="020B0609020204030204" pitchFamily="49" charset="0"/>
+                <a:cs typeface="Consolas" panose="020B0609020204030204" pitchFamily="49" charset="0"/>
+              </a:rPr>
+              <a:t> </a:t>
+            </a:r>
+            <a:r>
+              <a:rPr kumimoji="0" lang="pl-PL" altLang="pl-PL" sz="1200" b="1" i="0" u="none" strike="noStrike" cap="none" normalizeH="0" baseline="0" dirty="0" smtClean="0">
+                <a:ln>
+                  <a:noFill/>
+                </a:ln>
+                <a:solidFill>
+                  <a:srgbClr val="000080"/>
+                </a:solidFill>
+                <a:effectLst/>
+                <a:latin typeface="Consolas" panose="020B0609020204030204" pitchFamily="49" charset="0"/>
+                <a:cs typeface="Consolas" panose="020B0609020204030204" pitchFamily="49" charset="0"/>
+              </a:rPr>
+              <a:t>end</a:t>
+            </a:r>
+            <a:r>
+              <a:rPr kumimoji="0" lang="pl-PL" altLang="pl-PL" sz="1200" b="0" i="0" u="none" strike="noStrike" cap="none" normalizeH="0" baseline="0" dirty="0" smtClean="0">
+                <a:ln>
+                  <a:noFill/>
+                </a:ln>
+                <a:solidFill>
+                  <a:srgbClr val="000000"/>
+                </a:solidFill>
+                <a:effectLst/>
+                <a:latin typeface="Consolas" panose="020B0609020204030204" pitchFamily="49" charset="0"/>
+                <a:cs typeface="Consolas" panose="020B0609020204030204" pitchFamily="49" charset="0"/>
+              </a:rPr>
+              <a:t> ]) </a:t>
+            </a:r>
+          </a:p>
+          <a:p>
+            <a:pPr marL="0" marR="0" lvl="0" indent="0" algn="l" defTabSz="914400" rtl="0" eaLnBrk="0" fontAlgn="base" latinLnBrk="0" hangingPunct="0">
+              <a:lnSpc>
+                <a:spcPct val="100000"/>
+              </a:lnSpc>
+              <a:spcBef>
+                <a:spcPct val="0"/>
+              </a:spcBef>
+              <a:spcAft>
+                <a:spcPct val="0"/>
+              </a:spcAft>
+              <a:buClrTx/>
+              <a:buSzTx/>
+              <a:buFontTx/>
+              <a:buNone/>
+              <a:tabLst/>
+            </a:pPr>
+            <a:r>
+              <a:rPr kumimoji="0" lang="pl-PL" altLang="pl-PL" sz="1200" b="0" i="0" u="none" strike="noStrike" cap="none" normalizeH="0" baseline="0" dirty="0" smtClean="0">
+                <a:ln>
+                  <a:noFill/>
+                </a:ln>
+                <a:solidFill>
+                  <a:srgbClr val="888888"/>
+                </a:solidFill>
+                <a:effectLst/>
+                <a:latin typeface="Consolas" panose="020B0609020204030204" pitchFamily="49" charset="0"/>
+                <a:cs typeface="Consolas" panose="020B0609020204030204" pitchFamily="49" charset="0"/>
+              </a:rPr>
+              <a:t>{2277837,[...]}</a:t>
+            </a:r>
+            <a:r>
+              <a:rPr kumimoji="0" lang="pl-PL" altLang="pl-PL" sz="1200" b="0" i="0" u="none" strike="noStrike" cap="none" normalizeH="0" baseline="0" dirty="0" smtClean="0">
+                <a:ln>
+                  <a:noFill/>
+                </a:ln>
+                <a:solidFill>
+                  <a:schemeClr val="tx1"/>
+                </a:solidFill>
+                <a:effectLst/>
+                <a:latin typeface="Consolas" panose="020B0609020204030204" pitchFamily="49" charset="0"/>
+                <a:cs typeface="Consolas" panose="020B0609020204030204" pitchFamily="49" charset="0"/>
+              </a:rPr>
+              <a:t> </a:t>
+            </a:r>
+          </a:p>
+        </p:txBody>
+      </p:sp>
+      <p:sp>
+        <p:nvSpPr>
+          <p:cNvPr id="21" name="Rectangle 12"/>
+          <p:cNvSpPr>
+            <a:spLocks noChangeArrowheads="1"/>
+          </p:cNvSpPr>
+          <p:nvPr/>
+        </p:nvSpPr>
+        <p:spPr bwMode="auto">
+          <a:xfrm>
+            <a:off x="822960" y="3631281"/>
+            <a:ext cx="8388000" cy="900000"/>
+          </a:xfrm>
+          <a:prstGeom prst="rect">
+            <a:avLst/>
+          </a:prstGeom>
+          <a:solidFill>
+            <a:schemeClr val="bg1">
+              <a:lumMod val="95000"/>
+            </a:schemeClr>
+          </a:solidFill>
+          <a:ln w="9525">
+            <a:solidFill>
+              <a:schemeClr val="bg2">
+                <a:lumMod val="90000"/>
+              </a:schemeClr>
+            </a:solidFill>
+            <a:miter lim="800000"/>
+            <a:headEnd/>
+            <a:tailEnd/>
+          </a:ln>
+          <a:effectLst/>
+        </p:spPr>
+        <p:txBody>
+          <a:bodyPr vert="horz" wrap="square" lIns="91440" tIns="45720" rIns="91440" bIns="45720" numCol="1" anchor="ctr" anchorCtr="0" compatLnSpc="1">
+            <a:prstTxWarp prst="textNoShape">
+              <a:avLst/>
+            </a:prstTxWarp>
+            <a:spAutoFit/>
+          </a:bodyPr>
+          <a:lstStyle/>
+          <a:p>
+            <a:pPr marL="0" marR="0" lvl="0" indent="0" algn="l" defTabSz="914400" rtl="0" eaLnBrk="0" fontAlgn="base" latinLnBrk="0" hangingPunct="0">
+              <a:lnSpc>
+                <a:spcPct val="100000"/>
+              </a:lnSpc>
+              <a:spcBef>
+                <a:spcPct val="0"/>
+              </a:spcBef>
+              <a:spcAft>
+                <a:spcPct val="0"/>
+              </a:spcAft>
+              <a:buClrTx/>
+              <a:buSzTx/>
+              <a:buFontTx/>
+              <a:buNone/>
+              <a:tabLst/>
+            </a:pPr>
+            <a:r>
+              <a:rPr kumimoji="0" lang="pl-PL" altLang="pl-PL" sz="1200" b="0" i="0" u="none" strike="noStrike" cap="none" normalizeH="0" baseline="0" dirty="0" smtClean="0">
+                <a:ln>
+                  <a:noFill/>
+                </a:ln>
+                <a:solidFill>
+                  <a:srgbClr val="888888"/>
+                </a:solidFill>
+                <a:effectLst/>
+                <a:latin typeface="Consolas" panose="020B0609020204030204" pitchFamily="49" charset="0"/>
+                <a:cs typeface="Consolas" panose="020B0609020204030204" pitchFamily="49" charset="0"/>
+              </a:rPr>
+              <a:t>Eshell</a:t>
+            </a:r>
+            <a:r>
+              <a:rPr kumimoji="0" lang="pl-PL" altLang="pl-PL" sz="1200" b="0" i="0" u="none" strike="noStrike" cap="none" normalizeH="0" baseline="0" dirty="0" smtClean="0">
+                <a:ln>
+                  <a:noFill/>
+                </a:ln>
+                <a:solidFill>
+                  <a:srgbClr val="000000"/>
+                </a:solidFill>
+                <a:effectLst/>
+                <a:latin typeface="Consolas" panose="020B0609020204030204" pitchFamily="49" charset="0"/>
+                <a:cs typeface="Consolas" panose="020B0609020204030204" pitchFamily="49" charset="0"/>
+              </a:rPr>
+              <a:t> </a:t>
+            </a:r>
+            <a:r>
+              <a:rPr kumimoji="0" lang="pl-PL" altLang="pl-PL" sz="1200" b="1" i="0" u="none" strike="noStrike" cap="none" normalizeH="0" baseline="0" dirty="0" smtClean="0">
+                <a:ln>
+                  <a:noFill/>
+                </a:ln>
+                <a:solidFill>
+                  <a:srgbClr val="555555"/>
+                </a:solidFill>
+                <a:effectLst/>
+                <a:latin typeface="Consolas" panose="020B0609020204030204" pitchFamily="49" charset="0"/>
+                <a:cs typeface="Consolas" panose="020B0609020204030204" pitchFamily="49" charset="0"/>
+              </a:rPr>
+              <a:t>1&gt;</a:t>
+            </a:r>
+            <a:r>
+              <a:rPr kumimoji="0" lang="pl-PL" altLang="pl-PL" sz="1200" b="0" i="0" u="none" strike="noStrike" cap="none" normalizeH="0" baseline="0" dirty="0" smtClean="0">
+                <a:ln>
+                  <a:noFill/>
+                </a:ln>
+                <a:solidFill>
+                  <a:srgbClr val="000000"/>
+                </a:solidFill>
+                <a:effectLst/>
+                <a:latin typeface="Consolas" panose="020B0609020204030204" pitchFamily="49" charset="0"/>
+                <a:cs typeface="Consolas" panose="020B0609020204030204" pitchFamily="49" charset="0"/>
+              </a:rPr>
+              <a:t> </a:t>
+            </a:r>
+            <a:r>
+              <a:rPr kumimoji="0" lang="pl-PL" altLang="pl-PL" sz="1200" b="1" i="0" u="none" strike="noStrike" cap="none" normalizeH="0" baseline="0" dirty="0" smtClean="0">
+                <a:ln>
+                  <a:noFill/>
+                </a:ln>
+                <a:solidFill>
+                  <a:srgbClr val="0E84B5"/>
+                </a:solidFill>
+                <a:effectLst/>
+                <a:latin typeface="Consolas" panose="020B0609020204030204" pitchFamily="49" charset="0"/>
+                <a:cs typeface="Consolas" panose="020B0609020204030204" pitchFamily="49" charset="0"/>
+              </a:rPr>
+              <a:t>timer</a:t>
+            </a:r>
+            <a:r>
+              <a:rPr kumimoji="0" lang="pl-PL" altLang="pl-PL" sz="1200" b="0" i="0" u="none" strike="noStrike" cap="none" normalizeH="0" baseline="0" dirty="0" smtClean="0">
+                <a:ln>
+                  <a:noFill/>
+                </a:ln>
+                <a:solidFill>
+                  <a:srgbClr val="000000"/>
+                </a:solidFill>
+                <a:effectLst/>
+                <a:latin typeface="Consolas" panose="020B0609020204030204" pitchFamily="49" charset="0"/>
+                <a:cs typeface="Consolas" panose="020B0609020204030204" pitchFamily="49" charset="0"/>
+              </a:rPr>
+              <a:t>:</a:t>
+            </a:r>
+            <a:r>
+              <a:rPr kumimoji="0" lang="pl-PL" altLang="pl-PL" sz="1200" b="0" i="0" u="none" strike="noStrike" cap="none" normalizeH="0" baseline="0" dirty="0" smtClean="0">
+                <a:ln>
+                  <a:noFill/>
+                </a:ln>
+                <a:solidFill>
+                  <a:srgbClr val="06287E"/>
+                </a:solidFill>
+                <a:effectLst/>
+                <a:latin typeface="Consolas" panose="020B0609020204030204" pitchFamily="49" charset="0"/>
+                <a:cs typeface="Consolas" panose="020B0609020204030204" pitchFamily="49" charset="0"/>
+              </a:rPr>
+              <a:t>tc</a:t>
+            </a:r>
+            <a:r>
+              <a:rPr kumimoji="0" lang="pl-PL" altLang="pl-PL" sz="1200" b="0" i="0" u="none" strike="noStrike" cap="none" normalizeH="0" baseline="0" dirty="0" smtClean="0">
+                <a:ln>
+                  <a:noFill/>
+                </a:ln>
+                <a:solidFill>
+                  <a:srgbClr val="000000"/>
+                </a:solidFill>
+                <a:effectLst/>
+                <a:latin typeface="Consolas" panose="020B0609020204030204" pitchFamily="49" charset="0"/>
+                <a:cs typeface="Consolas" panose="020B0609020204030204" pitchFamily="49" charset="0"/>
+              </a:rPr>
+              <a:t>(</a:t>
+            </a:r>
+            <a:r>
+              <a:rPr kumimoji="0" lang="pl-PL" altLang="pl-PL" sz="1200" b="0" i="0" u="none" strike="noStrike" cap="none" normalizeH="0" baseline="0" dirty="0" smtClean="0">
+                <a:ln>
+                  <a:noFill/>
+                </a:ln>
+                <a:solidFill>
+                  <a:schemeClr val="tx1"/>
+                </a:solidFill>
+                <a:effectLst/>
+                <a:latin typeface="Consolas" panose="020B0609020204030204" pitchFamily="49" charset="0"/>
+                <a:cs typeface="Consolas" panose="020B0609020204030204" pitchFamily="49" charset="0"/>
+              </a:rPr>
+              <a:t>lists</a:t>
+            </a:r>
+            <a:r>
+              <a:rPr kumimoji="0" lang="pl-PL" altLang="pl-PL" sz="1200" b="0" i="0" u="none" strike="noStrike" cap="none" normalizeH="0" baseline="0" dirty="0" smtClean="0">
+                <a:ln>
+                  <a:noFill/>
+                </a:ln>
+                <a:solidFill>
+                  <a:srgbClr val="000000"/>
+                </a:solidFill>
+                <a:effectLst/>
+                <a:latin typeface="Consolas" panose="020B0609020204030204" pitchFamily="49" charset="0"/>
+                <a:cs typeface="Consolas" panose="020B0609020204030204" pitchFamily="49" charset="0"/>
+              </a:rPr>
+              <a:t>, </a:t>
+            </a:r>
+            <a:r>
+              <a:rPr kumimoji="0" lang="pl-PL" altLang="pl-PL" sz="1200" b="0" i="0" u="none" strike="noStrike" cap="none" normalizeH="0" baseline="0" dirty="0" smtClean="0">
+                <a:ln>
+                  <a:noFill/>
+                </a:ln>
+                <a:solidFill>
+                  <a:schemeClr val="tx1"/>
+                </a:solidFill>
+                <a:effectLst/>
+                <a:latin typeface="Consolas" panose="020B0609020204030204" pitchFamily="49" charset="0"/>
+                <a:cs typeface="Consolas" panose="020B0609020204030204" pitchFamily="49" charset="0"/>
+              </a:rPr>
+              <a:t>filter</a:t>
+            </a:r>
+            <a:r>
+              <a:rPr kumimoji="0" lang="pl-PL" altLang="pl-PL" sz="1200" b="0" i="0" u="none" strike="noStrike" cap="none" normalizeH="0" baseline="0" dirty="0" smtClean="0">
+                <a:ln>
+                  <a:noFill/>
+                </a:ln>
+                <a:solidFill>
+                  <a:srgbClr val="000000"/>
+                </a:solidFill>
+                <a:effectLst/>
+                <a:latin typeface="Consolas" panose="020B0609020204030204" pitchFamily="49" charset="0"/>
+                <a:cs typeface="Consolas" panose="020B0609020204030204" pitchFamily="49" charset="0"/>
+              </a:rPr>
+              <a:t>, </a:t>
+            </a:r>
+          </a:p>
+          <a:p>
+            <a:pPr marL="0" marR="0" lvl="0" indent="0" algn="l" defTabSz="914400" rtl="0" eaLnBrk="0" fontAlgn="base" latinLnBrk="0" hangingPunct="0">
+              <a:lnSpc>
+                <a:spcPct val="100000"/>
+              </a:lnSpc>
+              <a:spcBef>
+                <a:spcPct val="0"/>
+              </a:spcBef>
+              <a:spcAft>
+                <a:spcPct val="0"/>
+              </a:spcAft>
+              <a:buClrTx/>
+              <a:buSzTx/>
+              <a:buFontTx/>
+              <a:buNone/>
+              <a:tabLst/>
+            </a:pPr>
+            <a:r>
+              <a:rPr lang="pl-PL" altLang="pl-PL" sz="1200" dirty="0">
+                <a:solidFill>
+                  <a:srgbClr val="000000"/>
+                </a:solidFill>
+                <a:latin typeface="Consolas" panose="020B0609020204030204" pitchFamily="49" charset="0"/>
+                <a:cs typeface="Consolas" panose="020B0609020204030204" pitchFamily="49" charset="0"/>
+              </a:rPr>
+              <a:t>	</a:t>
+            </a:r>
+            <a:r>
+              <a:rPr kumimoji="0" lang="pl-PL" altLang="pl-PL" sz="1200" b="0" i="0" u="none" strike="noStrike" cap="none" normalizeH="0" baseline="0" dirty="0" smtClean="0">
+                <a:ln>
+                  <a:noFill/>
+                </a:ln>
+                <a:solidFill>
+                  <a:srgbClr val="000000"/>
+                </a:solidFill>
+                <a:effectLst/>
+                <a:latin typeface="Consolas" panose="020B0609020204030204" pitchFamily="49" charset="0"/>
+                <a:cs typeface="Consolas" panose="020B0609020204030204" pitchFamily="49" charset="0"/>
+              </a:rPr>
+              <a:t>[ </a:t>
+            </a:r>
+            <a:r>
+              <a:rPr kumimoji="0" lang="pl-PL" altLang="pl-PL" sz="1200" b="1" i="0" u="none" strike="noStrike" cap="none" normalizeH="0" baseline="0" dirty="0" smtClean="0">
+                <a:ln>
+                  <a:noFill/>
+                </a:ln>
+                <a:solidFill>
+                  <a:srgbClr val="000080"/>
+                </a:solidFill>
+                <a:effectLst/>
+                <a:latin typeface="Consolas" panose="020B0609020204030204" pitchFamily="49" charset="0"/>
+                <a:cs typeface="Consolas" panose="020B0609020204030204" pitchFamily="49" charset="0"/>
+              </a:rPr>
+              <a:t>fun</a:t>
+            </a:r>
+            <a:r>
+              <a:rPr kumimoji="0" lang="pl-PL" altLang="pl-PL" sz="1200" b="0" i="0" u="none" strike="noStrike" cap="none" normalizeH="0" baseline="0" dirty="0" smtClean="0">
+                <a:ln>
+                  <a:noFill/>
+                </a:ln>
+                <a:solidFill>
+                  <a:srgbClr val="000000"/>
+                </a:solidFill>
+                <a:effectLst/>
+                <a:latin typeface="Consolas" panose="020B0609020204030204" pitchFamily="49" charset="0"/>
+                <a:cs typeface="Consolas" panose="020B0609020204030204" pitchFamily="49" charset="0"/>
+              </a:rPr>
+              <a:t> (</a:t>
+            </a:r>
+            <a:r>
+              <a:rPr kumimoji="0" lang="pl-PL" altLang="pl-PL" sz="1200" b="0" i="0" u="none" strike="noStrike" cap="none" normalizeH="0" baseline="0" dirty="0" smtClean="0">
+                <a:ln>
+                  <a:noFill/>
+                </a:ln>
+                <a:solidFill>
+                  <a:srgbClr val="BB60D5"/>
+                </a:solidFill>
+                <a:effectLst/>
+                <a:latin typeface="Consolas" panose="020B0609020204030204" pitchFamily="49" charset="0"/>
+                <a:cs typeface="Consolas" panose="020B0609020204030204" pitchFamily="49" charset="0"/>
+              </a:rPr>
+              <a:t>X</a:t>
+            </a:r>
+            <a:r>
+              <a:rPr kumimoji="0" lang="pl-PL" altLang="pl-PL" sz="1200" b="0" i="0" u="none" strike="noStrike" cap="none" normalizeH="0" baseline="0" dirty="0" smtClean="0">
+                <a:ln>
+                  <a:noFill/>
+                </a:ln>
+                <a:solidFill>
+                  <a:srgbClr val="000000"/>
+                </a:solidFill>
+                <a:effectLst/>
+                <a:latin typeface="Consolas" panose="020B0609020204030204" pitchFamily="49" charset="0"/>
+                <a:cs typeface="Consolas" panose="020B0609020204030204" pitchFamily="49" charset="0"/>
+              </a:rPr>
+              <a:t>) </a:t>
+            </a:r>
+            <a:r>
+              <a:rPr kumimoji="0" lang="pl-PL" altLang="pl-PL" sz="1200" b="0" i="0" u="none" strike="noStrike" cap="none" normalizeH="0" baseline="0" dirty="0" smtClean="0">
+                <a:ln>
+                  <a:noFill/>
+                </a:ln>
+                <a:solidFill>
+                  <a:srgbClr val="666666"/>
+                </a:solidFill>
+                <a:effectLst/>
+                <a:latin typeface="Consolas" panose="020B0609020204030204" pitchFamily="49" charset="0"/>
+                <a:cs typeface="Consolas" panose="020B0609020204030204" pitchFamily="49" charset="0"/>
+              </a:rPr>
+              <a:t>-&gt;</a:t>
+            </a:r>
+            <a:r>
+              <a:rPr kumimoji="0" lang="pl-PL" altLang="pl-PL" sz="1200" b="0" i="0" u="none" strike="noStrike" cap="none" normalizeH="0" baseline="0" dirty="0" smtClean="0">
+                <a:ln>
+                  <a:noFill/>
+                </a:ln>
+                <a:solidFill>
+                  <a:srgbClr val="000000"/>
+                </a:solidFill>
+                <a:effectLst/>
+                <a:latin typeface="Consolas" panose="020B0609020204030204" pitchFamily="49" charset="0"/>
+                <a:cs typeface="Consolas" panose="020B0609020204030204" pitchFamily="49" charset="0"/>
+              </a:rPr>
+              <a:t> </a:t>
+            </a:r>
+            <a:r>
+              <a:rPr kumimoji="0" lang="pl-PL" altLang="pl-PL" sz="1200" b="0" i="0" u="none" strike="noStrike" cap="none" normalizeH="0" baseline="0" dirty="0" smtClean="0">
+                <a:ln>
+                  <a:noFill/>
+                </a:ln>
+                <a:solidFill>
+                  <a:srgbClr val="BB60D5"/>
+                </a:solidFill>
+                <a:effectLst/>
+                <a:latin typeface="Consolas" panose="020B0609020204030204" pitchFamily="49" charset="0"/>
+                <a:cs typeface="Consolas" panose="020B0609020204030204" pitchFamily="49" charset="0"/>
+              </a:rPr>
+              <a:t>X</a:t>
+            </a:r>
+            <a:r>
+              <a:rPr kumimoji="0" lang="pl-PL" altLang="pl-PL" sz="1200" b="0" i="0" u="none" strike="noStrike" cap="none" normalizeH="0" baseline="0" dirty="0" smtClean="0">
+                <a:ln>
+                  <a:noFill/>
+                </a:ln>
+                <a:solidFill>
+                  <a:srgbClr val="000000"/>
+                </a:solidFill>
+                <a:effectLst/>
+                <a:latin typeface="Consolas" panose="020B0609020204030204" pitchFamily="49" charset="0"/>
+                <a:cs typeface="Consolas" panose="020B0609020204030204" pitchFamily="49" charset="0"/>
+              </a:rPr>
+              <a:t> </a:t>
+            </a:r>
+            <a:r>
+              <a:rPr kumimoji="0" lang="pl-PL" altLang="pl-PL" sz="1200" b="1" i="0" u="none" strike="noStrike" cap="none" normalizeH="0" baseline="0" dirty="0" smtClean="0">
+                <a:ln>
+                  <a:noFill/>
+                </a:ln>
+                <a:solidFill>
+                  <a:srgbClr val="007020"/>
+                </a:solidFill>
+                <a:effectLst/>
+                <a:latin typeface="Consolas" panose="020B0609020204030204" pitchFamily="49" charset="0"/>
+                <a:cs typeface="Consolas" panose="020B0609020204030204" pitchFamily="49" charset="0"/>
+              </a:rPr>
+              <a:t>rem</a:t>
+            </a:r>
+            <a:r>
+              <a:rPr kumimoji="0" lang="pl-PL" altLang="pl-PL" sz="1200" b="0" i="0" u="none" strike="noStrike" cap="none" normalizeH="0" baseline="0" dirty="0" smtClean="0">
+                <a:ln>
+                  <a:noFill/>
+                </a:ln>
+                <a:solidFill>
+                  <a:srgbClr val="000000"/>
+                </a:solidFill>
+                <a:effectLst/>
+                <a:latin typeface="Consolas" panose="020B0609020204030204" pitchFamily="49" charset="0"/>
+                <a:cs typeface="Consolas" panose="020B0609020204030204" pitchFamily="49" charset="0"/>
+              </a:rPr>
+              <a:t> </a:t>
+            </a:r>
+            <a:r>
+              <a:rPr kumimoji="0" lang="pl-PL" altLang="pl-PL" sz="1200" b="0" i="0" u="none" strike="noStrike" cap="none" normalizeH="0" baseline="0" dirty="0" smtClean="0">
+                <a:ln>
+                  <a:noFill/>
+                </a:ln>
+                <a:solidFill>
+                  <a:srgbClr val="0000FF"/>
+                </a:solidFill>
+                <a:effectLst/>
+                <a:latin typeface="Consolas" panose="020B0609020204030204" pitchFamily="49" charset="0"/>
+                <a:cs typeface="Consolas" panose="020B0609020204030204" pitchFamily="49" charset="0"/>
+              </a:rPr>
+              <a:t>3</a:t>
+            </a:r>
+            <a:r>
+              <a:rPr kumimoji="0" lang="pl-PL" altLang="pl-PL" sz="1200" b="0" i="0" u="none" strike="noStrike" cap="none" normalizeH="0" baseline="0" dirty="0" smtClean="0">
+                <a:ln>
+                  <a:noFill/>
+                </a:ln>
+                <a:solidFill>
+                  <a:srgbClr val="000000"/>
+                </a:solidFill>
+                <a:effectLst/>
+                <a:latin typeface="Consolas" panose="020B0609020204030204" pitchFamily="49" charset="0"/>
+                <a:cs typeface="Consolas" panose="020B0609020204030204" pitchFamily="49" charset="0"/>
+              </a:rPr>
+              <a:t> </a:t>
+            </a:r>
+            <a:r>
+              <a:rPr kumimoji="0" lang="pl-PL" altLang="pl-PL" sz="1200" b="0" i="0" u="none" strike="noStrike" cap="none" normalizeH="0" baseline="0" dirty="0" smtClean="0">
+                <a:ln>
+                  <a:noFill/>
+                </a:ln>
+                <a:solidFill>
+                  <a:srgbClr val="666666"/>
+                </a:solidFill>
+                <a:effectLst/>
+                <a:latin typeface="Consolas" panose="020B0609020204030204" pitchFamily="49" charset="0"/>
+                <a:cs typeface="Consolas" panose="020B0609020204030204" pitchFamily="49" charset="0"/>
+              </a:rPr>
+              <a:t>==</a:t>
+            </a:r>
+            <a:r>
+              <a:rPr kumimoji="0" lang="pl-PL" altLang="pl-PL" sz="1200" b="0" i="0" u="none" strike="noStrike" cap="none" normalizeH="0" baseline="0" dirty="0" smtClean="0">
+                <a:ln>
+                  <a:noFill/>
+                </a:ln>
+                <a:solidFill>
+                  <a:srgbClr val="000000"/>
+                </a:solidFill>
+                <a:effectLst/>
+                <a:latin typeface="Consolas" panose="020B0609020204030204" pitchFamily="49" charset="0"/>
+                <a:cs typeface="Consolas" panose="020B0609020204030204" pitchFamily="49" charset="0"/>
+              </a:rPr>
+              <a:t> </a:t>
+            </a:r>
+            <a:r>
+              <a:rPr kumimoji="0" lang="pl-PL" altLang="pl-PL" sz="1200" b="0" i="0" u="none" strike="noStrike" cap="none" normalizeH="0" baseline="0" dirty="0" smtClean="0">
+                <a:ln>
+                  <a:noFill/>
+                </a:ln>
+                <a:solidFill>
+                  <a:srgbClr val="0000FF"/>
+                </a:solidFill>
+                <a:effectLst/>
+                <a:latin typeface="Consolas" panose="020B0609020204030204" pitchFamily="49" charset="0"/>
+                <a:cs typeface="Consolas" panose="020B0609020204030204" pitchFamily="49" charset="0"/>
+              </a:rPr>
+              <a:t>0</a:t>
+            </a:r>
+            <a:r>
+              <a:rPr kumimoji="0" lang="pl-PL" altLang="pl-PL" sz="1200" b="0" i="0" u="none" strike="noStrike" cap="none" normalizeH="0" baseline="0" dirty="0" smtClean="0">
+                <a:ln>
+                  <a:noFill/>
+                </a:ln>
+                <a:solidFill>
+                  <a:srgbClr val="000000"/>
+                </a:solidFill>
+                <a:effectLst/>
+                <a:latin typeface="Consolas" panose="020B0609020204030204" pitchFamily="49" charset="0"/>
+                <a:cs typeface="Consolas" panose="020B0609020204030204" pitchFamily="49" charset="0"/>
+              </a:rPr>
+              <a:t> </a:t>
+            </a:r>
+            <a:r>
+              <a:rPr kumimoji="0" lang="pl-PL" altLang="pl-PL" sz="1200" b="1" i="0" u="none" strike="noStrike" cap="none" normalizeH="0" baseline="0" dirty="0" smtClean="0">
+                <a:ln>
+                  <a:noFill/>
+                </a:ln>
+                <a:solidFill>
+                  <a:srgbClr val="000080"/>
+                </a:solidFill>
+                <a:effectLst/>
+                <a:latin typeface="Consolas" panose="020B0609020204030204" pitchFamily="49" charset="0"/>
+                <a:cs typeface="Consolas" panose="020B0609020204030204" pitchFamily="49" charset="0"/>
+              </a:rPr>
+              <a:t>end</a:t>
+            </a:r>
+            <a:r>
+              <a:rPr kumimoji="0" lang="pl-PL" altLang="pl-PL" sz="1200" b="0" i="0" u="none" strike="noStrike" cap="none" normalizeH="0" baseline="0" dirty="0" smtClean="0">
+                <a:ln>
+                  <a:noFill/>
+                </a:ln>
+                <a:solidFill>
+                  <a:srgbClr val="000000"/>
+                </a:solidFill>
+                <a:effectLst/>
+                <a:latin typeface="Consolas" panose="020B0609020204030204" pitchFamily="49" charset="0"/>
+                <a:cs typeface="Consolas" panose="020B0609020204030204" pitchFamily="49" charset="0"/>
+              </a:rPr>
+              <a:t>, </a:t>
+            </a:r>
+            <a:r>
+              <a:rPr kumimoji="0" lang="pl-PL" altLang="pl-PL" sz="1200" b="1" i="0" u="none" strike="noStrike" cap="none" normalizeH="0" baseline="0" dirty="0" smtClean="0">
+                <a:ln>
+                  <a:noFill/>
+                </a:ln>
+                <a:solidFill>
+                  <a:srgbClr val="0E84B5"/>
+                </a:solidFill>
+                <a:effectLst/>
+                <a:latin typeface="Consolas" panose="020B0609020204030204" pitchFamily="49" charset="0"/>
+                <a:cs typeface="Consolas" panose="020B0609020204030204" pitchFamily="49" charset="0"/>
+              </a:rPr>
+              <a:t>lists</a:t>
+            </a:r>
+            <a:r>
+              <a:rPr kumimoji="0" lang="pl-PL" altLang="pl-PL" sz="1200" b="0" i="0" u="none" strike="noStrike" cap="none" normalizeH="0" baseline="0" dirty="0" smtClean="0">
+                <a:ln>
+                  <a:noFill/>
+                </a:ln>
+                <a:solidFill>
+                  <a:srgbClr val="000000"/>
+                </a:solidFill>
+                <a:effectLst/>
+                <a:latin typeface="Consolas" panose="020B0609020204030204" pitchFamily="49" charset="0"/>
+                <a:cs typeface="Consolas" panose="020B0609020204030204" pitchFamily="49" charset="0"/>
+              </a:rPr>
+              <a:t>:</a:t>
+            </a:r>
+            <a:r>
+              <a:rPr kumimoji="0" lang="pl-PL" altLang="pl-PL" sz="1200" b="0" i="0" u="none" strike="noStrike" cap="none" normalizeH="0" baseline="0" dirty="0" smtClean="0">
+                <a:ln>
+                  <a:noFill/>
+                </a:ln>
+                <a:solidFill>
+                  <a:srgbClr val="06287E"/>
+                </a:solidFill>
+                <a:effectLst/>
+                <a:latin typeface="Consolas" panose="020B0609020204030204" pitchFamily="49" charset="0"/>
+                <a:cs typeface="Consolas" panose="020B0609020204030204" pitchFamily="49" charset="0"/>
+              </a:rPr>
+              <a:t>seq</a:t>
+            </a:r>
+            <a:r>
+              <a:rPr kumimoji="0" lang="pl-PL" altLang="pl-PL" sz="1200" b="0" i="0" u="none" strike="noStrike" cap="none" normalizeH="0" baseline="0" dirty="0" smtClean="0">
+                <a:ln>
+                  <a:noFill/>
+                </a:ln>
+                <a:solidFill>
+                  <a:srgbClr val="000000"/>
+                </a:solidFill>
+                <a:effectLst/>
+                <a:latin typeface="Consolas" panose="020B0609020204030204" pitchFamily="49" charset="0"/>
+                <a:cs typeface="Consolas" panose="020B0609020204030204" pitchFamily="49" charset="0"/>
+              </a:rPr>
+              <a:t>(</a:t>
+            </a:r>
+            <a:r>
+              <a:rPr kumimoji="0" lang="pl-PL" altLang="pl-PL" sz="1200" b="0" i="0" u="none" strike="noStrike" cap="none" normalizeH="0" baseline="0" dirty="0" smtClean="0">
+                <a:ln>
+                  <a:noFill/>
+                </a:ln>
+                <a:solidFill>
+                  <a:srgbClr val="0000FF"/>
+                </a:solidFill>
+                <a:effectLst/>
+                <a:latin typeface="Consolas" panose="020B0609020204030204" pitchFamily="49" charset="0"/>
+                <a:cs typeface="Consolas" panose="020B0609020204030204" pitchFamily="49" charset="0"/>
+              </a:rPr>
+              <a:t>1</a:t>
+            </a:r>
+            <a:r>
+              <a:rPr kumimoji="0" lang="pl-PL" altLang="pl-PL" sz="1200" b="0" i="0" u="none" strike="noStrike" cap="none" normalizeH="0" baseline="0" dirty="0" smtClean="0">
+                <a:ln>
+                  <a:noFill/>
+                </a:ln>
+                <a:solidFill>
+                  <a:srgbClr val="000000"/>
+                </a:solidFill>
+                <a:effectLst/>
+                <a:latin typeface="Consolas" panose="020B0609020204030204" pitchFamily="49" charset="0"/>
+                <a:cs typeface="Consolas" panose="020B0609020204030204" pitchFamily="49" charset="0"/>
+              </a:rPr>
+              <a:t>, </a:t>
+            </a:r>
+            <a:r>
+              <a:rPr kumimoji="0" lang="pl-PL" altLang="pl-PL" sz="1200" b="0" i="0" u="none" strike="noStrike" cap="none" normalizeH="0" baseline="0" dirty="0" smtClean="0">
+                <a:ln>
+                  <a:noFill/>
+                </a:ln>
+                <a:solidFill>
+                  <a:srgbClr val="0000FF"/>
+                </a:solidFill>
+                <a:effectLst/>
+                <a:latin typeface="Consolas" panose="020B0609020204030204" pitchFamily="49" charset="0"/>
+                <a:cs typeface="Consolas" panose="020B0609020204030204" pitchFamily="49" charset="0"/>
+              </a:rPr>
+              <a:t>1000000</a:t>
+            </a:r>
+            <a:r>
+              <a:rPr kumimoji="0" lang="pl-PL" altLang="pl-PL" sz="1200" b="0" i="0" u="none" strike="noStrike" cap="none" normalizeH="0" baseline="0" dirty="0" smtClean="0">
+                <a:ln>
+                  <a:noFill/>
+                </a:ln>
+                <a:solidFill>
+                  <a:srgbClr val="000000"/>
+                </a:solidFill>
+                <a:effectLst/>
+                <a:latin typeface="Consolas" panose="020B0609020204030204" pitchFamily="49" charset="0"/>
+                <a:cs typeface="Consolas" panose="020B0609020204030204" pitchFamily="49" charset="0"/>
+              </a:rPr>
+              <a:t>) ]). </a:t>
+            </a:r>
+          </a:p>
+          <a:p>
+            <a:pPr marL="0" marR="0" lvl="0" indent="0" algn="l" defTabSz="914400" rtl="0" eaLnBrk="0" fontAlgn="base" latinLnBrk="0" hangingPunct="0">
+              <a:lnSpc>
+                <a:spcPct val="100000"/>
+              </a:lnSpc>
+              <a:spcBef>
+                <a:spcPct val="0"/>
+              </a:spcBef>
+              <a:spcAft>
+                <a:spcPct val="0"/>
+              </a:spcAft>
+              <a:buClrTx/>
+              <a:buSzTx/>
+              <a:buFontTx/>
+              <a:buNone/>
+              <a:tabLst/>
+            </a:pPr>
+            <a:r>
+              <a:rPr kumimoji="0" lang="pl-PL" altLang="pl-PL" sz="1200" b="0" i="0" u="none" strike="noStrike" cap="none" normalizeH="0" baseline="0" dirty="0" smtClean="0">
+                <a:ln>
+                  <a:noFill/>
+                </a:ln>
+                <a:solidFill>
+                  <a:srgbClr val="888888"/>
+                </a:solidFill>
+                <a:effectLst/>
+                <a:latin typeface="Consolas" panose="020B0609020204030204" pitchFamily="49" charset="0"/>
+                <a:cs typeface="Consolas" panose="020B0609020204030204" pitchFamily="49" charset="0"/>
+              </a:rPr>
+              <a:t>{3108780,[...]}</a:t>
+            </a:r>
+            <a:endParaRPr kumimoji="0" lang="pl-PL" altLang="pl-PL" sz="1200" b="0" i="0" u="none" strike="noStrike" cap="none" normalizeH="0" baseline="0" dirty="0" smtClean="0">
+              <a:ln>
+                <a:noFill/>
+              </a:ln>
+              <a:solidFill>
+                <a:schemeClr val="tx1"/>
+              </a:solidFill>
+              <a:effectLst/>
+              <a:latin typeface="Consolas" panose="020B0609020204030204" pitchFamily="49" charset="0"/>
+              <a:cs typeface="Consolas" panose="020B0609020204030204" pitchFamily="49" charset="0"/>
+            </a:endParaRPr>
+          </a:p>
+        </p:txBody>
+      </p:sp>
     </p:spTree>
   </p:cSld>
   <p:clrMapOvr>

--- a/elixir.pptx
+++ b/elixir.pptx
@@ -1,14 +1,14 @@
 
 <file path=ppt/presentation.xml><?xml version="1.0" encoding="utf-8"?>
-<p:presentation xmlns:a="http://schemas.openxmlformats.org/drawingml/2006/main" xmlns:r="http://schemas.openxmlformats.org/officeDocument/2006/relationships" xmlns:p="http://schemas.openxmlformats.org/presentationml/2006/main" saveSubsetFonts="1">
+<p:presentation xmlns:a="http://schemas.openxmlformats.org/drawingml/2006/main" xmlns:r="http://schemas.openxmlformats.org/officeDocument/2006/relationships" xmlns:p="http://schemas.openxmlformats.org/presentationml/2006/main" embedTrueTypeFonts="1" saveSubsetFonts="1">
   <p:sldMasterIdLst>
     <p:sldMasterId id="2147483648" r:id="rId1"/>
   </p:sldMasterIdLst>
   <p:notesMasterIdLst>
-    <p:notesMasterId r:id="rId7"/>
+    <p:notesMasterId r:id="rId9"/>
   </p:notesMasterIdLst>
   <p:handoutMasterIdLst>
-    <p:handoutMasterId r:id="rId8"/>
+    <p:handoutMasterId r:id="rId10"/>
   </p:handoutMasterIdLst>
   <p:sldIdLst>
     <p:sldId id="256" r:id="rId2"/>
@@ -16,9 +16,45 @@
     <p:sldId id="258" r:id="rId4"/>
     <p:sldId id="260" r:id="rId5"/>
     <p:sldId id="259" r:id="rId6"/>
+    <p:sldId id="261" r:id="rId7"/>
+    <p:sldId id="262" r:id="rId8"/>
   </p:sldIdLst>
   <p:sldSz cx="10077450" cy="7562850"/>
   <p:notesSz cx="7559675" cy="10691813"/>
+  <p:embeddedFontLst>
+    <p:embeddedFont>
+      <p:font typeface="Liberation Serif" panose="02020603050405020304" pitchFamily="18" charset="0"/>
+      <p:regular r:id="rId11"/>
+      <p:bold r:id="rId12"/>
+      <p:italic r:id="rId13"/>
+      <p:boldItalic r:id="rId14"/>
+    </p:embeddedFont>
+    <p:embeddedFont>
+      <p:font typeface="Calibri" panose="020F0502020204030204" pitchFamily="34" charset="0"/>
+      <p:regular r:id="rId15"/>
+      <p:bold r:id="rId16"/>
+      <p:italic r:id="rId17"/>
+      <p:boldItalic r:id="rId18"/>
+    </p:embeddedFont>
+    <p:embeddedFont>
+      <p:font typeface="Liberation Sans" panose="020B0604020202020204" pitchFamily="34" charset="0"/>
+      <p:regular r:id="rId19"/>
+      <p:bold r:id="rId20"/>
+      <p:italic r:id="rId21"/>
+      <p:boldItalic r:id="rId22"/>
+    </p:embeddedFont>
+    <p:embeddedFont>
+      <p:font typeface="Consolas" panose="020B0609020204030204" pitchFamily="49" charset="0"/>
+      <p:regular r:id="rId23"/>
+      <p:bold r:id="rId24"/>
+      <p:italic r:id="rId25"/>
+      <p:boldItalic r:id="rId26"/>
+    </p:embeddedFont>
+    <p:embeddedFont>
+      <p:font typeface="DejaVu Sans" panose="020B0803030604020204" pitchFamily="34" charset="0"/>
+      <p:bold r:id="rId27"/>
+    </p:embeddedFont>
+  </p:embeddedFontLst>
   <p:defaultTextStyle>
     <a:defPPr>
       <a:defRPr lang="pl-PL"/>
@@ -1237,6 +1273,210 @@
     <p:extLst>
       <p:ext uri="{BB962C8B-B14F-4D97-AF65-F5344CB8AC3E}">
         <p14:creationId xmlns:p14="http://schemas.microsoft.com/office/powerpoint/2010/main" val="1210790960"/>
+      </p:ext>
+    </p:extLst>
+  </p:cSld>
+  <p:clrMapOvr>
+    <a:masterClrMapping/>
+  </p:clrMapOvr>
+</p:notes>
+</file>
+
+<file path=ppt/notesSlides/notesSlide6.xml><?xml version="1.0" encoding="utf-8"?>
+<p:notes xmlns:a="http://schemas.openxmlformats.org/drawingml/2006/main" xmlns:r="http://schemas.openxmlformats.org/officeDocument/2006/relationships" xmlns:p="http://schemas.openxmlformats.org/presentationml/2006/main">
+  <p:cSld>
+    <p:spTree>
+      <p:nvGrpSpPr>
+        <p:cNvPr id="1" name=""/>
+        <p:cNvGrpSpPr/>
+        <p:nvPr/>
+      </p:nvGrpSpPr>
+      <p:grpSpPr>
+        <a:xfrm>
+          <a:off x="0" y="0"/>
+          <a:ext cx="0" cy="0"/>
+          <a:chOff x="0" y="0"/>
+          <a:chExt cx="0" cy="0"/>
+        </a:xfrm>
+      </p:grpSpPr>
+      <p:sp>
+        <p:nvSpPr>
+          <p:cNvPr id="7" name="Slide Number Placeholder 6"/>
+          <p:cNvSpPr txBox="1">
+            <a:spLocks noGrp="1"/>
+          </p:cNvSpPr>
+          <p:nvPr>
+            <p:ph type="sldNum" sz="quarter" idx="5"/>
+          </p:nvPr>
+        </p:nvSpPr>
+        <p:spPr>
+          <a:ln/>
+        </p:spPr>
+        <p:txBody>
+          <a:bodyPr lIns="0" tIns="0" rIns="0" bIns="0" anchor="b" anchorCtr="0">
+            <a:noAutofit/>
+          </a:bodyPr>
+          <a:lstStyle/>
+          <a:p>
+            <a:pPr lvl="0"/>
+            <a:fld id="{0FDB09D6-1433-49F4-8CFD-CF073F2B02A9}" type="slidenum">
+              <a:t>6</a:t>
+            </a:fld>
+            <a:endParaRPr lang="en-US"/>
+          </a:p>
+        </p:txBody>
+      </p:sp>
+      <p:sp>
+        <p:nvSpPr>
+          <p:cNvPr id="2" name="Slide Image Placeholder 1"/>
+          <p:cNvSpPr>
+            <a:spLocks noGrp="1" noRot="1" noChangeAspect="1" noResize="1"/>
+          </p:cNvSpPr>
+          <p:nvPr>
+            <p:ph type="sldImg"/>
+          </p:nvPr>
+        </p:nvSpPr>
+        <p:spPr>
+          <a:xfrm>
+            <a:off x="1108075" y="812800"/>
+            <a:ext cx="5341938" cy="4008438"/>
+          </a:xfrm>
+          <a:solidFill>
+            <a:srgbClr val="729FCF"/>
+          </a:solidFill>
+          <a:ln w="25400">
+            <a:solidFill>
+              <a:srgbClr val="3465A4"/>
+            </a:solidFill>
+            <a:prstDash val="solid"/>
+          </a:ln>
+        </p:spPr>
+      </p:sp>
+      <p:sp>
+        <p:nvSpPr>
+          <p:cNvPr id="3" name="Notes Placeholder 2"/>
+          <p:cNvSpPr txBox="1">
+            <a:spLocks noGrp="1"/>
+          </p:cNvSpPr>
+          <p:nvPr>
+            <p:ph type="body" sz="quarter" idx="1"/>
+          </p:nvPr>
+        </p:nvSpPr>
+        <p:spPr/>
+        <p:txBody>
+          <a:bodyPr/>
+          <a:lstStyle/>
+          <a:p>
+            <a:endParaRPr lang="en-US"/>
+          </a:p>
+        </p:txBody>
+      </p:sp>
+    </p:spTree>
+    <p:extLst>
+      <p:ext uri="{BB962C8B-B14F-4D97-AF65-F5344CB8AC3E}">
+        <p14:creationId xmlns:p14="http://schemas.microsoft.com/office/powerpoint/2010/main" val="3034492759"/>
+      </p:ext>
+    </p:extLst>
+  </p:cSld>
+  <p:clrMapOvr>
+    <a:masterClrMapping/>
+  </p:clrMapOvr>
+</p:notes>
+</file>
+
+<file path=ppt/notesSlides/notesSlide7.xml><?xml version="1.0" encoding="utf-8"?>
+<p:notes xmlns:a="http://schemas.openxmlformats.org/drawingml/2006/main" xmlns:r="http://schemas.openxmlformats.org/officeDocument/2006/relationships" xmlns:p="http://schemas.openxmlformats.org/presentationml/2006/main">
+  <p:cSld>
+    <p:spTree>
+      <p:nvGrpSpPr>
+        <p:cNvPr id="1" name=""/>
+        <p:cNvGrpSpPr/>
+        <p:nvPr/>
+      </p:nvGrpSpPr>
+      <p:grpSpPr>
+        <a:xfrm>
+          <a:off x="0" y="0"/>
+          <a:ext cx="0" cy="0"/>
+          <a:chOff x="0" y="0"/>
+          <a:chExt cx="0" cy="0"/>
+        </a:xfrm>
+      </p:grpSpPr>
+      <p:sp>
+        <p:nvSpPr>
+          <p:cNvPr id="7" name="Slide Number Placeholder 6"/>
+          <p:cNvSpPr txBox="1">
+            <a:spLocks noGrp="1"/>
+          </p:cNvSpPr>
+          <p:nvPr>
+            <p:ph type="sldNum" sz="quarter" idx="5"/>
+          </p:nvPr>
+        </p:nvSpPr>
+        <p:spPr>
+          <a:ln/>
+        </p:spPr>
+        <p:txBody>
+          <a:bodyPr lIns="0" tIns="0" rIns="0" bIns="0" anchor="b" anchorCtr="0">
+            <a:noAutofit/>
+          </a:bodyPr>
+          <a:lstStyle/>
+          <a:p>
+            <a:pPr lvl="0"/>
+            <a:fld id="{0FDB09D6-1433-49F4-8CFD-CF073F2B02A9}" type="slidenum">
+              <a:t>7</a:t>
+            </a:fld>
+            <a:endParaRPr lang="en-US"/>
+          </a:p>
+        </p:txBody>
+      </p:sp>
+      <p:sp>
+        <p:nvSpPr>
+          <p:cNvPr id="2" name="Slide Image Placeholder 1"/>
+          <p:cNvSpPr>
+            <a:spLocks noGrp="1" noRot="1" noChangeAspect="1" noResize="1"/>
+          </p:cNvSpPr>
+          <p:nvPr>
+            <p:ph type="sldImg"/>
+          </p:nvPr>
+        </p:nvSpPr>
+        <p:spPr>
+          <a:xfrm>
+            <a:off x="1108075" y="812800"/>
+            <a:ext cx="5341938" cy="4008438"/>
+          </a:xfrm>
+          <a:solidFill>
+            <a:srgbClr val="729FCF"/>
+          </a:solidFill>
+          <a:ln w="25400">
+            <a:solidFill>
+              <a:srgbClr val="3465A4"/>
+            </a:solidFill>
+            <a:prstDash val="solid"/>
+          </a:ln>
+        </p:spPr>
+      </p:sp>
+      <p:sp>
+        <p:nvSpPr>
+          <p:cNvPr id="3" name="Notes Placeholder 2"/>
+          <p:cNvSpPr txBox="1">
+            <a:spLocks noGrp="1"/>
+          </p:cNvSpPr>
+          <p:nvPr>
+            <p:ph type="body" sz="quarter" idx="1"/>
+          </p:nvPr>
+        </p:nvSpPr>
+        <p:spPr/>
+        <p:txBody>
+          <a:bodyPr/>
+          <a:lstStyle/>
+          <a:p>
+            <a:endParaRPr lang="en-US"/>
+          </a:p>
+        </p:txBody>
+      </p:sp>
+    </p:spTree>
+    <p:extLst>
+      <p:ext uri="{BB962C8B-B14F-4D97-AF65-F5344CB8AC3E}">
+        <p14:creationId xmlns:p14="http://schemas.microsoft.com/office/powerpoint/2010/main" val="4261881472"/>
       </p:ext>
     </p:extLst>
   </p:cSld>
@@ -5307,7 +5547,7 @@
         </p:blipFill>
         <p:spPr>
           <a:xfrm>
-            <a:off x="5219547" y="4298028"/>
+            <a:off x="4913384" y="4003061"/>
             <a:ext cx="360" cy="360"/>
           </a:xfrm>
           <a:prstGeom prst="rect">
@@ -5339,7 +5579,7 @@
         </p:blipFill>
         <p:spPr>
           <a:xfrm>
-            <a:off x="5219547" y="4087069"/>
+            <a:off x="4913384" y="3792102"/>
             <a:ext cx="360" cy="360"/>
           </a:xfrm>
           <a:prstGeom prst="rect">
@@ -5402,14 +5642,14 @@
           <p:nvPr>
             <p:extLst>
               <p:ext uri="{D42A27DB-BD31-4B8C-83A1-F6EECF244321}">
-                <p14:modId xmlns:p14="http://schemas.microsoft.com/office/powerpoint/2010/main" val="1861588431"/>
+                <p14:modId xmlns:p14="http://schemas.microsoft.com/office/powerpoint/2010/main" val="2566281398"/>
               </p:ext>
             </p:extLst>
           </p:nvPr>
         </p:nvGraphicFramePr>
         <p:xfrm>
-          <a:off x="1622323" y="2261421"/>
-          <a:ext cx="7393856" cy="3414600"/>
+          <a:off x="1223278" y="1818970"/>
+          <a:ext cx="7486738" cy="3295762"/>
         </p:xfrm>
         <a:graphic>
           <a:graphicData uri="http://schemas.openxmlformats.org/drawingml/2006/table">
@@ -5418,10 +5658,10 @@
                 <a:tableStyleId>{5C22544A-7EE6-4342-B048-85BDC9FD1C3A}</a:tableStyleId>
               </a:tblPr>
               <a:tblGrid>
-                <a:gridCol w="4581832"/>
-                <a:gridCol w="2812024"/>
+                <a:gridCol w="4639389"/>
+                <a:gridCol w="2847349"/>
               </a:tblGrid>
-              <a:tr h="838158">
+              <a:tr h="934062">
                 <a:tc>
                   <a:txBody>
                     <a:bodyPr/>
@@ -5581,7 +5821,7 @@
                   </a:tcPr>
                 </a:tc>
               </a:tr>
-              <a:tr h="902152">
+              <a:tr h="1064831">
                 <a:tc>
                   <a:txBody>
                     <a:bodyPr/>
@@ -5759,7 +5999,7 @@
                   </a:tcPr>
                 </a:tc>
               </a:tr>
-              <a:tr h="1674290">
+              <a:tr h="1296869">
                 <a:tc>
                   <a:txBody>
                     <a:bodyPr/>
@@ -5929,21 +6169,6 @@
                         <a:cs typeface="FreeSans" pitchFamily="2"/>
                       </a:endParaRPr>
                     </a:p>
-                    <a:p>
-                      <a:pPr algn="l"/>
-                      <a:r>
-                        <a:rPr lang="pl-PL" sz="2400" b="1" dirty="0" smtClean="0">
-                          <a:solidFill>
-                            <a:srgbClr val="666666"/>
-                          </a:solidFill>
-                          <a:latin typeface="Lovelo Black" pitchFamily="18"/>
-                          <a:ea typeface="Droid Sans Fallback" pitchFamily="2"/>
-                          <a:cs typeface="FreeSans" pitchFamily="2"/>
-                        </a:rPr>
-                        <a:t> </a:t>
-                      </a:r>
-                      <a:endParaRPr lang="pl-PL" sz="2400" dirty="0"/>
-                    </a:p>
                   </a:txBody>
                   <a:tcPr>
                     <a:lnL w="12700" cap="flat" cmpd="sng" algn="ctr">
@@ -5990,6 +6215,68 @@
           </a:graphicData>
         </a:graphic>
       </p:graphicFrame>
+      <p:sp>
+        <p:nvSpPr>
+          <p:cNvPr id="4" name="TextBox 3"/>
+          <p:cNvSpPr txBox="1"/>
+          <p:nvPr/>
+        </p:nvSpPr>
+        <p:spPr>
+          <a:xfrm>
+            <a:off x="1316160" y="5231541"/>
+            <a:ext cx="7520294" cy="1200329"/>
+          </a:xfrm>
+          <a:prstGeom prst="rect">
+            <a:avLst/>
+          </a:prstGeom>
+          <a:noFill/>
+        </p:spPr>
+        <p:txBody>
+          <a:bodyPr wrap="square" rtlCol="0">
+            <a:spAutoFit/>
+          </a:bodyPr>
+          <a:lstStyle/>
+          <a:p>
+            <a:pPr marL="285750" indent="-285750">
+              <a:buFont typeface="Arial" panose="020B0604020202020204" pitchFamily="34" charset="0"/>
+              <a:buChar char="•"/>
+            </a:pPr>
+            <a:r>
+              <a:rPr lang="pl-PL" sz="2400" dirty="0" smtClean="0">
+                <a:solidFill>
+                  <a:srgbClr val="404040"/>
+                </a:solidFill>
+                <a:latin typeface="Bitter" panose="00000500000000000000" pitchFamily="50" charset="-18"/>
+              </a:rPr>
+              <a:t>Erlang VM</a:t>
+            </a:r>
+          </a:p>
+          <a:p>
+            <a:pPr marL="285750" indent="-285750">
+              <a:lnSpc>
+                <a:spcPct val="200000"/>
+              </a:lnSpc>
+              <a:buFont typeface="Arial" panose="020B0604020202020204" pitchFamily="34" charset="0"/>
+              <a:buChar char="•"/>
+            </a:pPr>
+            <a:r>
+              <a:rPr lang="pl-PL" sz="2400" dirty="0" smtClean="0">
+                <a:solidFill>
+                  <a:srgbClr val="404040"/>
+                </a:solidFill>
+                <a:latin typeface="Bitter" panose="00000500000000000000" pitchFamily="50" charset="-18"/>
+              </a:rPr>
+              <a:t>Model aktorów</a:t>
+            </a:r>
+            <a:endParaRPr lang="pl-PL" sz="2400" dirty="0">
+              <a:solidFill>
+                <a:srgbClr val="404040"/>
+              </a:solidFill>
+              <a:latin typeface="Bitter" panose="00000500000000000000" pitchFamily="50" charset="-18"/>
+            </a:endParaRPr>
+          </a:p>
+        </p:txBody>
+      </p:sp>
     </p:spTree>
   </p:cSld>
   <p:clrMapOvr>
@@ -6042,7 +6329,7 @@
         </p:nvSpPr>
         <p:spPr>
           <a:xfrm>
-            <a:off x="1302773" y="421405"/>
+            <a:off x="1223278" y="242125"/>
             <a:ext cx="8200799" cy="677108"/>
           </a:xfrm>
         </p:spPr>
@@ -6089,7 +6376,7 @@
         </p:nvSpPr>
         <p:spPr>
           <a:xfrm>
-            <a:off x="627152" y="1444815"/>
+            <a:off x="1223278" y="749956"/>
             <a:ext cx="8595360" cy="608040"/>
           </a:xfrm>
         </p:spPr>
@@ -6132,7 +6419,7 @@
                 </a:solidFill>
                 <a:latin typeface="Lovelo Black" pitchFamily="18"/>
               </a:rPr>
-              <a:t>Erlang VM, OTP</a:t>
+              <a:t>Erlangiem</a:t>
             </a:r>
             <a:endParaRPr lang="en-US" dirty="0">
               <a:solidFill>
@@ -6154,7 +6441,7 @@
         </p:nvSpPr>
         <p:spPr>
           <a:xfrm>
-            <a:off x="2204720" y="1961282"/>
+            <a:off x="2125225" y="1481418"/>
             <a:ext cx="7298852" cy="1591193"/>
           </a:xfrm>
           <a:prstGeom prst="rect">
@@ -6354,8 +6641,8 @@
         </p:nvSpPr>
         <p:spPr bwMode="auto">
           <a:xfrm>
-            <a:off x="822960" y="4778663"/>
-            <a:ext cx="8399552" cy="1656000"/>
+            <a:off x="578387" y="4921893"/>
+            <a:ext cx="5588156" cy="1764000"/>
           </a:xfrm>
           <a:prstGeom prst="rect">
             <a:avLst/>
@@ -6554,18 +6841,24 @@
               <a:tabLst/>
             </a:pPr>
             <a:r>
-              <a:rPr kumimoji="0" lang="pl-PL" altLang="pl-PL" sz="1200" b="0" i="0" u="none" strike="noStrike" cap="none" normalizeH="0" baseline="0" dirty="0" smtClean="0">
-                <a:ln>
-                  <a:noFill/>
-                </a:ln>
+              <a:rPr lang="pl-PL" altLang="pl-PL" sz="1200" dirty="0">
                 <a:solidFill>
                   <a:srgbClr val="888888"/>
                 </a:solidFill>
-                <a:effectLst/>
-                <a:latin typeface="Consolas" panose="020B0609020204030204" pitchFamily="49" charset="0"/>
-                <a:cs typeface="Consolas" panose="020B0609020204030204" pitchFamily="49" charset="0"/>
-              </a:rPr>
-              <a:t>	</a:t>
+                <a:latin typeface="Consolas" panose="020B0609020204030204" pitchFamily="49" charset="0"/>
+                <a:cs typeface="Consolas" panose="020B0609020204030204" pitchFamily="49" charset="0"/>
+              </a:rPr>
+              <a:t> </a:t>
+            </a:r>
+            <a:r>
+              <a:rPr lang="pl-PL" altLang="pl-PL" sz="1200" dirty="0" smtClean="0">
+                <a:solidFill>
+                  <a:srgbClr val="888888"/>
+                </a:solidFill>
+                <a:latin typeface="Consolas" panose="020B0609020204030204" pitchFamily="49" charset="0"/>
+                <a:cs typeface="Consolas" panose="020B0609020204030204" pitchFamily="49" charset="0"/>
+              </a:rPr>
+              <a:t>   </a:t>
             </a:r>
             <a:r>
               <a:rPr kumimoji="0" lang="pl-PL" altLang="pl-PL" sz="1200" b="0" i="0" u="none" strike="noStrike" cap="none" normalizeH="0" baseline="0" dirty="0" smtClean="0">
@@ -7091,7 +7384,7 @@
                 <a:latin typeface="Consolas" panose="020B0609020204030204" pitchFamily="49" charset="0"/>
                 <a:cs typeface="Consolas" panose="020B0609020204030204" pitchFamily="49" charset="0"/>
               </a:rPr>
-              <a:t>	[ </a:t>
+              <a:t>    [ </a:t>
             </a:r>
             <a:r>
               <a:rPr kumimoji="0" lang="pl-PL" altLang="pl-PL" sz="1200" b="0" i="0" u="none" strike="noStrike" cap="none" normalizeH="0" baseline="0" dirty="0" smtClean="0">
@@ -7460,8 +7753,8 @@
         </p:nvSpPr>
         <p:spPr bwMode="auto">
           <a:xfrm>
-            <a:off x="822960" y="3631281"/>
-            <a:ext cx="8388000" cy="900000"/>
+            <a:off x="589938" y="3362195"/>
+            <a:ext cx="5576605" cy="1008000"/>
           </a:xfrm>
           <a:prstGeom prst="rect">
             <a:avLst/>
@@ -7695,14 +7988,14 @@
               <a:tabLst/>
             </a:pPr>
             <a:r>
-              <a:rPr lang="pl-PL" altLang="pl-PL" sz="1200" dirty="0">
+              <a:rPr lang="pl-PL" altLang="pl-PL" sz="1200" dirty="0" smtClean="0">
                 <a:solidFill>
                   <a:srgbClr val="000000"/>
                 </a:solidFill>
                 <a:latin typeface="Consolas" panose="020B0609020204030204" pitchFamily="49" charset="0"/>
                 <a:cs typeface="Consolas" panose="020B0609020204030204" pitchFamily="49" charset="0"/>
               </a:rPr>
-              <a:t>	</a:t>
+              <a:t>    </a:t>
             </a:r>
             <a:r>
               <a:rPr kumimoji="0" lang="pl-PL" altLang="pl-PL" sz="1200" b="0" i="0" u="none" strike="noStrike" cap="none" normalizeH="0" baseline="0" dirty="0" smtClean="0">
@@ -8128,6 +8421,125 @@
           </a:p>
         </p:txBody>
       </p:sp>
+      <p:sp>
+        <p:nvSpPr>
+          <p:cNvPr id="22" name="TextBox 21"/>
+          <p:cNvSpPr txBox="1"/>
+          <p:nvPr/>
+        </p:nvSpPr>
+        <p:spPr>
+          <a:xfrm>
+            <a:off x="6813755" y="3362195"/>
+            <a:ext cx="2930013" cy="2862322"/>
+          </a:xfrm>
+          <a:prstGeom prst="rect">
+            <a:avLst/>
+          </a:prstGeom>
+          <a:noFill/>
+        </p:spPr>
+        <p:txBody>
+          <a:bodyPr wrap="square" rtlCol="0">
+            <a:spAutoFit/>
+          </a:bodyPr>
+          <a:lstStyle/>
+          <a:p>
+            <a:pPr marL="285750" indent="-285750">
+              <a:lnSpc>
+                <a:spcPct val="200000"/>
+              </a:lnSpc>
+              <a:buFont typeface="Arial" panose="020B0604020202020204" pitchFamily="34" charset="0"/>
+              <a:buChar char="•"/>
+            </a:pPr>
+            <a:r>
+              <a:rPr lang="pl-PL" dirty="0" smtClean="0">
+                <a:solidFill>
+                  <a:srgbClr val="404040"/>
+                </a:solidFill>
+                <a:latin typeface="Bitter" panose="00000500000000000000" pitchFamily="50" charset="-18"/>
+              </a:rPr>
+              <a:t>Agent</a:t>
+            </a:r>
+          </a:p>
+          <a:p>
+            <a:pPr marL="285750" indent="-285750">
+              <a:lnSpc>
+                <a:spcPct val="200000"/>
+              </a:lnSpc>
+              <a:buFont typeface="Arial" panose="020B0604020202020204" pitchFamily="34" charset="0"/>
+              <a:buChar char="•"/>
+            </a:pPr>
+            <a:r>
+              <a:rPr lang="pl-PL" dirty="0" smtClean="0">
+                <a:solidFill>
+                  <a:srgbClr val="404040"/>
+                </a:solidFill>
+                <a:latin typeface="Bitter" panose="00000500000000000000" pitchFamily="50" charset="-18"/>
+              </a:rPr>
+              <a:t>GenServer</a:t>
+            </a:r>
+          </a:p>
+          <a:p>
+            <a:pPr marL="285750" indent="-285750">
+              <a:lnSpc>
+                <a:spcPct val="200000"/>
+              </a:lnSpc>
+              <a:buFont typeface="Arial" panose="020B0604020202020204" pitchFamily="34" charset="0"/>
+              <a:buChar char="•"/>
+            </a:pPr>
+            <a:r>
+              <a:rPr lang="pl-PL" dirty="0" smtClean="0">
+                <a:solidFill>
+                  <a:srgbClr val="404040"/>
+                </a:solidFill>
+                <a:latin typeface="Bitter" panose="00000500000000000000" pitchFamily="50" charset="-18"/>
+              </a:rPr>
+              <a:t>GenEvent</a:t>
+            </a:r>
+          </a:p>
+          <a:p>
+            <a:pPr marL="285750" indent="-285750">
+              <a:lnSpc>
+                <a:spcPct val="200000"/>
+              </a:lnSpc>
+              <a:buFont typeface="Arial" panose="020B0604020202020204" pitchFamily="34" charset="0"/>
+              <a:buChar char="•"/>
+            </a:pPr>
+            <a:r>
+              <a:rPr lang="pl-PL" dirty="0" smtClean="0">
+                <a:solidFill>
+                  <a:srgbClr val="404040"/>
+                </a:solidFill>
+                <a:latin typeface="Bitter" panose="00000500000000000000" pitchFamily="50" charset="-18"/>
+              </a:rPr>
+              <a:t>Supervisor</a:t>
+            </a:r>
+          </a:p>
+          <a:p>
+            <a:pPr marL="285750" indent="-285750">
+              <a:lnSpc>
+                <a:spcPct val="200000"/>
+              </a:lnSpc>
+              <a:buFont typeface="Arial" panose="020B0604020202020204" pitchFamily="34" charset="0"/>
+              <a:buChar char="•"/>
+            </a:pPr>
+            <a:r>
+              <a:rPr lang="pl-PL" dirty="0" smtClean="0">
+                <a:solidFill>
+                  <a:srgbClr val="404040"/>
+                </a:solidFill>
+                <a:latin typeface="Bitter" panose="00000500000000000000" pitchFamily="50" charset="-18"/>
+              </a:rPr>
+              <a:t>Application</a:t>
+            </a:r>
+            <a:endParaRPr lang="pl-PL" dirty="0">
+              <a:solidFill>
+                <a:srgbClr val="404040"/>
+              </a:solidFill>
+              <a:latin typeface="Bitter" panose="00000500000000000000" pitchFamily="50" charset="-18"/>
+            </a:endParaRPr>
+          </a:p>
+        </p:txBody>
+      </p:sp>
     </p:spTree>
   </p:cSld>
   <p:clrMapOvr>
@@ -8138,6 +8550,717 @@
       <p:transition spd="slow" p14:dur="2000"/>
     </mc:Choice>
     <mc:Fallback xmlns="">
+      <p:transition spd="slow"/>
+    </mc:Fallback>
+  </mc:AlternateContent>
+  <p:timing>
+    <p:tnLst>
+      <p:par>
+        <p:cTn id="1" dur="indefinite" restart="never" nodeType="tmRoot"/>
+      </p:par>
+    </p:tnLst>
+  </p:timing>
+</p:sld>
+</file>
+
+<file path=ppt/slides/slide6.xml><?xml version="1.0" encoding="utf-8"?>
+<p:sld xmlns:a="http://schemas.openxmlformats.org/drawingml/2006/main" xmlns:r="http://schemas.openxmlformats.org/officeDocument/2006/relationships" xmlns:p="http://schemas.openxmlformats.org/presentationml/2006/main">
+  <p:cSld>
+    <p:spTree>
+      <p:nvGrpSpPr>
+        <p:cNvPr id="1" name=""/>
+        <p:cNvGrpSpPr/>
+        <p:nvPr/>
+      </p:nvGrpSpPr>
+      <p:grpSpPr>
+        <a:xfrm>
+          <a:off x="0" y="0"/>
+          <a:ext cx="0" cy="0"/>
+          <a:chOff x="0" y="0"/>
+          <a:chExt cx="0" cy="0"/>
+        </a:xfrm>
+      </p:grpSpPr>
+      <p:sp>
+        <p:nvSpPr>
+          <p:cNvPr id="2" name="Title 1"/>
+          <p:cNvSpPr txBox="1">
+            <a:spLocks noGrp="1"/>
+          </p:cNvSpPr>
+          <p:nvPr>
+            <p:ph type="title" idx="4294967295"/>
+          </p:nvPr>
+        </p:nvSpPr>
+        <p:spPr>
+          <a:xfrm>
+            <a:off x="1223278" y="242125"/>
+            <a:ext cx="8200799" cy="677108"/>
+          </a:xfrm>
+        </p:spPr>
+        <p:txBody>
+          <a:bodyPr>
+            <a:spAutoFit/>
+          </a:bodyPr>
+          <a:lstStyle/>
+          <a:p>
+            <a:pPr lvl="0" algn="l"/>
+            <a:r>
+              <a:rPr lang="en-US" dirty="0" err="1">
+                <a:solidFill>
+                  <a:schemeClr val="tx1">
+                    <a:lumMod val="75000"/>
+                    <a:lumOff val="25000"/>
+                  </a:schemeClr>
+                </a:solidFill>
+                <a:latin typeface="Lovelo Black" pitchFamily="18"/>
+              </a:rPr>
+              <a:t>założenia</a:t>
+            </a:r>
+            <a:endParaRPr lang="en-US" dirty="0">
+              <a:solidFill>
+                <a:schemeClr val="tx1">
+                  <a:lumMod val="75000"/>
+                  <a:lumOff val="25000"/>
+                </a:schemeClr>
+              </a:solidFill>
+              <a:latin typeface="Lovelo Black" pitchFamily="18"/>
+            </a:endParaRPr>
+          </a:p>
+        </p:txBody>
+      </p:sp>
+      <p:sp>
+        <p:nvSpPr>
+          <p:cNvPr id="4" name="Subtitle 3"/>
+          <p:cNvSpPr txBox="1">
+            <a:spLocks noGrp="1"/>
+          </p:cNvSpPr>
+          <p:nvPr>
+            <p:ph type="subTitle" idx="4294967295"/>
+          </p:nvPr>
+        </p:nvSpPr>
+        <p:spPr>
+          <a:xfrm>
+            <a:off x="1223278" y="749956"/>
+            <a:ext cx="8595360" cy="608040"/>
+          </a:xfrm>
+        </p:spPr>
+        <p:txBody>
+          <a:bodyPr anchor="ctr"/>
+          <a:lstStyle/>
+          <a:p>
+            <a:pPr lvl="0" algn="l"/>
+            <a:r>
+              <a:rPr lang="pl-PL" dirty="0" smtClean="0">
+                <a:solidFill>
+                  <a:schemeClr val="tx1">
+                    <a:lumMod val="75000"/>
+                    <a:lumOff val="25000"/>
+                  </a:schemeClr>
+                </a:solidFill>
+                <a:latin typeface="Lovelo Black" pitchFamily="18"/>
+              </a:rPr>
+              <a:t>Rozszerzalność</a:t>
+            </a:r>
+            <a:endParaRPr lang="en-US" dirty="0">
+              <a:solidFill>
+                <a:schemeClr val="tx1">
+                  <a:lumMod val="75000"/>
+                  <a:lumOff val="25000"/>
+                </a:schemeClr>
+              </a:solidFill>
+              <a:latin typeface="Lovelo Black" pitchFamily="18"/>
+            </a:endParaRPr>
+          </a:p>
+        </p:txBody>
+      </p:sp>
+      <p:pic>
+        <p:nvPicPr>
+          <p:cNvPr id="8" name="Picture 7"/>
+          <p:cNvPicPr>
+            <a:picLocks noChangeAspect="1"/>
+          </p:cNvPicPr>
+          <p:nvPr/>
+        </p:nvPicPr>
+        <p:blipFill>
+          <a:blip r:embed="rId3">
+            <a:alphaModFix/>
+            <a:extLst>
+              <a:ext uri="{BEBA8EAE-BF5A-486C-A8C5-ECC9F3942E4B}">
+                <a14:imgProps xmlns:a14="http://schemas.microsoft.com/office/drawing/2010/main">
+                  <a14:imgLayer r:embed="rId4">
+                    <a14:imgEffect>
+                      <a14:brightnessContrast contrast="-40000"/>
+                    </a14:imgEffect>
+                  </a14:imgLayer>
+                </a14:imgProps>
+              </a:ext>
+            </a:extLst>
+          </a:blip>
+          <a:srcRect/>
+          <a:stretch>
+            <a:fillRect/>
+          </a:stretch>
+        </p:blipFill>
+        <p:spPr>
+          <a:xfrm>
+            <a:off x="366119" y="331200"/>
+            <a:ext cx="857159" cy="857519"/>
+          </a:xfrm>
+          <a:prstGeom prst="rect">
+            <a:avLst/>
+          </a:prstGeom>
+          <a:noFill/>
+          <a:ln>
+            <a:noFill/>
+          </a:ln>
+        </p:spPr>
+      </p:pic>
+      <p:sp>
+        <p:nvSpPr>
+          <p:cNvPr id="9" name="TextBox 8"/>
+          <p:cNvSpPr txBox="1"/>
+          <p:nvPr/>
+        </p:nvSpPr>
+        <p:spPr>
+          <a:xfrm>
+            <a:off x="677811" y="2982900"/>
+            <a:ext cx="8746266" cy="369332"/>
+          </a:xfrm>
+          <a:prstGeom prst="rect">
+            <a:avLst/>
+          </a:prstGeom>
+          <a:noFill/>
+        </p:spPr>
+        <p:txBody>
+          <a:bodyPr wrap="square" rtlCol="0">
+            <a:spAutoFit/>
+          </a:bodyPr>
+          <a:lstStyle/>
+          <a:p>
+            <a:pPr marL="285750" indent="-285750">
+              <a:buFont typeface="Arial" panose="020B0604020202020204" pitchFamily="34" charset="0"/>
+              <a:buChar char="•"/>
+            </a:pPr>
+            <a:r>
+              <a:rPr lang="pl-PL" dirty="0" smtClean="0">
+                <a:solidFill>
+                  <a:srgbClr val="404040"/>
+                </a:solidFill>
+                <a:latin typeface="Bitter" panose="00000500000000000000" pitchFamily="50" charset="-18"/>
+              </a:rPr>
+              <a:t>Większość Elixira jest napisana w Elixirze</a:t>
+            </a:r>
+            <a:endParaRPr lang="pl-PL" dirty="0">
+              <a:solidFill>
+                <a:srgbClr val="404040"/>
+              </a:solidFill>
+              <a:latin typeface="Bitter" panose="00000500000000000000" pitchFamily="50" charset="-18"/>
+            </a:endParaRPr>
+          </a:p>
+        </p:txBody>
+      </p:sp>
+      <p:cxnSp>
+        <p:nvCxnSpPr>
+          <p:cNvPr id="15" name="Straight Arrow Connector 14"/>
+          <p:cNvCxnSpPr/>
+          <p:nvPr/>
+        </p:nvCxnSpPr>
+        <p:spPr>
+          <a:xfrm>
+            <a:off x="2842923" y="1357996"/>
+            <a:ext cx="0" cy="628120"/>
+          </a:xfrm>
+          <a:prstGeom prst="straightConnector1">
+            <a:avLst/>
+          </a:prstGeom>
+          <a:ln w="28575">
+            <a:solidFill>
+              <a:schemeClr val="bg1">
+                <a:lumMod val="75000"/>
+              </a:schemeClr>
+            </a:solidFill>
+            <a:tailEnd type="triangle"/>
+          </a:ln>
+        </p:spPr>
+        <p:style>
+          <a:lnRef idx="3">
+            <a:schemeClr val="accent5"/>
+          </a:lnRef>
+          <a:fillRef idx="0">
+            <a:schemeClr val="accent5"/>
+          </a:fillRef>
+          <a:effectRef idx="2">
+            <a:schemeClr val="accent5"/>
+          </a:effectRef>
+          <a:fontRef idx="minor">
+            <a:schemeClr val="tx1"/>
+          </a:fontRef>
+        </p:style>
+      </p:cxnSp>
+      <p:sp>
+        <p:nvSpPr>
+          <p:cNvPr id="17" name="Subtitle 3"/>
+          <p:cNvSpPr txBox="1">
+            <a:spLocks/>
+          </p:cNvSpPr>
+          <p:nvPr/>
+        </p:nvSpPr>
+        <p:spPr>
+          <a:xfrm>
+            <a:off x="1223278" y="2051094"/>
+            <a:ext cx="8595360" cy="608040"/>
+          </a:xfrm>
+          <a:prstGeom prst="rect">
+            <a:avLst/>
+          </a:prstGeom>
+          <a:noFill/>
+          <a:ln>
+            <a:noFill/>
+          </a:ln>
+        </p:spPr>
+        <p:txBody>
+          <a:bodyPr lIns="0" tIns="0" rIns="0" bIns="0" anchor="ctr">
+            <a:noAutofit/>
+          </a:bodyPr>
+          <a:lstStyle>
+            <a:lvl1pPr marL="0" marR="0" indent="0" rtl="0" hangingPunct="0">
+              <a:spcBef>
+                <a:spcPts val="0"/>
+              </a:spcBef>
+              <a:spcAft>
+                <a:spcPts val="1417"/>
+              </a:spcAft>
+              <a:tabLst/>
+              <a:defRPr lang="en-US" sz="3200" b="0" i="0" u="none" strike="noStrike" kern="1200" cap="none">
+                <a:ln>
+                  <a:noFill/>
+                </a:ln>
+                <a:latin typeface="Liberation Sans" pitchFamily="18"/>
+              </a:defRPr>
+            </a:lvl1pPr>
+            <a:lvl2pPr marL="685800" indent="-228600" algn="l" defTabSz="914400" rtl="0" eaLnBrk="1" latinLnBrk="0" hangingPunct="1">
+              <a:lnSpc>
+                <a:spcPct val="90000"/>
+              </a:lnSpc>
+              <a:spcBef>
+                <a:spcPts val="500"/>
+              </a:spcBef>
+              <a:buFont typeface="Arial" panose="020B0604020202020204" pitchFamily="34" charset="0"/>
+              <a:buChar char="•"/>
+              <a:defRPr sz="2400" kern="1200">
+                <a:solidFill>
+                  <a:schemeClr val="tx1"/>
+                </a:solidFill>
+                <a:latin typeface="+mn-lt"/>
+                <a:ea typeface="+mn-ea"/>
+                <a:cs typeface="+mn-cs"/>
+              </a:defRPr>
+            </a:lvl2pPr>
+            <a:lvl3pPr marL="1143000" indent="-228600" algn="l" defTabSz="914400" rtl="0" eaLnBrk="1" latinLnBrk="0" hangingPunct="1">
+              <a:lnSpc>
+                <a:spcPct val="90000"/>
+              </a:lnSpc>
+              <a:spcBef>
+                <a:spcPts val="500"/>
+              </a:spcBef>
+              <a:buFont typeface="Arial" panose="020B0604020202020204" pitchFamily="34" charset="0"/>
+              <a:buChar char="•"/>
+              <a:defRPr sz="2000" kern="1200">
+                <a:solidFill>
+                  <a:schemeClr val="tx1"/>
+                </a:solidFill>
+                <a:latin typeface="+mn-lt"/>
+                <a:ea typeface="+mn-ea"/>
+                <a:cs typeface="+mn-cs"/>
+              </a:defRPr>
+            </a:lvl3pPr>
+            <a:lvl4pPr marL="1600200" indent="-228600" algn="l" defTabSz="914400" rtl="0" eaLnBrk="1" latinLnBrk="0" hangingPunct="1">
+              <a:lnSpc>
+                <a:spcPct val="90000"/>
+              </a:lnSpc>
+              <a:spcBef>
+                <a:spcPts val="500"/>
+              </a:spcBef>
+              <a:buFont typeface="Arial" panose="020B0604020202020204" pitchFamily="34" charset="0"/>
+              <a:buChar char="•"/>
+              <a:defRPr sz="1800" kern="1200">
+                <a:solidFill>
+                  <a:schemeClr val="tx1"/>
+                </a:solidFill>
+                <a:latin typeface="+mn-lt"/>
+                <a:ea typeface="+mn-ea"/>
+                <a:cs typeface="+mn-cs"/>
+              </a:defRPr>
+            </a:lvl4pPr>
+            <a:lvl5pPr marL="2057400" indent="-228600" algn="l" defTabSz="914400" rtl="0" eaLnBrk="1" latinLnBrk="0" hangingPunct="1">
+              <a:lnSpc>
+                <a:spcPct val="90000"/>
+              </a:lnSpc>
+              <a:spcBef>
+                <a:spcPts val="500"/>
+              </a:spcBef>
+              <a:buFont typeface="Arial" panose="020B0604020202020204" pitchFamily="34" charset="0"/>
+              <a:buChar char="•"/>
+              <a:defRPr sz="1800" kern="1200">
+                <a:solidFill>
+                  <a:schemeClr val="tx1"/>
+                </a:solidFill>
+                <a:latin typeface="+mn-lt"/>
+                <a:ea typeface="+mn-ea"/>
+                <a:cs typeface="+mn-cs"/>
+              </a:defRPr>
+            </a:lvl5pPr>
+            <a:lvl6pPr marL="2514600" indent="-228600" algn="l" defTabSz="914400" rtl="0" eaLnBrk="1" latinLnBrk="0" hangingPunct="1">
+              <a:lnSpc>
+                <a:spcPct val="90000"/>
+              </a:lnSpc>
+              <a:spcBef>
+                <a:spcPts val="500"/>
+              </a:spcBef>
+              <a:buFont typeface="Arial" panose="020B0604020202020204" pitchFamily="34" charset="0"/>
+              <a:buChar char="•"/>
+              <a:defRPr sz="1800" kern="1200">
+                <a:solidFill>
+                  <a:schemeClr val="tx1"/>
+                </a:solidFill>
+                <a:latin typeface="+mn-lt"/>
+                <a:ea typeface="+mn-ea"/>
+                <a:cs typeface="+mn-cs"/>
+              </a:defRPr>
+            </a:lvl6pPr>
+            <a:lvl7pPr marL="2971800" indent="-228600" algn="l" defTabSz="914400" rtl="0" eaLnBrk="1" latinLnBrk="0" hangingPunct="1">
+              <a:lnSpc>
+                <a:spcPct val="90000"/>
+              </a:lnSpc>
+              <a:spcBef>
+                <a:spcPts val="500"/>
+              </a:spcBef>
+              <a:buFont typeface="Arial" panose="020B0604020202020204" pitchFamily="34" charset="0"/>
+              <a:buChar char="•"/>
+              <a:defRPr sz="1800" kern="1200">
+                <a:solidFill>
+                  <a:schemeClr val="tx1"/>
+                </a:solidFill>
+                <a:latin typeface="+mn-lt"/>
+                <a:ea typeface="+mn-ea"/>
+                <a:cs typeface="+mn-cs"/>
+              </a:defRPr>
+            </a:lvl7pPr>
+            <a:lvl8pPr marL="3429000" indent="-228600" algn="l" defTabSz="914400" rtl="0" eaLnBrk="1" latinLnBrk="0" hangingPunct="1">
+              <a:lnSpc>
+                <a:spcPct val="90000"/>
+              </a:lnSpc>
+              <a:spcBef>
+                <a:spcPts val="500"/>
+              </a:spcBef>
+              <a:buFont typeface="Arial" panose="020B0604020202020204" pitchFamily="34" charset="0"/>
+              <a:buChar char="•"/>
+              <a:defRPr sz="1800" kern="1200">
+                <a:solidFill>
+                  <a:schemeClr val="tx1"/>
+                </a:solidFill>
+                <a:latin typeface="+mn-lt"/>
+                <a:ea typeface="+mn-ea"/>
+                <a:cs typeface="+mn-cs"/>
+              </a:defRPr>
+            </a:lvl8pPr>
+            <a:lvl9pPr marL="3886200" indent="-228600" algn="l" defTabSz="914400" rtl="0" eaLnBrk="1" latinLnBrk="0" hangingPunct="1">
+              <a:lnSpc>
+                <a:spcPct val="90000"/>
+              </a:lnSpc>
+              <a:spcBef>
+                <a:spcPts val="500"/>
+              </a:spcBef>
+              <a:buFont typeface="Arial" panose="020B0604020202020204" pitchFamily="34" charset="0"/>
+              <a:buChar char="•"/>
+              <a:defRPr sz="1800" kern="1200">
+                <a:solidFill>
+                  <a:schemeClr val="tx1"/>
+                </a:solidFill>
+                <a:latin typeface="+mn-lt"/>
+                <a:ea typeface="+mn-ea"/>
+                <a:cs typeface="+mn-cs"/>
+              </a:defRPr>
+            </a:lvl9pPr>
+          </a:lstStyle>
+          <a:p>
+            <a:pPr algn="l"/>
+            <a:r>
+              <a:rPr lang="pl-PL" dirty="0" smtClean="0">
+                <a:solidFill>
+                  <a:schemeClr val="tx1">
+                    <a:lumMod val="75000"/>
+                    <a:lumOff val="25000"/>
+                  </a:schemeClr>
+                </a:solidFill>
+                <a:latin typeface="Lovelo Black" pitchFamily="18"/>
+              </a:rPr>
+              <a:t>Makra, protokoły</a:t>
+            </a:r>
+            <a:endParaRPr lang="pl-PL" dirty="0">
+              <a:solidFill>
+                <a:schemeClr val="tx1">
+                  <a:lumMod val="75000"/>
+                  <a:lumOff val="25000"/>
+                </a:schemeClr>
+              </a:solidFill>
+              <a:latin typeface="Lovelo Black" pitchFamily="18"/>
+            </a:endParaRPr>
+          </a:p>
+        </p:txBody>
+      </p:sp>
+    </p:spTree>
+    <p:extLst>
+      <p:ext uri="{BB962C8B-B14F-4D97-AF65-F5344CB8AC3E}">
+        <p14:creationId xmlns:p14="http://schemas.microsoft.com/office/powerpoint/2010/main" val="4107294940"/>
+      </p:ext>
+    </p:extLst>
+  </p:cSld>
+  <p:clrMapOvr>
+    <a:masterClrMapping/>
+  </p:clrMapOvr>
+  <mc:AlternateContent xmlns:mc="http://schemas.openxmlformats.org/markup-compatibility/2006">
+    <mc:Choice xmlns:p14="http://schemas.microsoft.com/office/powerpoint/2010/main" Requires="p14">
+      <p:transition spd="slow" p14:dur="2000"/>
+    </mc:Choice>
+    <mc:Fallback>
+      <p:transition spd="slow"/>
+    </mc:Fallback>
+  </mc:AlternateContent>
+  <p:timing>
+    <p:tnLst>
+      <p:par>
+        <p:cTn id="1" dur="indefinite" restart="never" nodeType="tmRoot"/>
+      </p:par>
+    </p:tnLst>
+  </p:timing>
+</p:sld>
+</file>
+
+<file path=ppt/slides/slide7.xml><?xml version="1.0" encoding="utf-8"?>
+<p:sld xmlns:a="http://schemas.openxmlformats.org/drawingml/2006/main" xmlns:r="http://schemas.openxmlformats.org/officeDocument/2006/relationships" xmlns:p="http://schemas.openxmlformats.org/presentationml/2006/main">
+  <p:cSld>
+    <p:spTree>
+      <p:nvGrpSpPr>
+        <p:cNvPr id="1" name=""/>
+        <p:cNvGrpSpPr/>
+        <p:nvPr/>
+      </p:nvGrpSpPr>
+      <p:grpSpPr>
+        <a:xfrm>
+          <a:off x="0" y="0"/>
+          <a:ext cx="0" cy="0"/>
+          <a:chOff x="0" y="0"/>
+          <a:chExt cx="0" cy="0"/>
+        </a:xfrm>
+      </p:grpSpPr>
+      <p:sp>
+        <p:nvSpPr>
+          <p:cNvPr id="2" name="Title 1"/>
+          <p:cNvSpPr txBox="1">
+            <a:spLocks noGrp="1"/>
+          </p:cNvSpPr>
+          <p:nvPr>
+            <p:ph type="title" idx="4294967295"/>
+          </p:nvPr>
+        </p:nvSpPr>
+        <p:spPr>
+          <a:xfrm>
+            <a:off x="1223278" y="421405"/>
+            <a:ext cx="8200799" cy="677108"/>
+          </a:xfrm>
+        </p:spPr>
+        <p:txBody>
+          <a:bodyPr>
+            <a:spAutoFit/>
+          </a:bodyPr>
+          <a:lstStyle/>
+          <a:p>
+            <a:pPr lvl="0" algn="l"/>
+            <a:r>
+              <a:rPr lang="pl-PL" dirty="0" smtClean="0">
+                <a:solidFill>
+                  <a:schemeClr val="tx1">
+                    <a:lumMod val="75000"/>
+                    <a:lumOff val="25000"/>
+                  </a:schemeClr>
+                </a:solidFill>
+                <a:latin typeface="Lovelo Black" pitchFamily="18"/>
+              </a:rPr>
+              <a:t>Dodatkowo</a:t>
+            </a:r>
+            <a:endParaRPr lang="en-US" dirty="0">
+              <a:solidFill>
+                <a:schemeClr val="tx1">
+                  <a:lumMod val="75000"/>
+                  <a:lumOff val="25000"/>
+                </a:schemeClr>
+              </a:solidFill>
+              <a:latin typeface="Lovelo Black" pitchFamily="18"/>
+            </a:endParaRPr>
+          </a:p>
+        </p:txBody>
+      </p:sp>
+      <p:pic>
+        <p:nvPicPr>
+          <p:cNvPr id="8" name="Picture 7"/>
+          <p:cNvPicPr>
+            <a:picLocks noChangeAspect="1"/>
+          </p:cNvPicPr>
+          <p:nvPr/>
+        </p:nvPicPr>
+        <p:blipFill>
+          <a:blip r:embed="rId3">
+            <a:alphaModFix/>
+            <a:extLst>
+              <a:ext uri="{BEBA8EAE-BF5A-486C-A8C5-ECC9F3942E4B}">
+                <a14:imgProps xmlns:a14="http://schemas.microsoft.com/office/drawing/2010/main">
+                  <a14:imgLayer r:embed="rId4">
+                    <a14:imgEffect>
+                      <a14:brightnessContrast contrast="-40000"/>
+                    </a14:imgEffect>
+                  </a14:imgLayer>
+                </a14:imgProps>
+              </a:ext>
+            </a:extLst>
+          </a:blip>
+          <a:srcRect/>
+          <a:stretch>
+            <a:fillRect/>
+          </a:stretch>
+        </p:blipFill>
+        <p:spPr>
+          <a:xfrm>
+            <a:off x="366119" y="331200"/>
+            <a:ext cx="857159" cy="857519"/>
+          </a:xfrm>
+          <a:prstGeom prst="rect">
+            <a:avLst/>
+          </a:prstGeom>
+          <a:noFill/>
+          <a:ln>
+            <a:noFill/>
+          </a:ln>
+        </p:spPr>
+      </p:pic>
+      <p:sp>
+        <p:nvSpPr>
+          <p:cNvPr id="9" name="TextBox 8"/>
+          <p:cNvSpPr txBox="1"/>
+          <p:nvPr/>
+        </p:nvSpPr>
+        <p:spPr>
+          <a:xfrm>
+            <a:off x="677811" y="1783364"/>
+            <a:ext cx="8746266" cy="1477328"/>
+          </a:xfrm>
+          <a:prstGeom prst="rect">
+            <a:avLst/>
+          </a:prstGeom>
+          <a:noFill/>
+        </p:spPr>
+        <p:txBody>
+          <a:bodyPr wrap="square" rtlCol="0">
+            <a:spAutoFit/>
+          </a:bodyPr>
+          <a:lstStyle/>
+          <a:p>
+            <a:pPr marL="285750" indent="-285750">
+              <a:buFont typeface="Arial" panose="020B0604020202020204" pitchFamily="34" charset="0"/>
+              <a:buChar char="•"/>
+            </a:pPr>
+            <a:r>
+              <a:rPr lang="pl-PL" dirty="0" smtClean="0">
+                <a:solidFill>
+                  <a:srgbClr val="404040"/>
+                </a:solidFill>
+                <a:latin typeface="Bitter" panose="00000500000000000000" pitchFamily="50" charset="-18"/>
+              </a:rPr>
+              <a:t>ExUnit</a:t>
+            </a:r>
+          </a:p>
+          <a:p>
+            <a:pPr marL="285750" indent="-285750">
+              <a:buFont typeface="Arial" panose="020B0604020202020204" pitchFamily="34" charset="0"/>
+              <a:buChar char="•"/>
+            </a:pPr>
+            <a:r>
+              <a:rPr lang="pl-PL" dirty="0" smtClean="0">
+                <a:solidFill>
+                  <a:srgbClr val="404040"/>
+                </a:solidFill>
+                <a:latin typeface="Bitter" panose="00000500000000000000" pitchFamily="50" charset="-18"/>
+              </a:rPr>
+              <a:t>Mix</a:t>
+            </a:r>
+          </a:p>
+          <a:p>
+            <a:pPr marL="285750" indent="-285750">
+              <a:buFont typeface="Arial" panose="020B0604020202020204" pitchFamily="34" charset="0"/>
+              <a:buChar char="•"/>
+            </a:pPr>
+            <a:r>
+              <a:rPr lang="pl-PL" dirty="0" smtClean="0">
+                <a:solidFill>
+                  <a:srgbClr val="404040"/>
+                </a:solidFill>
+                <a:latin typeface="Bitter" panose="00000500000000000000" pitchFamily="50" charset="-18"/>
+              </a:rPr>
+              <a:t>Sets, Dictionaries, Ranges</a:t>
+            </a:r>
+          </a:p>
+          <a:p>
+            <a:pPr marL="285750" indent="-285750">
+              <a:buFont typeface="Arial" panose="020B0604020202020204" pitchFamily="34" charset="0"/>
+              <a:buChar char="•"/>
+            </a:pPr>
+            <a:r>
+              <a:rPr lang="pl-PL" dirty="0" smtClean="0">
+                <a:solidFill>
+                  <a:srgbClr val="404040"/>
+                </a:solidFill>
+                <a:latin typeface="Bitter" panose="00000500000000000000" pitchFamily="50" charset="-18"/>
+              </a:rPr>
+              <a:t>Polimorficzne rekordy</a:t>
+            </a:r>
+          </a:p>
+          <a:p>
+            <a:pPr marL="285750" indent="-285750">
+              <a:buFont typeface="Arial" panose="020B0604020202020204" pitchFamily="34" charset="0"/>
+              <a:buChar char="•"/>
+            </a:pPr>
+            <a:r>
+              <a:rPr lang="pl-PL" dirty="0" smtClean="0">
+                <a:solidFill>
+                  <a:srgbClr val="404040"/>
+                </a:solidFill>
+                <a:latin typeface="Bitter" panose="00000500000000000000" pitchFamily="50" charset="-18"/>
+              </a:rPr>
+              <a:t>„Lazy” Enum = Stream</a:t>
+            </a:r>
+            <a:endParaRPr lang="en-US" dirty="0">
+              <a:solidFill>
+                <a:srgbClr val="404040"/>
+              </a:solidFill>
+              <a:latin typeface="Bitter" panose="00000500000000000000" pitchFamily="50" charset="-18"/>
+            </a:endParaRPr>
+          </a:p>
+        </p:txBody>
+      </p:sp>
+    </p:spTree>
+    <p:extLst>
+      <p:ext uri="{BB962C8B-B14F-4D97-AF65-F5344CB8AC3E}">
+        <p14:creationId xmlns:p14="http://schemas.microsoft.com/office/powerpoint/2010/main" val="730654292"/>
+      </p:ext>
+    </p:extLst>
+  </p:cSld>
+  <p:clrMapOvr>
+    <a:masterClrMapping/>
+  </p:clrMapOvr>
+  <mc:AlternateContent xmlns:mc="http://schemas.openxmlformats.org/markup-compatibility/2006">
+    <mc:Choice xmlns:p14="http://schemas.microsoft.com/office/powerpoint/2010/main" Requires="p14">
+      <p:transition spd="slow" p14:dur="2000"/>
+    </mc:Choice>
+    <mc:Fallback>
       <p:transition spd="slow"/>
     </mc:Fallback>
   </mc:AlternateContent>
